--- a/Articles/3_BrowserUseWithDeepSeek/img/designDoc.pptx
+++ b/Articles/3_BrowserUseWithDeepSeek/img/designDoc.pptx
@@ -7,6 +7,7 @@
   <p:sldIdLst>
     <p:sldId id="257" r:id="rId2"/>
     <p:sldId id="256" r:id="rId3"/>
+    <p:sldId id="258" r:id="rId4"/>
   </p:sldIdLst>
   <p:sldSz cx="12192000" cy="6858000"/>
   <p:notesSz cx="6858000" cy="9144000"/>
@@ -262,7 +263,7 @@
           <a:p>
             <a:fld id="{1DDE15A5-9415-4BDF-A2D9-2217B1E34822}" type="datetimeFigureOut">
               <a:rPr lang="en-SG" smtClean="0"/>
-              <a:t>10/3/2025</a:t>
+              <a:t>16/3/2025</a:t>
             </a:fld>
             <a:endParaRPr lang="en-SG"/>
           </a:p>
@@ -462,7 +463,7 @@
           <a:p>
             <a:fld id="{1DDE15A5-9415-4BDF-A2D9-2217B1E34822}" type="datetimeFigureOut">
               <a:rPr lang="en-SG" smtClean="0"/>
-              <a:t>10/3/2025</a:t>
+              <a:t>16/3/2025</a:t>
             </a:fld>
             <a:endParaRPr lang="en-SG"/>
           </a:p>
@@ -672,7 +673,7 @@
           <a:p>
             <a:fld id="{1DDE15A5-9415-4BDF-A2D9-2217B1E34822}" type="datetimeFigureOut">
               <a:rPr lang="en-SG" smtClean="0"/>
-              <a:t>10/3/2025</a:t>
+              <a:t>16/3/2025</a:t>
             </a:fld>
             <a:endParaRPr lang="en-SG"/>
           </a:p>
@@ -872,7 +873,7 @@
           <a:p>
             <a:fld id="{1DDE15A5-9415-4BDF-A2D9-2217B1E34822}" type="datetimeFigureOut">
               <a:rPr lang="en-SG" smtClean="0"/>
-              <a:t>10/3/2025</a:t>
+              <a:t>16/3/2025</a:t>
             </a:fld>
             <a:endParaRPr lang="en-SG"/>
           </a:p>
@@ -1148,7 +1149,7 @@
           <a:p>
             <a:fld id="{1DDE15A5-9415-4BDF-A2D9-2217B1E34822}" type="datetimeFigureOut">
               <a:rPr lang="en-SG" smtClean="0"/>
-              <a:t>10/3/2025</a:t>
+              <a:t>16/3/2025</a:t>
             </a:fld>
             <a:endParaRPr lang="en-SG"/>
           </a:p>
@@ -1416,7 +1417,7 @@
           <a:p>
             <a:fld id="{1DDE15A5-9415-4BDF-A2D9-2217B1E34822}" type="datetimeFigureOut">
               <a:rPr lang="en-SG" smtClean="0"/>
-              <a:t>10/3/2025</a:t>
+              <a:t>16/3/2025</a:t>
             </a:fld>
             <a:endParaRPr lang="en-SG"/>
           </a:p>
@@ -1831,7 +1832,7 @@
           <a:p>
             <a:fld id="{1DDE15A5-9415-4BDF-A2D9-2217B1E34822}" type="datetimeFigureOut">
               <a:rPr lang="en-SG" smtClean="0"/>
-              <a:t>10/3/2025</a:t>
+              <a:t>16/3/2025</a:t>
             </a:fld>
             <a:endParaRPr lang="en-SG"/>
           </a:p>
@@ -1973,7 +1974,7 @@
           <a:p>
             <a:fld id="{1DDE15A5-9415-4BDF-A2D9-2217B1E34822}" type="datetimeFigureOut">
               <a:rPr lang="en-SG" smtClean="0"/>
-              <a:t>10/3/2025</a:t>
+              <a:t>16/3/2025</a:t>
             </a:fld>
             <a:endParaRPr lang="en-SG"/>
           </a:p>
@@ -2086,7 +2087,7 @@
           <a:p>
             <a:fld id="{1DDE15A5-9415-4BDF-A2D9-2217B1E34822}" type="datetimeFigureOut">
               <a:rPr lang="en-SG" smtClean="0"/>
-              <a:t>10/3/2025</a:t>
+              <a:t>16/3/2025</a:t>
             </a:fld>
             <a:endParaRPr lang="en-SG"/>
           </a:p>
@@ -2399,7 +2400,7 @@
           <a:p>
             <a:fld id="{1DDE15A5-9415-4BDF-A2D9-2217B1E34822}" type="datetimeFigureOut">
               <a:rPr lang="en-SG" smtClean="0"/>
-              <a:t>10/3/2025</a:t>
+              <a:t>16/3/2025</a:t>
             </a:fld>
             <a:endParaRPr lang="en-SG"/>
           </a:p>
@@ -2688,7 +2689,7 @@
           <a:p>
             <a:fld id="{1DDE15A5-9415-4BDF-A2D9-2217B1E34822}" type="datetimeFigureOut">
               <a:rPr lang="en-SG" smtClean="0"/>
-              <a:t>10/3/2025</a:t>
+              <a:t>16/3/2025</a:t>
             </a:fld>
             <a:endParaRPr lang="en-SG"/>
           </a:p>
@@ -2931,7 +2932,7 @@
           <a:p>
             <a:fld id="{1DDE15A5-9415-4BDF-A2D9-2217B1E34822}" type="datetimeFigureOut">
               <a:rPr lang="en-SG" smtClean="0"/>
-              <a:t>10/3/2025</a:t>
+              <a:t>16/3/2025</a:t>
             </a:fld>
             <a:endParaRPr lang="en-SG"/>
           </a:p>
@@ -6788,6 +6789,625 @@
 </p:sld>
 </file>
 
+<file path=ppt/slides/slide3.xml><?xml version="1.0" encoding="utf-8"?>
+<p:sld xmlns:a="http://schemas.openxmlformats.org/drawingml/2006/main" xmlns:r="http://schemas.openxmlformats.org/officeDocument/2006/relationships" xmlns:p="http://schemas.openxmlformats.org/presentationml/2006/main">
+  <p:cSld>
+    <p:spTree>
+      <p:nvGrpSpPr>
+        <p:cNvPr id="1" name=""/>
+        <p:cNvGrpSpPr/>
+        <p:nvPr/>
+      </p:nvGrpSpPr>
+      <p:grpSpPr>
+        <a:xfrm>
+          <a:off x="0" y="0"/>
+          <a:ext cx="0" cy="0"/>
+          <a:chOff x="0" y="0"/>
+          <a:chExt cx="0" cy="0"/>
+        </a:xfrm>
+      </p:grpSpPr>
+      <p:pic>
+        <p:nvPicPr>
+          <p:cNvPr id="4" name="Graphic 3" descr="Web design with solid fill">
+            <a:extLst>
+              <a:ext uri="{FF2B5EF4-FFF2-40B4-BE49-F238E27FC236}">
+                <a16:creationId xmlns:a16="http://schemas.microsoft.com/office/drawing/2014/main" id="{EA13E16D-2760-8D6F-9070-EB7F45E3039E}"/>
+              </a:ext>
+            </a:extLst>
+          </p:cNvPr>
+          <p:cNvPicPr>
+            <a:picLocks noChangeAspect="1"/>
+          </p:cNvPicPr>
+          <p:nvPr/>
+        </p:nvPicPr>
+        <p:blipFill>
+          <a:blip r:embed="rId2">
+            <a:extLst>
+              <a:ext uri="{96DAC541-7B7A-43D3-8B79-37D633B846F1}">
+                <asvg:svgBlip xmlns:asvg="http://schemas.microsoft.com/office/drawing/2016/SVG/main" r:embed="rId3"/>
+              </a:ext>
+            </a:extLst>
+          </a:blip>
+          <a:stretch>
+            <a:fillRect/>
+          </a:stretch>
+        </p:blipFill>
+        <p:spPr>
+          <a:xfrm>
+            <a:off x="4742706" y="2241716"/>
+            <a:ext cx="838202" cy="838202"/>
+          </a:xfrm>
+          <a:prstGeom prst="rect">
+            <a:avLst/>
+          </a:prstGeom>
+        </p:spPr>
+      </p:pic>
+      <p:sp>
+        <p:nvSpPr>
+          <p:cNvPr id="5" name="TextBox 4">
+            <a:extLst>
+              <a:ext uri="{FF2B5EF4-FFF2-40B4-BE49-F238E27FC236}">
+                <a16:creationId xmlns:a16="http://schemas.microsoft.com/office/drawing/2014/main" id="{4B64C4BC-45A4-8E04-5C40-FC6BA25B1932}"/>
+              </a:ext>
+            </a:extLst>
+          </p:cNvPr>
+          <p:cNvSpPr txBox="1"/>
+          <p:nvPr/>
+        </p:nvSpPr>
+        <p:spPr>
+          <a:xfrm>
+            <a:off x="4482482" y="3108162"/>
+            <a:ext cx="1856265" cy="523220"/>
+          </a:xfrm>
+          <a:prstGeom prst="rect">
+            <a:avLst/>
+          </a:prstGeom>
+          <a:noFill/>
+        </p:spPr>
+        <p:txBody>
+          <a:bodyPr wrap="square">
+            <a:spAutoFit/>
+          </a:bodyPr>
+          <a:lstStyle/>
+          <a:p>
+            <a:r>
+              <a:rPr lang="en-SG" sz="1400" b="1" dirty="0"/>
+              <a:t>Browser Control </a:t>
+            </a:r>
+          </a:p>
+          <a:p>
+            <a:r>
+              <a:rPr lang="en-SG" sz="1400" b="1" dirty="0"/>
+              <a:t>MCP Agent </a:t>
+            </a:r>
+          </a:p>
+        </p:txBody>
+      </p:sp>
+      <p:pic>
+        <p:nvPicPr>
+          <p:cNvPr id="6" name="Picture 4" descr="Google Chrome Icon Logo Clipart Png - SimilarPNG">
+            <a:extLst>
+              <a:ext uri="{FF2B5EF4-FFF2-40B4-BE49-F238E27FC236}">
+                <a16:creationId xmlns:a16="http://schemas.microsoft.com/office/drawing/2014/main" id="{F4085A4E-2188-43BB-3C1D-A1FB7BCFD8C8}"/>
+              </a:ext>
+            </a:extLst>
+          </p:cNvPr>
+          <p:cNvPicPr>
+            <a:picLocks noChangeAspect="1" noChangeArrowheads="1"/>
+          </p:cNvPicPr>
+          <p:nvPr/>
+        </p:nvPicPr>
+        <p:blipFill>
+          <a:blip r:embed="rId4">
+            <a:extLst>
+              <a:ext uri="{28A0092B-C50C-407E-A947-70E740481C1C}">
+                <a14:useLocalDpi xmlns:a14="http://schemas.microsoft.com/office/drawing/2010/main" val="0"/>
+              </a:ext>
+            </a:extLst>
+          </a:blip>
+          <a:srcRect/>
+          <a:stretch>
+            <a:fillRect/>
+          </a:stretch>
+        </p:blipFill>
+        <p:spPr bwMode="auto">
+          <a:xfrm>
+            <a:off x="2144977" y="2382764"/>
+            <a:ext cx="838202" cy="838202"/>
+          </a:xfrm>
+          <a:prstGeom prst="rect">
+            <a:avLst/>
+          </a:prstGeom>
+          <a:noFill/>
+          <a:ln w="12700">
+            <a:solidFill>
+              <a:schemeClr val="tx1"/>
+            </a:solidFill>
+          </a:ln>
+          <a:extLst>
+            <a:ext uri="{909E8E84-426E-40DD-AFC4-6F175D3DCCD1}">
+              <a14:hiddenFill xmlns:a14="http://schemas.microsoft.com/office/drawing/2010/main">
+                <a:solidFill>
+                  <a:srgbClr val="FFFFFF"/>
+                </a:solidFill>
+              </a14:hiddenFill>
+            </a:ext>
+          </a:extLst>
+        </p:spPr>
+      </p:pic>
+      <p:pic>
+        <p:nvPicPr>
+          <p:cNvPr id="7" name="Picture 2" descr="DeepSeek Logo and symbol, meaning ...">
+            <a:extLst>
+              <a:ext uri="{FF2B5EF4-FFF2-40B4-BE49-F238E27FC236}">
+                <a16:creationId xmlns:a16="http://schemas.microsoft.com/office/drawing/2014/main" id="{A00AE9A9-A4EF-4B1B-6842-3B8FBEBA5787}"/>
+              </a:ext>
+            </a:extLst>
+          </p:cNvPr>
+          <p:cNvPicPr>
+            <a:picLocks noChangeAspect="1" noChangeArrowheads="1"/>
+          </p:cNvPicPr>
+          <p:nvPr/>
+        </p:nvPicPr>
+        <p:blipFill rotWithShape="1">
+          <a:blip r:embed="rId5">
+            <a:extLst>
+              <a:ext uri="{28A0092B-C50C-407E-A947-70E740481C1C}">
+                <a14:useLocalDpi xmlns:a14="http://schemas.microsoft.com/office/drawing/2010/main" val="0"/>
+              </a:ext>
+            </a:extLst>
+          </a:blip>
+          <a:srcRect t="17745" b="19385"/>
+          <a:stretch/>
+        </p:blipFill>
+        <p:spPr bwMode="auto">
+          <a:xfrm>
+            <a:off x="7838051" y="2359645"/>
+            <a:ext cx="2060766" cy="725535"/>
+          </a:xfrm>
+          <a:prstGeom prst="rect">
+            <a:avLst/>
+          </a:prstGeom>
+          <a:noFill/>
+          <a:ln w="19050">
+            <a:solidFill>
+              <a:schemeClr val="tx1"/>
+            </a:solidFill>
+          </a:ln>
+          <a:extLst>
+            <a:ext uri="{909E8E84-426E-40DD-AFC4-6F175D3DCCD1}">
+              <a14:hiddenFill xmlns:a14="http://schemas.microsoft.com/office/drawing/2010/main">
+                <a:solidFill>
+                  <a:srgbClr val="FFFFFF"/>
+                </a:solidFill>
+              </a14:hiddenFill>
+            </a:ext>
+          </a:extLst>
+        </p:spPr>
+      </p:pic>
+      <p:cxnSp>
+        <p:nvCxnSpPr>
+          <p:cNvPr id="9" name="Straight Arrow Connector 8">
+            <a:extLst>
+              <a:ext uri="{FF2B5EF4-FFF2-40B4-BE49-F238E27FC236}">
+                <a16:creationId xmlns:a16="http://schemas.microsoft.com/office/drawing/2014/main" id="{73D19E1C-AAAD-EFDB-58E5-02842EA1B8C6}"/>
+              </a:ext>
+            </a:extLst>
+          </p:cNvPr>
+          <p:cNvCxnSpPr>
+            <a:cxnSpLocks/>
+          </p:cNvCxnSpPr>
+          <p:nvPr/>
+        </p:nvCxnSpPr>
+        <p:spPr>
+          <a:xfrm flipH="1">
+            <a:off x="3091889" y="2754586"/>
+            <a:ext cx="1569877" cy="0"/>
+          </a:xfrm>
+          <a:prstGeom prst="straightConnector1">
+            <a:avLst/>
+          </a:prstGeom>
+          <a:ln>
+            <a:tailEnd type="triangle"/>
+          </a:ln>
+        </p:spPr>
+        <p:style>
+          <a:lnRef idx="2">
+            <a:schemeClr val="accent1"/>
+          </a:lnRef>
+          <a:fillRef idx="0">
+            <a:schemeClr val="accent1"/>
+          </a:fillRef>
+          <a:effectRef idx="1">
+            <a:schemeClr val="accent1"/>
+          </a:effectRef>
+          <a:fontRef idx="minor">
+            <a:schemeClr val="tx1"/>
+          </a:fontRef>
+        </p:style>
+      </p:cxnSp>
+      <p:cxnSp>
+        <p:nvCxnSpPr>
+          <p:cNvPr id="11" name="Straight Arrow Connector 10">
+            <a:extLst>
+              <a:ext uri="{FF2B5EF4-FFF2-40B4-BE49-F238E27FC236}">
+                <a16:creationId xmlns:a16="http://schemas.microsoft.com/office/drawing/2014/main" id="{7F941D43-0716-BFE2-F7CD-55D15EE461D8}"/>
+              </a:ext>
+            </a:extLst>
+          </p:cNvPr>
+          <p:cNvCxnSpPr>
+            <a:cxnSpLocks/>
+          </p:cNvCxnSpPr>
+          <p:nvPr/>
+        </p:nvCxnSpPr>
+        <p:spPr>
+          <a:xfrm flipV="1">
+            <a:off x="5580908" y="2745531"/>
+            <a:ext cx="2074534" cy="0"/>
+          </a:xfrm>
+          <a:prstGeom prst="straightConnector1">
+            <a:avLst/>
+          </a:prstGeom>
+          <a:ln>
+            <a:headEnd type="triangle"/>
+            <a:tailEnd type="triangle"/>
+          </a:ln>
+        </p:spPr>
+        <p:style>
+          <a:lnRef idx="2">
+            <a:schemeClr val="accent1"/>
+          </a:lnRef>
+          <a:fillRef idx="0">
+            <a:schemeClr val="accent1"/>
+          </a:fillRef>
+          <a:effectRef idx="1">
+            <a:schemeClr val="accent1"/>
+          </a:effectRef>
+          <a:fontRef idx="minor">
+            <a:schemeClr val="tx1"/>
+          </a:fontRef>
+        </p:style>
+      </p:cxnSp>
+      <p:sp>
+        <p:nvSpPr>
+          <p:cNvPr id="12" name="TextBox 11">
+            <a:extLst>
+              <a:ext uri="{FF2B5EF4-FFF2-40B4-BE49-F238E27FC236}">
+                <a16:creationId xmlns:a16="http://schemas.microsoft.com/office/drawing/2014/main" id="{9121A81D-44B1-AEF6-6F9A-F7D36B1B0797}"/>
+              </a:ext>
+            </a:extLst>
+          </p:cNvPr>
+          <p:cNvSpPr txBox="1"/>
+          <p:nvPr/>
+        </p:nvSpPr>
+        <p:spPr>
+          <a:xfrm>
+            <a:off x="7838051" y="3167609"/>
+            <a:ext cx="1856265" cy="307777"/>
+          </a:xfrm>
+          <a:prstGeom prst="rect">
+            <a:avLst/>
+          </a:prstGeom>
+          <a:noFill/>
+        </p:spPr>
+        <p:txBody>
+          <a:bodyPr wrap="square">
+            <a:spAutoFit/>
+          </a:bodyPr>
+          <a:lstStyle/>
+          <a:p>
+            <a:r>
+              <a:rPr lang="en-US" sz="1400" b="1" dirty="0"/>
+              <a:t>AI module </a:t>
+            </a:r>
+            <a:endParaRPr lang="en-SG" sz="1400" b="1" dirty="0"/>
+          </a:p>
+        </p:txBody>
+      </p:sp>
+      <p:pic>
+        <p:nvPicPr>
+          <p:cNvPr id="13" name="Graphic 12" descr="User with solid fill">
+            <a:extLst>
+              <a:ext uri="{FF2B5EF4-FFF2-40B4-BE49-F238E27FC236}">
+                <a16:creationId xmlns:a16="http://schemas.microsoft.com/office/drawing/2014/main" id="{F8E88410-643B-DB97-CA9A-D45D69A2389D}"/>
+              </a:ext>
+            </a:extLst>
+          </p:cNvPr>
+          <p:cNvPicPr>
+            <a:picLocks noChangeAspect="1"/>
+          </p:cNvPicPr>
+          <p:nvPr/>
+        </p:nvPicPr>
+        <p:blipFill>
+          <a:blip r:embed="rId6">
+            <a:extLst>
+              <a:ext uri="{96DAC541-7B7A-43D3-8B79-37D633B846F1}">
+                <asvg:svgBlip xmlns:asvg="http://schemas.microsoft.com/office/drawing/2016/SVG/main" r:embed="rId7"/>
+              </a:ext>
+            </a:extLst>
+          </a:blip>
+          <a:stretch>
+            <a:fillRect/>
+          </a:stretch>
+        </p:blipFill>
+        <p:spPr>
+          <a:xfrm>
+            <a:off x="4742706" y="1603623"/>
+            <a:ext cx="546696" cy="546696"/>
+          </a:xfrm>
+          <a:prstGeom prst="rect">
+            <a:avLst/>
+          </a:prstGeom>
+        </p:spPr>
+      </p:pic>
+      <p:sp>
+        <p:nvSpPr>
+          <p:cNvPr id="14" name="TextBox 13">
+            <a:extLst>
+              <a:ext uri="{FF2B5EF4-FFF2-40B4-BE49-F238E27FC236}">
+                <a16:creationId xmlns:a16="http://schemas.microsoft.com/office/drawing/2014/main" id="{E5E3A9FC-ED75-8192-5B59-D883923BB149}"/>
+              </a:ext>
+            </a:extLst>
+          </p:cNvPr>
+          <p:cNvSpPr txBox="1"/>
+          <p:nvPr/>
+        </p:nvSpPr>
+        <p:spPr>
+          <a:xfrm>
+            <a:off x="4697926" y="1387003"/>
+            <a:ext cx="1020291" cy="307777"/>
+          </a:xfrm>
+          <a:prstGeom prst="rect">
+            <a:avLst/>
+          </a:prstGeom>
+          <a:noFill/>
+        </p:spPr>
+        <p:txBody>
+          <a:bodyPr wrap="square">
+            <a:spAutoFit/>
+          </a:bodyPr>
+          <a:lstStyle/>
+          <a:p>
+            <a:r>
+              <a:rPr lang="en-US" sz="1400" b="1" dirty="0"/>
+              <a:t>User</a:t>
+            </a:r>
+            <a:endParaRPr lang="en-SG" sz="1400" b="1" dirty="0"/>
+          </a:p>
+        </p:txBody>
+      </p:sp>
+      <p:cxnSp>
+        <p:nvCxnSpPr>
+          <p:cNvPr id="15" name="Straight Arrow Connector 14">
+            <a:extLst>
+              <a:ext uri="{FF2B5EF4-FFF2-40B4-BE49-F238E27FC236}">
+                <a16:creationId xmlns:a16="http://schemas.microsoft.com/office/drawing/2014/main" id="{861563A2-5D1E-5272-85FD-B5FE13879D81}"/>
+              </a:ext>
+            </a:extLst>
+          </p:cNvPr>
+          <p:cNvCxnSpPr/>
+          <p:nvPr/>
+        </p:nvCxnSpPr>
+        <p:spPr>
+          <a:xfrm>
+            <a:off x="5008743" y="2140975"/>
+            <a:ext cx="0" cy="194510"/>
+          </a:xfrm>
+          <a:prstGeom prst="straightConnector1">
+            <a:avLst/>
+          </a:prstGeom>
+          <a:ln>
+            <a:tailEnd type="triangle"/>
+          </a:ln>
+        </p:spPr>
+        <p:style>
+          <a:lnRef idx="2">
+            <a:schemeClr val="accent1"/>
+          </a:lnRef>
+          <a:fillRef idx="0">
+            <a:schemeClr val="accent1"/>
+          </a:fillRef>
+          <a:effectRef idx="1">
+            <a:schemeClr val="accent1"/>
+          </a:effectRef>
+          <a:fontRef idx="minor">
+            <a:schemeClr val="tx1"/>
+          </a:fontRef>
+        </p:style>
+      </p:cxnSp>
+      <p:sp>
+        <p:nvSpPr>
+          <p:cNvPr id="16" name="TextBox 15">
+            <a:extLst>
+              <a:ext uri="{FF2B5EF4-FFF2-40B4-BE49-F238E27FC236}">
+                <a16:creationId xmlns:a16="http://schemas.microsoft.com/office/drawing/2014/main" id="{2E9C9099-A371-B414-58DA-E06B60D29D6F}"/>
+              </a:ext>
+            </a:extLst>
+          </p:cNvPr>
+          <p:cNvSpPr txBox="1"/>
+          <p:nvPr/>
+        </p:nvSpPr>
+        <p:spPr>
+          <a:xfrm>
+            <a:off x="5016055" y="2095499"/>
+            <a:ext cx="1591274" cy="307777"/>
+          </a:xfrm>
+          <a:prstGeom prst="rect">
+            <a:avLst/>
+          </a:prstGeom>
+          <a:noFill/>
+        </p:spPr>
+        <p:txBody>
+          <a:bodyPr wrap="square">
+            <a:spAutoFit/>
+          </a:bodyPr>
+          <a:lstStyle/>
+          <a:p>
+            <a:r>
+              <a:rPr lang="en-US" sz="1400" b="1" dirty="0">
+                <a:solidFill>
+                  <a:schemeClr val="accent6">
+                    <a:lumMod val="75000"/>
+                  </a:schemeClr>
+                </a:solidFill>
+              </a:rPr>
+              <a:t>User’s request </a:t>
+            </a:r>
+            <a:endParaRPr lang="en-SG" sz="1400" b="1" dirty="0">
+              <a:solidFill>
+                <a:schemeClr val="accent6">
+                  <a:lumMod val="75000"/>
+                </a:schemeClr>
+              </a:solidFill>
+            </a:endParaRPr>
+          </a:p>
+        </p:txBody>
+      </p:sp>
+      <p:sp>
+        <p:nvSpPr>
+          <p:cNvPr id="17" name="TextBox 16">
+            <a:extLst>
+              <a:ext uri="{FF2B5EF4-FFF2-40B4-BE49-F238E27FC236}">
+                <a16:creationId xmlns:a16="http://schemas.microsoft.com/office/drawing/2014/main" id="{9381D380-EE85-B0C8-B676-3198CDB79308}"/>
+              </a:ext>
+            </a:extLst>
+          </p:cNvPr>
+          <p:cNvSpPr txBox="1"/>
+          <p:nvPr/>
+        </p:nvSpPr>
+        <p:spPr>
+          <a:xfrm>
+            <a:off x="3131764" y="2504297"/>
+            <a:ext cx="1591274" cy="523220"/>
+          </a:xfrm>
+          <a:prstGeom prst="rect">
+            <a:avLst/>
+          </a:prstGeom>
+          <a:noFill/>
+        </p:spPr>
+        <p:txBody>
+          <a:bodyPr wrap="square">
+            <a:spAutoFit/>
+          </a:bodyPr>
+          <a:lstStyle/>
+          <a:p>
+            <a:r>
+              <a:rPr lang="en-US" sz="1400" b="1" dirty="0">
+                <a:solidFill>
+                  <a:schemeClr val="accent6">
+                    <a:lumMod val="75000"/>
+                  </a:schemeClr>
+                </a:solidFill>
+              </a:rPr>
+              <a:t>Browser Control API call</a:t>
+            </a:r>
+            <a:endParaRPr lang="en-SG" sz="1400" b="1" dirty="0">
+              <a:solidFill>
+                <a:schemeClr val="accent6">
+                  <a:lumMod val="75000"/>
+                </a:schemeClr>
+              </a:solidFill>
+            </a:endParaRPr>
+          </a:p>
+        </p:txBody>
+      </p:sp>
+      <p:sp>
+        <p:nvSpPr>
+          <p:cNvPr id="20" name="TextBox 19">
+            <a:extLst>
+              <a:ext uri="{FF2B5EF4-FFF2-40B4-BE49-F238E27FC236}">
+                <a16:creationId xmlns:a16="http://schemas.microsoft.com/office/drawing/2014/main" id="{591437B7-FAF7-C181-C975-1CAFB67A6B75}"/>
+              </a:ext>
+            </a:extLst>
+          </p:cNvPr>
+          <p:cNvSpPr txBox="1"/>
+          <p:nvPr/>
+        </p:nvSpPr>
+        <p:spPr>
+          <a:xfrm>
+            <a:off x="5692043" y="2468404"/>
+            <a:ext cx="2146008" cy="738664"/>
+          </a:xfrm>
+          <a:prstGeom prst="rect">
+            <a:avLst/>
+          </a:prstGeom>
+          <a:noFill/>
+        </p:spPr>
+        <p:txBody>
+          <a:bodyPr wrap="square">
+            <a:spAutoFit/>
+          </a:bodyPr>
+          <a:lstStyle/>
+          <a:p>
+            <a:r>
+              <a:rPr lang="en-US" sz="1400" b="1" dirty="0">
+                <a:solidFill>
+                  <a:schemeClr val="accent6">
+                    <a:lumMod val="75000"/>
+                  </a:schemeClr>
+                </a:solidFill>
+              </a:rPr>
+              <a:t>Prompt and web contents for deep seek make response  </a:t>
+            </a:r>
+            <a:endParaRPr lang="en-SG" sz="1400" b="1" dirty="0">
+              <a:solidFill>
+                <a:schemeClr val="accent6">
+                  <a:lumMod val="75000"/>
+                </a:schemeClr>
+              </a:solidFill>
+            </a:endParaRPr>
+          </a:p>
+        </p:txBody>
+      </p:sp>
+      <p:sp>
+        <p:nvSpPr>
+          <p:cNvPr id="22" name="TextBox 21">
+            <a:extLst>
+              <a:ext uri="{FF2B5EF4-FFF2-40B4-BE49-F238E27FC236}">
+                <a16:creationId xmlns:a16="http://schemas.microsoft.com/office/drawing/2014/main" id="{35783009-CCE5-82D4-7402-DADD4C0DC23E}"/>
+              </a:ext>
+            </a:extLst>
+          </p:cNvPr>
+          <p:cNvSpPr txBox="1"/>
+          <p:nvPr/>
+        </p:nvSpPr>
+        <p:spPr>
+          <a:xfrm>
+            <a:off x="2063489" y="2074987"/>
+            <a:ext cx="1001178" cy="307777"/>
+          </a:xfrm>
+          <a:prstGeom prst="rect">
+            <a:avLst/>
+          </a:prstGeom>
+          <a:noFill/>
+        </p:spPr>
+        <p:txBody>
+          <a:bodyPr wrap="square">
+            <a:spAutoFit/>
+          </a:bodyPr>
+          <a:lstStyle/>
+          <a:p>
+            <a:r>
+              <a:rPr lang="en-US" sz="1400" b="1" dirty="0"/>
+              <a:t>Browser </a:t>
+            </a:r>
+            <a:endParaRPr lang="en-SG" sz="1400" b="1" dirty="0"/>
+          </a:p>
+        </p:txBody>
+      </p:sp>
+    </p:spTree>
+    <p:extLst>
+      <p:ext uri="{BB962C8B-B14F-4D97-AF65-F5344CB8AC3E}">
+        <p14:creationId xmlns:p14="http://schemas.microsoft.com/office/powerpoint/2010/main" val="1204101178"/>
+      </p:ext>
+    </p:extLst>
+  </p:cSld>
+  <p:clrMapOvr>
+    <a:masterClrMapping/>
+  </p:clrMapOvr>
+</p:sld>
+</file>
+
 <file path=ppt/theme/theme1.xml><?xml version="1.0" encoding="utf-8"?>
 <a:theme xmlns:a="http://schemas.openxmlformats.org/drawingml/2006/main" name="Office Theme">
   <a:themeElements>

--- a/Articles/3_BrowserUseWithDeepSeek/img/designDoc.pptx
+++ b/Articles/3_BrowserUseWithDeepSeek/img/designDoc.pptx
@@ -263,7 +263,7 @@
           <a:p>
             <a:fld id="{1DDE15A5-9415-4BDF-A2D9-2217B1E34822}" type="datetimeFigureOut">
               <a:rPr lang="en-SG" smtClean="0"/>
-              <a:t>16/3/2025</a:t>
+              <a:t>17/3/2025</a:t>
             </a:fld>
             <a:endParaRPr lang="en-SG"/>
           </a:p>
@@ -463,7 +463,7 @@
           <a:p>
             <a:fld id="{1DDE15A5-9415-4BDF-A2D9-2217B1E34822}" type="datetimeFigureOut">
               <a:rPr lang="en-SG" smtClean="0"/>
-              <a:t>16/3/2025</a:t>
+              <a:t>17/3/2025</a:t>
             </a:fld>
             <a:endParaRPr lang="en-SG"/>
           </a:p>
@@ -673,7 +673,7 @@
           <a:p>
             <a:fld id="{1DDE15A5-9415-4BDF-A2D9-2217B1E34822}" type="datetimeFigureOut">
               <a:rPr lang="en-SG" smtClean="0"/>
-              <a:t>16/3/2025</a:t>
+              <a:t>17/3/2025</a:t>
             </a:fld>
             <a:endParaRPr lang="en-SG"/>
           </a:p>
@@ -873,7 +873,7 @@
           <a:p>
             <a:fld id="{1DDE15A5-9415-4BDF-A2D9-2217B1E34822}" type="datetimeFigureOut">
               <a:rPr lang="en-SG" smtClean="0"/>
-              <a:t>16/3/2025</a:t>
+              <a:t>17/3/2025</a:t>
             </a:fld>
             <a:endParaRPr lang="en-SG"/>
           </a:p>
@@ -1149,7 +1149,7 @@
           <a:p>
             <a:fld id="{1DDE15A5-9415-4BDF-A2D9-2217B1E34822}" type="datetimeFigureOut">
               <a:rPr lang="en-SG" smtClean="0"/>
-              <a:t>16/3/2025</a:t>
+              <a:t>17/3/2025</a:t>
             </a:fld>
             <a:endParaRPr lang="en-SG"/>
           </a:p>
@@ -1417,7 +1417,7 @@
           <a:p>
             <a:fld id="{1DDE15A5-9415-4BDF-A2D9-2217B1E34822}" type="datetimeFigureOut">
               <a:rPr lang="en-SG" smtClean="0"/>
-              <a:t>16/3/2025</a:t>
+              <a:t>17/3/2025</a:t>
             </a:fld>
             <a:endParaRPr lang="en-SG"/>
           </a:p>
@@ -1832,7 +1832,7 @@
           <a:p>
             <a:fld id="{1DDE15A5-9415-4BDF-A2D9-2217B1E34822}" type="datetimeFigureOut">
               <a:rPr lang="en-SG" smtClean="0"/>
-              <a:t>16/3/2025</a:t>
+              <a:t>17/3/2025</a:t>
             </a:fld>
             <a:endParaRPr lang="en-SG"/>
           </a:p>
@@ -1974,7 +1974,7 @@
           <a:p>
             <a:fld id="{1DDE15A5-9415-4BDF-A2D9-2217B1E34822}" type="datetimeFigureOut">
               <a:rPr lang="en-SG" smtClean="0"/>
-              <a:t>16/3/2025</a:t>
+              <a:t>17/3/2025</a:t>
             </a:fld>
             <a:endParaRPr lang="en-SG"/>
           </a:p>
@@ -2087,7 +2087,7 @@
           <a:p>
             <a:fld id="{1DDE15A5-9415-4BDF-A2D9-2217B1E34822}" type="datetimeFigureOut">
               <a:rPr lang="en-SG" smtClean="0"/>
-              <a:t>16/3/2025</a:t>
+              <a:t>17/3/2025</a:t>
             </a:fld>
             <a:endParaRPr lang="en-SG"/>
           </a:p>
@@ -2400,7 +2400,7 @@
           <a:p>
             <a:fld id="{1DDE15A5-9415-4BDF-A2D9-2217B1E34822}" type="datetimeFigureOut">
               <a:rPr lang="en-SG" smtClean="0"/>
-              <a:t>16/3/2025</a:t>
+              <a:t>17/3/2025</a:t>
             </a:fld>
             <a:endParaRPr lang="en-SG"/>
           </a:p>
@@ -2689,7 +2689,7 @@
           <a:p>
             <a:fld id="{1DDE15A5-9415-4BDF-A2D9-2217B1E34822}" type="datetimeFigureOut">
               <a:rPr lang="en-SG" smtClean="0"/>
-              <a:t>16/3/2025</a:t>
+              <a:t>17/3/2025</a:t>
             </a:fld>
             <a:endParaRPr lang="en-SG"/>
           </a:p>
@@ -2932,7 +2932,7 @@
           <a:p>
             <a:fld id="{1DDE15A5-9415-4BDF-A2D9-2217B1E34822}" type="datetimeFigureOut">
               <a:rPr lang="en-SG" smtClean="0"/>
-              <a:t>16/3/2025</a:t>
+              <a:t>17/3/2025</a:t>
             </a:fld>
             <a:endParaRPr lang="en-SG"/>
           </a:p>

--- a/Articles/3_BrowserUseWithDeepSeek/img/designDoc.pptx
+++ b/Articles/3_BrowserUseWithDeepSeek/img/designDoc.pptx
@@ -5,9 +5,10 @@
     <p:sldMasterId id="2147483648" r:id="rId1"/>
   </p:sldMasterIdLst>
   <p:sldIdLst>
-    <p:sldId id="257" r:id="rId2"/>
-    <p:sldId id="256" r:id="rId3"/>
-    <p:sldId id="258" r:id="rId4"/>
+    <p:sldId id="260" r:id="rId2"/>
+    <p:sldId id="257" r:id="rId3"/>
+    <p:sldId id="256" r:id="rId4"/>
+    <p:sldId id="258" r:id="rId5"/>
   </p:sldIdLst>
   <p:sldSz cx="12192000" cy="6858000"/>
   <p:notesSz cx="6858000" cy="9144000"/>
@@ -263,7 +264,7 @@
           <a:p>
             <a:fld id="{1DDE15A5-9415-4BDF-A2D9-2217B1E34822}" type="datetimeFigureOut">
               <a:rPr lang="en-SG" smtClean="0"/>
-              <a:t>17/3/2025</a:t>
+              <a:t>22/3/2025</a:t>
             </a:fld>
             <a:endParaRPr lang="en-SG"/>
           </a:p>
@@ -463,7 +464,7 @@
           <a:p>
             <a:fld id="{1DDE15A5-9415-4BDF-A2D9-2217B1E34822}" type="datetimeFigureOut">
               <a:rPr lang="en-SG" smtClean="0"/>
-              <a:t>17/3/2025</a:t>
+              <a:t>22/3/2025</a:t>
             </a:fld>
             <a:endParaRPr lang="en-SG"/>
           </a:p>
@@ -673,7 +674,7 @@
           <a:p>
             <a:fld id="{1DDE15A5-9415-4BDF-A2D9-2217B1E34822}" type="datetimeFigureOut">
               <a:rPr lang="en-SG" smtClean="0"/>
-              <a:t>17/3/2025</a:t>
+              <a:t>22/3/2025</a:t>
             </a:fld>
             <a:endParaRPr lang="en-SG"/>
           </a:p>
@@ -873,7 +874,7 @@
           <a:p>
             <a:fld id="{1DDE15A5-9415-4BDF-A2D9-2217B1E34822}" type="datetimeFigureOut">
               <a:rPr lang="en-SG" smtClean="0"/>
-              <a:t>17/3/2025</a:t>
+              <a:t>22/3/2025</a:t>
             </a:fld>
             <a:endParaRPr lang="en-SG"/>
           </a:p>
@@ -1149,7 +1150,7 @@
           <a:p>
             <a:fld id="{1DDE15A5-9415-4BDF-A2D9-2217B1E34822}" type="datetimeFigureOut">
               <a:rPr lang="en-SG" smtClean="0"/>
-              <a:t>17/3/2025</a:t>
+              <a:t>22/3/2025</a:t>
             </a:fld>
             <a:endParaRPr lang="en-SG"/>
           </a:p>
@@ -1417,7 +1418,7 @@
           <a:p>
             <a:fld id="{1DDE15A5-9415-4BDF-A2D9-2217B1E34822}" type="datetimeFigureOut">
               <a:rPr lang="en-SG" smtClean="0"/>
-              <a:t>17/3/2025</a:t>
+              <a:t>22/3/2025</a:t>
             </a:fld>
             <a:endParaRPr lang="en-SG"/>
           </a:p>
@@ -1832,7 +1833,7 @@
           <a:p>
             <a:fld id="{1DDE15A5-9415-4BDF-A2D9-2217B1E34822}" type="datetimeFigureOut">
               <a:rPr lang="en-SG" smtClean="0"/>
-              <a:t>17/3/2025</a:t>
+              <a:t>22/3/2025</a:t>
             </a:fld>
             <a:endParaRPr lang="en-SG"/>
           </a:p>
@@ -1974,7 +1975,7 @@
           <a:p>
             <a:fld id="{1DDE15A5-9415-4BDF-A2D9-2217B1E34822}" type="datetimeFigureOut">
               <a:rPr lang="en-SG" smtClean="0"/>
-              <a:t>17/3/2025</a:t>
+              <a:t>22/3/2025</a:t>
             </a:fld>
             <a:endParaRPr lang="en-SG"/>
           </a:p>
@@ -2087,7 +2088,7 @@
           <a:p>
             <a:fld id="{1DDE15A5-9415-4BDF-A2D9-2217B1E34822}" type="datetimeFigureOut">
               <a:rPr lang="en-SG" smtClean="0"/>
-              <a:t>17/3/2025</a:t>
+              <a:t>22/3/2025</a:t>
             </a:fld>
             <a:endParaRPr lang="en-SG"/>
           </a:p>
@@ -2400,7 +2401,7 @@
           <a:p>
             <a:fld id="{1DDE15A5-9415-4BDF-A2D9-2217B1E34822}" type="datetimeFigureOut">
               <a:rPr lang="en-SG" smtClean="0"/>
-              <a:t>17/3/2025</a:t>
+              <a:t>22/3/2025</a:t>
             </a:fld>
             <a:endParaRPr lang="en-SG"/>
           </a:p>
@@ -2689,7 +2690,7 @@
           <a:p>
             <a:fld id="{1DDE15A5-9415-4BDF-A2D9-2217B1E34822}" type="datetimeFigureOut">
               <a:rPr lang="en-SG" smtClean="0"/>
-              <a:t>17/3/2025</a:t>
+              <a:t>22/3/2025</a:t>
             </a:fld>
             <a:endParaRPr lang="en-SG"/>
           </a:p>
@@ -2932,7 +2933,7 @@
           <a:p>
             <a:fld id="{1DDE15A5-9415-4BDF-A2D9-2217B1E34822}" type="datetimeFigureOut">
               <a:rPr lang="en-SG" smtClean="0"/>
-              <a:t>17/3/2025</a:t>
+              <a:t>22/3/2025</a:t>
             </a:fld>
             <a:endParaRPr lang="en-SG"/>
           </a:p>
@@ -3337,7 +3338,13 @@
   <p:cSld>
     <p:spTree>
       <p:nvGrpSpPr>
-        <p:cNvPr id="1" name=""/>
+        <p:cNvPr id="1" name="">
+          <a:extLst>
+            <a:ext uri="{FF2B5EF4-FFF2-40B4-BE49-F238E27FC236}">
+              <a16:creationId xmlns:a16="http://schemas.microsoft.com/office/drawing/2014/main" id="{281600A9-2FD4-B0D7-E708-FC0A8B0511CE}"/>
+            </a:ext>
+          </a:extLst>
+        </p:cNvPr>
         <p:cNvGrpSpPr/>
         <p:nvPr/>
       </p:nvGrpSpPr>
@@ -3354,7 +3361,7 @@
           <p:cNvPr id="5" name="Picture 4">
             <a:extLst>
               <a:ext uri="{FF2B5EF4-FFF2-40B4-BE49-F238E27FC236}">
-                <a16:creationId xmlns:a16="http://schemas.microsoft.com/office/drawing/2014/main" id="{18B85026-1292-1FFA-A865-BE52A39C5590}"/>
+                <a16:creationId xmlns:a16="http://schemas.microsoft.com/office/drawing/2014/main" id="{226D23AE-BC06-6069-C05F-85F7EC9B16B6}"/>
               </a:ext>
             </a:extLst>
           </p:cNvPr>
@@ -3371,7 +3378,7 @@
         </p:blipFill>
         <p:spPr>
           <a:xfrm>
-            <a:off x="2425039" y="1629969"/>
+            <a:off x="3771924" y="1901817"/>
             <a:ext cx="2786559" cy="1472232"/>
           </a:xfrm>
           <a:prstGeom prst="rect">
@@ -3389,7 +3396,7 @@
           <p:cNvPr id="6" name="Picture 5">
             <a:extLst>
               <a:ext uri="{FF2B5EF4-FFF2-40B4-BE49-F238E27FC236}">
-                <a16:creationId xmlns:a16="http://schemas.microsoft.com/office/drawing/2014/main" id="{383A81B9-2808-6431-36F6-847C456497AA}"/>
+                <a16:creationId xmlns:a16="http://schemas.microsoft.com/office/drawing/2014/main" id="{1A7C4782-FACC-E8E1-6AC0-B3D9800106FE}"/>
               </a:ext>
             </a:extLst>
           </p:cNvPr>
@@ -3406,7 +3413,7 @@
         </p:blipFill>
         <p:spPr>
           <a:xfrm>
-            <a:off x="2425040" y="4103701"/>
+            <a:off x="3771925" y="4375549"/>
             <a:ext cx="2694113" cy="1394418"/>
           </a:xfrm>
           <a:prstGeom prst="rect">
@@ -3424,7 +3431,7 @@
           <p:cNvPr id="7" name="Rectangle 6">
             <a:extLst>
               <a:ext uri="{FF2B5EF4-FFF2-40B4-BE49-F238E27FC236}">
-                <a16:creationId xmlns:a16="http://schemas.microsoft.com/office/drawing/2014/main" id="{3F788B42-BBE5-4410-CE80-32E1AAD15C55}"/>
+                <a16:creationId xmlns:a16="http://schemas.microsoft.com/office/drawing/2014/main" id="{54392F3F-FB88-1DC9-D097-626910E4E97A}"/>
               </a:ext>
             </a:extLst>
           </p:cNvPr>
@@ -3433,7 +3440,7 @@
         </p:nvSpPr>
         <p:spPr>
           <a:xfrm>
-            <a:off x="2276856" y="1396457"/>
+            <a:off x="3623741" y="1668305"/>
             <a:ext cx="4102608" cy="1878057"/>
           </a:xfrm>
           <a:prstGeom prst="rect">
@@ -3471,7 +3478,7 @@
           <p:cNvPr id="9" name="Graphic 8" descr="Internet with solid fill">
             <a:extLst>
               <a:ext uri="{FF2B5EF4-FFF2-40B4-BE49-F238E27FC236}">
-                <a16:creationId xmlns:a16="http://schemas.microsoft.com/office/drawing/2014/main" id="{585E7C51-1F8A-B683-AC38-373D3B348A13}"/>
+                <a16:creationId xmlns:a16="http://schemas.microsoft.com/office/drawing/2014/main" id="{397412C2-2F00-3197-224F-30AD35AE7E04}"/>
               </a:ext>
             </a:extLst>
           </p:cNvPr>
@@ -3494,7 +3501,7 @@
         </p:blipFill>
         <p:spPr>
           <a:xfrm>
-            <a:off x="2238940" y="1056845"/>
+            <a:off x="3585825" y="1328693"/>
             <a:ext cx="672166" cy="672166"/>
           </a:xfrm>
           <a:prstGeom prst="rect">
@@ -3507,7 +3514,7 @@
           <p:cNvPr id="10" name="TextBox 9">
             <a:extLst>
               <a:ext uri="{FF2B5EF4-FFF2-40B4-BE49-F238E27FC236}">
-                <a16:creationId xmlns:a16="http://schemas.microsoft.com/office/drawing/2014/main" id="{0F19CD7C-D73A-1AF0-D0BF-0E785D52759E}"/>
+                <a16:creationId xmlns:a16="http://schemas.microsoft.com/office/drawing/2014/main" id="{F12A4B5D-4AAA-72AE-8201-21C8A51AEF95}"/>
               </a:ext>
             </a:extLst>
           </p:cNvPr>
@@ -3516,7 +3523,7 @@
         </p:nvSpPr>
         <p:spPr>
           <a:xfrm>
-            <a:off x="2756998" y="1104108"/>
+            <a:off x="4103883" y="1375956"/>
             <a:ext cx="1377388" cy="338554"/>
           </a:xfrm>
           <a:prstGeom prst="rect">
@@ -3546,7 +3553,7 @@
           <p:cNvPr id="11" name="Graphic 10" descr="Web design with solid fill">
             <a:extLst>
               <a:ext uri="{FF2B5EF4-FFF2-40B4-BE49-F238E27FC236}">
-                <a16:creationId xmlns:a16="http://schemas.microsoft.com/office/drawing/2014/main" id="{AD7E1D01-C28A-72CA-6D2D-8E9C61B54843}"/>
+                <a16:creationId xmlns:a16="http://schemas.microsoft.com/office/drawing/2014/main" id="{BFD217E5-3F7D-94FB-ECF2-99072044AB07}"/>
               </a:ext>
             </a:extLst>
           </p:cNvPr>
@@ -3569,7 +3576,7 @@
         </p:blipFill>
         <p:spPr>
           <a:xfrm>
-            <a:off x="5292538" y="2335485"/>
+            <a:off x="6639423" y="2607333"/>
             <a:ext cx="629141" cy="629141"/>
           </a:xfrm>
           <a:prstGeom prst="rect">
@@ -3582,7 +3589,7 @@
           <p:cNvPr id="12" name="TextBox 11">
             <a:extLst>
               <a:ext uri="{FF2B5EF4-FFF2-40B4-BE49-F238E27FC236}">
-                <a16:creationId xmlns:a16="http://schemas.microsoft.com/office/drawing/2014/main" id="{1FCAABE4-4153-6A81-0995-08665F284B78}"/>
+                <a16:creationId xmlns:a16="http://schemas.microsoft.com/office/drawing/2014/main" id="{0AE227E1-2D4E-89E4-A83F-B49A092E23DD}"/>
               </a:ext>
             </a:extLst>
           </p:cNvPr>
@@ -3591,7 +3598,7 @@
         </p:nvSpPr>
         <p:spPr>
           <a:xfrm>
-            <a:off x="2949022" y="2782736"/>
+            <a:off x="4176104" y="3056164"/>
             <a:ext cx="1377388" cy="307777"/>
           </a:xfrm>
           <a:prstGeom prst="rect">
@@ -3616,48 +3623,12 @@
           </a:p>
         </p:txBody>
       </p:sp>
-      <p:pic>
-        <p:nvPicPr>
-          <p:cNvPr id="14" name="Graphic 13" descr="Chat bubble with solid fill">
-            <a:extLst>
-              <a:ext uri="{FF2B5EF4-FFF2-40B4-BE49-F238E27FC236}">
-                <a16:creationId xmlns:a16="http://schemas.microsoft.com/office/drawing/2014/main" id="{0D151FC6-519B-7307-CA01-9B27CCF16434}"/>
-              </a:ext>
-            </a:extLst>
-          </p:cNvPr>
-          <p:cNvPicPr>
-            <a:picLocks noChangeAspect="1"/>
-          </p:cNvPicPr>
-          <p:nvPr/>
-        </p:nvPicPr>
-        <p:blipFill>
-          <a:blip r:embed="rId8">
-            <a:extLst>
-              <a:ext uri="{96DAC541-7B7A-43D3-8B79-37D633B846F1}">
-                <asvg:svgBlip xmlns:asvg="http://schemas.microsoft.com/office/drawing/2016/SVG/main" r:embed="rId9"/>
-              </a:ext>
-            </a:extLst>
-          </a:blip>
-          <a:stretch>
-            <a:fillRect/>
-          </a:stretch>
-        </p:blipFill>
-        <p:spPr>
-          <a:xfrm>
-            <a:off x="5345908" y="1707469"/>
-            <a:ext cx="510645" cy="510645"/>
-          </a:xfrm>
-          <a:prstGeom prst="rect">
-            <a:avLst/>
-          </a:prstGeom>
-        </p:spPr>
-      </p:pic>
       <p:sp>
         <p:nvSpPr>
           <p:cNvPr id="15" name="TextBox 14">
             <a:extLst>
               <a:ext uri="{FF2B5EF4-FFF2-40B4-BE49-F238E27FC236}">
-                <a16:creationId xmlns:a16="http://schemas.microsoft.com/office/drawing/2014/main" id="{3546E156-EA97-59CA-BB77-4FE57DE5DB49}"/>
+                <a16:creationId xmlns:a16="http://schemas.microsoft.com/office/drawing/2014/main" id="{8D13F2C2-1285-58FB-0116-5B85361BBF62}"/>
               </a:ext>
             </a:extLst>
           </p:cNvPr>
@@ -3666,8 +3637,8 @@
         </p:nvSpPr>
         <p:spPr>
           <a:xfrm>
-            <a:off x="5211598" y="2836569"/>
-            <a:ext cx="1434234" cy="430887"/>
+            <a:off x="6531235" y="3113226"/>
+            <a:ext cx="1507230" cy="461665"/>
           </a:xfrm>
           <a:prstGeom prst="rect">
             <a:avLst/>
@@ -3681,78 +3652,45 @@
           <a:lstStyle/>
           <a:p>
             <a:r>
-              <a:rPr lang="en-SG" sz="1100" b="1" dirty="0"/>
+              <a:rPr lang="en-SG" sz="1200" b="1" dirty="0"/>
               <a:t>Browser Control </a:t>
             </a:r>
           </a:p>
           <a:p>
             <a:r>
-              <a:rPr lang="en-SG" sz="1100" b="1" dirty="0"/>
-              <a:t>AI Agent </a:t>
-            </a:r>
-          </a:p>
-        </p:txBody>
-      </p:sp>
-      <p:sp>
-        <p:nvSpPr>
-          <p:cNvPr id="16" name="TextBox 15">
-            <a:extLst>
-              <a:ext uri="{FF2B5EF4-FFF2-40B4-BE49-F238E27FC236}">
-                <a16:creationId xmlns:a16="http://schemas.microsoft.com/office/drawing/2014/main" id="{C572F8E5-CE4B-564F-EB56-19FA23124459}"/>
-              </a:ext>
-            </a:extLst>
-          </p:cNvPr>
-          <p:cNvSpPr txBox="1"/>
-          <p:nvPr/>
-        </p:nvSpPr>
-        <p:spPr>
-          <a:xfrm>
-            <a:off x="5203141" y="1373992"/>
-            <a:ext cx="1562250" cy="400110"/>
-          </a:xfrm>
-          <a:prstGeom prst="rect">
-            <a:avLst/>
-          </a:prstGeom>
-          <a:noFill/>
-        </p:spPr>
-        <p:txBody>
-          <a:bodyPr wrap="square">
-            <a:spAutoFit/>
-          </a:bodyPr>
-          <a:lstStyle/>
-          <a:p>
-            <a:r>
-              <a:rPr lang="en-SG" sz="1000" b="1" dirty="0">
-                <a:solidFill>
-                  <a:srgbClr val="0070C0"/>
-                </a:solidFill>
-              </a:rPr>
-              <a:t>Human Language Request </a:t>
+              <a:rPr lang="en-SG" sz="1200" b="1" dirty="0"/>
+              <a:t>MCP Agent 01</a:t>
             </a:r>
           </a:p>
         </p:txBody>
       </p:sp>
       <p:cxnSp>
         <p:nvCxnSpPr>
-          <p:cNvPr id="18" name="Straight Arrow Connector 17">
-            <a:extLst>
-              <a:ext uri="{FF2B5EF4-FFF2-40B4-BE49-F238E27FC236}">
-                <a16:creationId xmlns:a16="http://schemas.microsoft.com/office/drawing/2014/main" id="{D6AD134D-24CD-9A2A-436C-52F93218D07E}"/>
-              </a:ext>
-            </a:extLst>
-          </p:cNvPr>
-          <p:cNvCxnSpPr/>
+          <p:cNvPr id="19" name="Straight Arrow Connector 18">
+            <a:extLst>
+              <a:ext uri="{FF2B5EF4-FFF2-40B4-BE49-F238E27FC236}">
+                <a16:creationId xmlns:a16="http://schemas.microsoft.com/office/drawing/2014/main" id="{953F7430-CB37-BBD7-1119-CB4D0FC79480}"/>
+              </a:ext>
+            </a:extLst>
+          </p:cNvPr>
+          <p:cNvCxnSpPr>
+            <a:cxnSpLocks/>
+            <a:stCxn id="11" idx="1"/>
+          </p:cNvCxnSpPr>
           <p:nvPr/>
         </p:nvCxnSpPr>
         <p:spPr>
-          <a:xfrm>
-            <a:off x="5601230" y="2159372"/>
-            <a:ext cx="0" cy="259910"/>
+          <a:xfrm flipH="1" flipV="1">
+            <a:off x="5673295" y="2921903"/>
+            <a:ext cx="966128" cy="1"/>
           </a:xfrm>
           <a:prstGeom prst="straightConnector1">
             <a:avLst/>
           </a:prstGeom>
           <a:ln>
+            <a:solidFill>
+              <a:srgbClr val="00B0F0"/>
+            </a:solidFill>
             <a:tailEnd type="triangle"/>
           </a:ln>
         </p:spPr>
@@ -3771,57 +3709,12 @@
           </a:fontRef>
         </p:style>
       </p:cxnSp>
-      <p:cxnSp>
-        <p:nvCxnSpPr>
-          <p:cNvPr id="19" name="Straight Arrow Connector 18">
-            <a:extLst>
-              <a:ext uri="{FF2B5EF4-FFF2-40B4-BE49-F238E27FC236}">
-                <a16:creationId xmlns:a16="http://schemas.microsoft.com/office/drawing/2014/main" id="{7B3C9D50-53D3-6F2F-029C-2823F0F66F24}"/>
-              </a:ext>
-            </a:extLst>
-          </p:cNvPr>
-          <p:cNvCxnSpPr>
-            <a:cxnSpLocks/>
-            <a:stCxn id="11" idx="1"/>
-          </p:cNvCxnSpPr>
-          <p:nvPr/>
-        </p:nvCxnSpPr>
-        <p:spPr>
-          <a:xfrm flipH="1" flipV="1">
-            <a:off x="4326410" y="2650055"/>
-            <a:ext cx="966128" cy="1"/>
-          </a:xfrm>
-          <a:prstGeom prst="straightConnector1">
-            <a:avLst/>
-          </a:prstGeom>
-          <a:ln>
-            <a:solidFill>
-              <a:srgbClr val="00B0F0"/>
-            </a:solidFill>
-            <a:tailEnd type="triangle"/>
-          </a:ln>
-        </p:spPr>
-        <p:style>
-          <a:lnRef idx="2">
-            <a:schemeClr val="accent1"/>
-          </a:lnRef>
-          <a:fillRef idx="0">
-            <a:schemeClr val="accent1"/>
-          </a:fillRef>
-          <a:effectRef idx="1">
-            <a:schemeClr val="accent1"/>
-          </a:effectRef>
-          <a:fontRef idx="minor">
-            <a:schemeClr val="tx1"/>
-          </a:fontRef>
-        </p:style>
-      </p:cxnSp>
       <p:sp>
         <p:nvSpPr>
           <p:cNvPr id="22" name="Rectangle 21">
             <a:extLst>
               <a:ext uri="{FF2B5EF4-FFF2-40B4-BE49-F238E27FC236}">
-                <a16:creationId xmlns:a16="http://schemas.microsoft.com/office/drawing/2014/main" id="{6C8048BE-1952-0B53-9C1C-AC5F0D0E1DAE}"/>
+                <a16:creationId xmlns:a16="http://schemas.microsoft.com/office/drawing/2014/main" id="{50C2C65A-491C-9947-C7F9-C923AE4EB2D0}"/>
               </a:ext>
             </a:extLst>
           </p:cNvPr>
@@ -3830,7 +3723,7 @@
         </p:nvSpPr>
         <p:spPr>
           <a:xfrm>
-            <a:off x="2255366" y="3798963"/>
+            <a:off x="3602251" y="4070811"/>
             <a:ext cx="4102608" cy="1878057"/>
           </a:xfrm>
           <a:prstGeom prst="rect">
@@ -3868,7 +3761,7 @@
           <p:cNvPr id="23" name="Graphic 22" descr="Internet with solid fill">
             <a:extLst>
               <a:ext uri="{FF2B5EF4-FFF2-40B4-BE49-F238E27FC236}">
-                <a16:creationId xmlns:a16="http://schemas.microsoft.com/office/drawing/2014/main" id="{A59FDA00-7527-00C9-F76B-F268D46ABD47}"/>
+                <a16:creationId xmlns:a16="http://schemas.microsoft.com/office/drawing/2014/main" id="{FF83C620-E93F-BE93-2197-9589175E46C7}"/>
               </a:ext>
             </a:extLst>
           </p:cNvPr>
@@ -3878,10 +3771,10 @@
           <p:nvPr/>
         </p:nvPicPr>
         <p:blipFill>
-          <a:blip r:embed="rId10">
+          <a:blip r:embed="rId8">
             <a:extLst>
               <a:ext uri="{96DAC541-7B7A-43D3-8B79-37D633B846F1}">
-                <asvg:svgBlip xmlns:asvg="http://schemas.microsoft.com/office/drawing/2016/SVG/main" r:embed="rId11"/>
+                <asvg:svgBlip xmlns:asvg="http://schemas.microsoft.com/office/drawing/2016/SVG/main" r:embed="rId9"/>
               </a:ext>
             </a:extLst>
           </a:blip>
@@ -3891,7 +3784,7 @@
         </p:blipFill>
         <p:spPr>
           <a:xfrm>
-            <a:off x="2245108" y="3441320"/>
+            <a:off x="3591993" y="3713168"/>
             <a:ext cx="672166" cy="672166"/>
           </a:xfrm>
           <a:prstGeom prst="rect">
@@ -3904,7 +3797,7 @@
           <p:cNvPr id="24" name="TextBox 23">
             <a:extLst>
               <a:ext uri="{FF2B5EF4-FFF2-40B4-BE49-F238E27FC236}">
-                <a16:creationId xmlns:a16="http://schemas.microsoft.com/office/drawing/2014/main" id="{CC40C148-1FD2-AF3C-2946-2957CFBE2785}"/>
+                <a16:creationId xmlns:a16="http://schemas.microsoft.com/office/drawing/2014/main" id="{94A79219-B52F-3D05-3B07-E0A6293A5231}"/>
               </a:ext>
             </a:extLst>
           </p:cNvPr>
@@ -3913,7 +3806,7 @@
         </p:nvSpPr>
         <p:spPr>
           <a:xfrm>
-            <a:off x="2820687" y="3485629"/>
+            <a:off x="4167572" y="3757477"/>
             <a:ext cx="1377388" cy="338554"/>
           </a:xfrm>
           <a:prstGeom prst="rect">
@@ -3945,7 +3838,7 @@
           <p:cNvPr id="25" name="TextBox 24">
             <a:extLst>
               <a:ext uri="{FF2B5EF4-FFF2-40B4-BE49-F238E27FC236}">
-                <a16:creationId xmlns:a16="http://schemas.microsoft.com/office/drawing/2014/main" id="{CA05822A-0101-6853-B53D-A7C0C002712F}"/>
+                <a16:creationId xmlns:a16="http://schemas.microsoft.com/office/drawing/2014/main" id="{05E1FE56-9AE5-608D-E0D7-63EE265BB520}"/>
               </a:ext>
             </a:extLst>
           </p:cNvPr>
@@ -3954,7 +3847,7 @@
         </p:nvSpPr>
         <p:spPr>
           <a:xfrm>
-            <a:off x="2440930" y="5071040"/>
+            <a:off x="3787815" y="5514208"/>
             <a:ext cx="1377388" cy="307777"/>
           </a:xfrm>
           <a:prstGeom prst="rect">
@@ -3984,7 +3877,7 @@
           <p:cNvPr id="26" name="Graphic 25" descr="Web design with solid fill">
             <a:extLst>
               <a:ext uri="{FF2B5EF4-FFF2-40B4-BE49-F238E27FC236}">
-                <a16:creationId xmlns:a16="http://schemas.microsoft.com/office/drawing/2014/main" id="{28B8314E-C5CA-F2E6-9934-7F27E0064611}"/>
+                <a16:creationId xmlns:a16="http://schemas.microsoft.com/office/drawing/2014/main" id="{3FB560E3-1517-31A6-D089-22FBD3242E70}"/>
               </a:ext>
             </a:extLst>
           </p:cNvPr>
@@ -4007,7 +3900,7 @@
         </p:blipFill>
         <p:spPr>
           <a:xfrm>
-            <a:off x="5198037" y="4784808"/>
+            <a:off x="6522906" y="4512024"/>
             <a:ext cx="629141" cy="629141"/>
           </a:xfrm>
           <a:prstGeom prst="rect">
@@ -4015,48 +3908,12 @@
           </a:prstGeom>
         </p:spPr>
       </p:pic>
-      <p:pic>
-        <p:nvPicPr>
-          <p:cNvPr id="27" name="Graphic 26" descr="Chat bubble with solid fill">
-            <a:extLst>
-              <a:ext uri="{FF2B5EF4-FFF2-40B4-BE49-F238E27FC236}">
-                <a16:creationId xmlns:a16="http://schemas.microsoft.com/office/drawing/2014/main" id="{A252A9B3-7CFD-A657-9EA2-49967B0CDA84}"/>
-              </a:ext>
-            </a:extLst>
-          </p:cNvPr>
-          <p:cNvPicPr>
-            <a:picLocks noChangeAspect="1"/>
-          </p:cNvPicPr>
-          <p:nvPr/>
-        </p:nvPicPr>
-        <p:blipFill>
-          <a:blip r:embed="rId12">
-            <a:extLst>
-              <a:ext uri="{96DAC541-7B7A-43D3-8B79-37D633B846F1}">
-                <asvg:svgBlip xmlns:asvg="http://schemas.microsoft.com/office/drawing/2016/SVG/main" r:embed="rId13"/>
-              </a:ext>
-            </a:extLst>
-          </a:blip>
-          <a:stretch>
-            <a:fillRect/>
-          </a:stretch>
-        </p:blipFill>
-        <p:spPr>
-          <a:xfrm>
-            <a:off x="5251407" y="4156792"/>
-            <a:ext cx="510645" cy="510645"/>
-          </a:xfrm>
-          <a:prstGeom prst="rect">
-            <a:avLst/>
-          </a:prstGeom>
-        </p:spPr>
-      </p:pic>
       <p:sp>
         <p:nvSpPr>
           <p:cNvPr id="28" name="TextBox 27">
             <a:extLst>
               <a:ext uri="{FF2B5EF4-FFF2-40B4-BE49-F238E27FC236}">
-                <a16:creationId xmlns:a16="http://schemas.microsoft.com/office/drawing/2014/main" id="{9AB04293-F320-1C33-2D21-94A4C0218647}"/>
+                <a16:creationId xmlns:a16="http://schemas.microsoft.com/office/drawing/2014/main" id="{FC8527E7-ACF2-7D5B-92D7-3837C5C13CFB}"/>
               </a:ext>
             </a:extLst>
           </p:cNvPr>
@@ -4065,8 +3922,8 @@
         </p:nvSpPr>
         <p:spPr>
           <a:xfrm>
-            <a:off x="5117097" y="5285892"/>
-            <a:ext cx="1434234" cy="430887"/>
+            <a:off x="6442845" y="4124278"/>
+            <a:ext cx="1369429" cy="461665"/>
           </a:xfrm>
           <a:prstGeom prst="rect">
             <a:avLst/>
@@ -4080,107 +3937,24 @@
           <a:lstStyle/>
           <a:p>
             <a:r>
-              <a:rPr lang="en-SG" sz="1100" b="1" dirty="0"/>
+              <a:rPr lang="en-SG" sz="1200" b="1" dirty="0"/>
               <a:t>Browser Control </a:t>
             </a:r>
           </a:p>
           <a:p>
             <a:r>
-              <a:rPr lang="en-SG" sz="1100" b="1" dirty="0"/>
-              <a:t>AI Agent </a:t>
-            </a:r>
-          </a:p>
-        </p:txBody>
-      </p:sp>
-      <p:sp>
-        <p:nvSpPr>
-          <p:cNvPr id="29" name="TextBox 28">
-            <a:extLst>
-              <a:ext uri="{FF2B5EF4-FFF2-40B4-BE49-F238E27FC236}">
-                <a16:creationId xmlns:a16="http://schemas.microsoft.com/office/drawing/2014/main" id="{2C5B8143-308F-8B4C-4328-FDB2D847E448}"/>
-              </a:ext>
-            </a:extLst>
-          </p:cNvPr>
-          <p:cNvSpPr txBox="1"/>
-          <p:nvPr/>
-        </p:nvSpPr>
-        <p:spPr>
-          <a:xfrm>
-            <a:off x="5108640" y="3823315"/>
-            <a:ext cx="1562250" cy="400110"/>
-          </a:xfrm>
-          <a:prstGeom prst="rect">
-            <a:avLst/>
-          </a:prstGeom>
-          <a:noFill/>
-        </p:spPr>
-        <p:txBody>
-          <a:bodyPr wrap="square">
-            <a:spAutoFit/>
-          </a:bodyPr>
-          <a:lstStyle/>
-          <a:p>
-            <a:r>
-              <a:rPr lang="en-SG" sz="1000" b="1" dirty="0">
-                <a:solidFill>
-                  <a:schemeClr val="accent6">
-                    <a:lumMod val="75000"/>
-                  </a:schemeClr>
-                </a:solidFill>
-              </a:rPr>
-              <a:t>Human Language Request </a:t>
-            </a:r>
-          </a:p>
-        </p:txBody>
-      </p:sp>
-      <p:cxnSp>
-        <p:nvCxnSpPr>
-          <p:cNvPr id="30" name="Straight Arrow Connector 29">
-            <a:extLst>
-              <a:ext uri="{FF2B5EF4-FFF2-40B4-BE49-F238E27FC236}">
-                <a16:creationId xmlns:a16="http://schemas.microsoft.com/office/drawing/2014/main" id="{B5893B18-F7C2-37D3-468D-C17A2C90D8B8}"/>
-              </a:ext>
-            </a:extLst>
-          </p:cNvPr>
-          <p:cNvCxnSpPr/>
-          <p:nvPr/>
-        </p:nvCxnSpPr>
-        <p:spPr>
-          <a:xfrm>
-            <a:off x="5506729" y="4608695"/>
-            <a:ext cx="0" cy="259910"/>
-          </a:xfrm>
-          <a:prstGeom prst="straightConnector1">
-            <a:avLst/>
-          </a:prstGeom>
-          <a:ln>
-            <a:solidFill>
-              <a:schemeClr val="accent6"/>
-            </a:solidFill>
-            <a:tailEnd type="triangle"/>
-          </a:ln>
-        </p:spPr>
-        <p:style>
-          <a:lnRef idx="2">
-            <a:schemeClr val="accent1"/>
-          </a:lnRef>
-          <a:fillRef idx="0">
-            <a:schemeClr val="accent1"/>
-          </a:fillRef>
-          <a:effectRef idx="1">
-            <a:schemeClr val="accent1"/>
-          </a:effectRef>
-          <a:fontRef idx="minor">
-            <a:schemeClr val="tx1"/>
-          </a:fontRef>
-        </p:style>
-      </p:cxnSp>
+              <a:rPr lang="en-SG" sz="1200" b="1" dirty="0"/>
+              <a:t>MCP Agent 02</a:t>
+            </a:r>
+          </a:p>
+        </p:txBody>
+      </p:sp>
       <p:cxnSp>
         <p:nvCxnSpPr>
           <p:cNvPr id="31" name="Straight Arrow Connector 30">
             <a:extLst>
               <a:ext uri="{FF2B5EF4-FFF2-40B4-BE49-F238E27FC236}">
-                <a16:creationId xmlns:a16="http://schemas.microsoft.com/office/drawing/2014/main" id="{4E890185-2BCE-CC6C-BA3E-5448AFCAAEB2}"/>
+                <a16:creationId xmlns:a16="http://schemas.microsoft.com/office/drawing/2014/main" id="{F72BBB63-C666-1F36-FE39-73127B4F33CB}"/>
               </a:ext>
             </a:extLst>
           </p:cNvPr>
@@ -4191,7 +3965,7 @@
         </p:nvCxnSpPr>
         <p:spPr>
           <a:xfrm flipH="1" flipV="1">
-            <a:off x="4250197" y="5099378"/>
+            <a:off x="5510168" y="4724589"/>
             <a:ext cx="966128" cy="1"/>
           </a:xfrm>
           <a:prstGeom prst="straightConnector1">
@@ -4227,7 +4001,7 @@
           <p:cNvPr id="32" name="Rectangle 31">
             <a:extLst>
               <a:ext uri="{FF2B5EF4-FFF2-40B4-BE49-F238E27FC236}">
-                <a16:creationId xmlns:a16="http://schemas.microsoft.com/office/drawing/2014/main" id="{5BE53C37-80CA-E700-E798-20353CF150C3}"/>
+                <a16:creationId xmlns:a16="http://schemas.microsoft.com/office/drawing/2014/main" id="{22E708EB-5A93-BD0C-CF99-3A23B7983D7F}"/>
               </a:ext>
             </a:extLst>
           </p:cNvPr>
@@ -4236,7 +4010,7 @@
         </p:nvSpPr>
         <p:spPr>
           <a:xfrm>
-            <a:off x="7798648" y="3404177"/>
+            <a:off x="9145533" y="3676025"/>
             <a:ext cx="1931701" cy="914173"/>
           </a:xfrm>
           <a:prstGeom prst="rect">
@@ -4273,7 +4047,7 @@
           <p:cNvPr id="33" name="Picture 2" descr="DeepSeek Logo and symbol, meaning ...">
             <a:extLst>
               <a:ext uri="{FF2B5EF4-FFF2-40B4-BE49-F238E27FC236}">
-                <a16:creationId xmlns:a16="http://schemas.microsoft.com/office/drawing/2014/main" id="{2717DE76-20FD-BD3A-45A8-BFCD989026CB}"/>
+                <a16:creationId xmlns:a16="http://schemas.microsoft.com/office/drawing/2014/main" id="{94BAE73F-A6DA-30F8-EAAD-BAB169B3559D}"/>
               </a:ext>
             </a:extLst>
           </p:cNvPr>
@@ -4283,7 +4057,7 @@
           <p:nvPr/>
         </p:nvPicPr>
         <p:blipFill rotWithShape="1">
-          <a:blip r:embed="rId14">
+          <a:blip r:embed="rId10">
             <a:extLst>
               <a:ext uri="{28A0092B-C50C-407E-A947-70E740481C1C}">
                 <a14:useLocalDpi xmlns:a14="http://schemas.microsoft.com/office/drawing/2010/main" val="0"/>
@@ -4295,7 +4069,7 @@
         </p:blipFill>
         <p:spPr bwMode="auto">
           <a:xfrm>
-            <a:off x="7895198" y="3509834"/>
+            <a:off x="9242083" y="3781682"/>
             <a:ext cx="1240791" cy="436846"/>
           </a:xfrm>
           <a:prstGeom prst="rect">
@@ -4323,7 +4097,7 @@
           <p:cNvPr id="34" name="TextBox 33">
             <a:extLst>
               <a:ext uri="{FF2B5EF4-FFF2-40B4-BE49-F238E27FC236}">
-                <a16:creationId xmlns:a16="http://schemas.microsoft.com/office/drawing/2014/main" id="{A021769B-B81C-593F-6035-D4238D4ACE7B}"/>
+                <a16:creationId xmlns:a16="http://schemas.microsoft.com/office/drawing/2014/main" id="{271092E0-36EB-BF81-A131-8B0D7E6E1884}"/>
               </a:ext>
             </a:extLst>
           </p:cNvPr>
@@ -4332,7 +4106,7 @@
         </p:nvSpPr>
         <p:spPr>
           <a:xfrm>
-            <a:off x="7798648" y="3979796"/>
+            <a:off x="9145533" y="4251644"/>
             <a:ext cx="2056197" cy="338554"/>
           </a:xfrm>
           <a:prstGeom prst="rect">
@@ -4367,7 +4141,7 @@
           <p:cNvPr id="35" name="Picture 34">
             <a:extLst>
               <a:ext uri="{FF2B5EF4-FFF2-40B4-BE49-F238E27FC236}">
-                <a16:creationId xmlns:a16="http://schemas.microsoft.com/office/drawing/2014/main" id="{7CDCFD91-0E45-2C7E-FB02-8D9003C2ACAD}"/>
+                <a16:creationId xmlns:a16="http://schemas.microsoft.com/office/drawing/2014/main" id="{4C899821-747D-70A1-B1E6-50D1400F9744}"/>
               </a:ext>
             </a:extLst>
           </p:cNvPr>
@@ -4377,14 +4151,14 @@
           <p:nvPr/>
         </p:nvPicPr>
         <p:blipFill>
-          <a:blip r:embed="rId15"/>
+          <a:blip r:embed="rId11"/>
           <a:stretch>
             <a:fillRect/>
           </a:stretch>
         </p:blipFill>
         <p:spPr>
           <a:xfrm>
-            <a:off x="9207982" y="3504469"/>
+            <a:off x="10554867" y="3776317"/>
             <a:ext cx="450373" cy="447576"/>
           </a:xfrm>
           <a:prstGeom prst="rect">
@@ -4397,7 +4171,7 @@
           <p:cNvPr id="36" name="TextBox 35">
             <a:extLst>
               <a:ext uri="{FF2B5EF4-FFF2-40B4-BE49-F238E27FC236}">
-                <a16:creationId xmlns:a16="http://schemas.microsoft.com/office/drawing/2014/main" id="{2607F694-0FFA-C3F7-948F-A320EF429626}"/>
+                <a16:creationId xmlns:a16="http://schemas.microsoft.com/office/drawing/2014/main" id="{DCA5B914-5B3B-95C0-6C8F-499616DB992D}"/>
               </a:ext>
             </a:extLst>
           </p:cNvPr>
@@ -4406,8 +4180,8 @@
         </p:nvSpPr>
         <p:spPr>
           <a:xfrm>
-            <a:off x="7760150" y="3065137"/>
-            <a:ext cx="2314151" cy="338554"/>
+            <a:off x="9057820" y="3113941"/>
+            <a:ext cx="2281710" cy="584775"/>
           </a:xfrm>
           <a:prstGeom prst="rect">
             <a:avLst/>
@@ -4442,7 +4216,7 @@
                   <a:srgbClr val="0070C0"/>
                 </a:solidFill>
               </a:rPr>
-              <a:t> GPU</a:t>
+              <a:t> Service  GPU</a:t>
             </a:r>
             <a:endParaRPr lang="en-SG" sz="1600" b="1" dirty="0">
               <a:solidFill>
@@ -4457,7 +4231,7 @@
           <p:cNvPr id="38" name="Connector: Elbow 37">
             <a:extLst>
               <a:ext uri="{FF2B5EF4-FFF2-40B4-BE49-F238E27FC236}">
-                <a16:creationId xmlns:a16="http://schemas.microsoft.com/office/drawing/2014/main" id="{2FB0169B-2D6F-9215-50FF-AE474AD06410}"/>
+                <a16:creationId xmlns:a16="http://schemas.microsoft.com/office/drawing/2014/main" id="{80F756CC-C4B6-7E49-663A-2DE118ED7550}"/>
               </a:ext>
             </a:extLst>
           </p:cNvPr>
@@ -4468,7 +4242,7 @@
         </p:nvCxnSpPr>
         <p:spPr>
           <a:xfrm rot="10800000">
-            <a:off x="5921680" y="2650056"/>
+            <a:off x="7268565" y="2921904"/>
             <a:ext cx="1876969" cy="1034976"/>
           </a:xfrm>
           <a:prstGeom prst="bentConnector3">
@@ -4498,7 +4272,7 @@
           <p:cNvPr id="39" name="Connector: Elbow 38">
             <a:extLst>
               <a:ext uri="{FF2B5EF4-FFF2-40B4-BE49-F238E27FC236}">
-                <a16:creationId xmlns:a16="http://schemas.microsoft.com/office/drawing/2014/main" id="{6827BCB3-0688-30E4-34F1-8DED718AED50}"/>
+                <a16:creationId xmlns:a16="http://schemas.microsoft.com/office/drawing/2014/main" id="{18F02328-2D58-4CFD-4000-6C24558BF03E}"/>
               </a:ext>
             </a:extLst>
           </p:cNvPr>
@@ -4511,12 +4285,12 @@
         </p:nvCxnSpPr>
         <p:spPr>
           <a:xfrm rot="10800000" flipV="1">
-            <a:off x="5827178" y="3861263"/>
-            <a:ext cx="1971470" cy="1238115"/>
+            <a:off x="7152047" y="4133111"/>
+            <a:ext cx="1993486" cy="693483"/>
           </a:xfrm>
           <a:prstGeom prst="bentConnector3">
             <a:avLst>
-              <a:gd name="adj1" fmla="val 47217"/>
+              <a:gd name="adj1" fmla="val 45041"/>
             </a:avLst>
           </a:prstGeom>
           <a:ln>
@@ -4543,7 +4317,7 @@
           <p:cNvPr id="1026" name="Picture 2" descr="router&quot; Icon - Download for free – Iconduck">
             <a:extLst>
               <a:ext uri="{FF2B5EF4-FFF2-40B4-BE49-F238E27FC236}">
-                <a16:creationId xmlns:a16="http://schemas.microsoft.com/office/drawing/2014/main" id="{187E4BB5-2C7B-5DF4-9F4D-95292508F4BE}"/>
+                <a16:creationId xmlns:a16="http://schemas.microsoft.com/office/drawing/2014/main" id="{92C043C5-5BA6-9440-B22A-BD0F87543C36}"/>
               </a:ext>
             </a:extLst>
           </p:cNvPr>
@@ -4553,7 +4327,7 @@
           <p:nvPr/>
         </p:nvPicPr>
         <p:blipFill>
-          <a:blip r:embed="rId16">
+          <a:blip r:embed="rId12">
             <a:extLst>
               <a:ext uri="{28A0092B-C50C-407E-A947-70E740481C1C}">
                 <a14:useLocalDpi xmlns:a14="http://schemas.microsoft.com/office/drawing/2010/main" val="0"/>
@@ -4567,7 +4341,7 @@
         </p:blipFill>
         <p:spPr bwMode="auto">
           <a:xfrm>
-            <a:off x="6580953" y="3494364"/>
+            <a:off x="7927838" y="3766212"/>
             <a:ext cx="718115" cy="619955"/>
           </a:xfrm>
           <a:prstGeom prst="rect">
@@ -4590,7 +4364,7 @@
           <p:cNvPr id="43" name="TextBox 42">
             <a:extLst>
               <a:ext uri="{FF2B5EF4-FFF2-40B4-BE49-F238E27FC236}">
-                <a16:creationId xmlns:a16="http://schemas.microsoft.com/office/drawing/2014/main" id="{7312CE3E-C6DA-9489-5227-2E9498567BD8}"/>
+                <a16:creationId xmlns:a16="http://schemas.microsoft.com/office/drawing/2014/main" id="{47A6743E-D832-A4F7-AF8F-3CBB8A288489}"/>
               </a:ext>
             </a:extLst>
           </p:cNvPr>
@@ -4599,7 +4373,7 @@
         </p:nvSpPr>
         <p:spPr>
           <a:xfrm>
-            <a:off x="6893069" y="2972866"/>
+            <a:off x="8239954" y="3244714"/>
             <a:ext cx="1078165" cy="523220"/>
           </a:xfrm>
           <a:prstGeom prst="rect">
@@ -4625,7 +4399,7 @@
           <p:cNvPr id="1028" name="Picture 4" descr="Google Chrome Icon Logo Clipart Png - SimilarPNG">
             <a:extLst>
               <a:ext uri="{FF2B5EF4-FFF2-40B4-BE49-F238E27FC236}">
-                <a16:creationId xmlns:a16="http://schemas.microsoft.com/office/drawing/2014/main" id="{554C108F-1349-E7D6-E96E-E0CF987C511B}"/>
+                <a16:creationId xmlns:a16="http://schemas.microsoft.com/office/drawing/2014/main" id="{94422866-E53F-529E-3A99-0FE7AB0CE8CF}"/>
               </a:ext>
             </a:extLst>
           </p:cNvPr>
@@ -4635,7 +4409,7 @@
           <p:nvPr/>
         </p:nvPicPr>
         <p:blipFill>
-          <a:blip r:embed="rId17">
+          <a:blip r:embed="rId13">
             <a:extLst>
               <a:ext uri="{28A0092B-C50C-407E-A947-70E740481C1C}">
                 <a14:useLocalDpi xmlns:a14="http://schemas.microsoft.com/office/drawing/2010/main" val="0"/>
@@ -4649,7 +4423,7 @@
         </p:blipFill>
         <p:spPr bwMode="auto">
           <a:xfrm>
-            <a:off x="3792413" y="2625385"/>
+            <a:off x="5139298" y="2897233"/>
             <a:ext cx="456600" cy="456600"/>
           </a:xfrm>
           <a:prstGeom prst="rect">
@@ -4677,7 +4451,7 @@
           <p:cNvPr id="45" name="Picture 4" descr="Google Chrome Icon Logo Clipart Png - SimilarPNG">
             <a:extLst>
               <a:ext uri="{FF2B5EF4-FFF2-40B4-BE49-F238E27FC236}">
-                <a16:creationId xmlns:a16="http://schemas.microsoft.com/office/drawing/2014/main" id="{A598A6EC-7185-8F47-D6F5-498253EF6FC0}"/>
+                <a16:creationId xmlns:a16="http://schemas.microsoft.com/office/drawing/2014/main" id="{75EF8CB4-2E0D-FA73-93D7-3CDB7F7BE4EF}"/>
               </a:ext>
             </a:extLst>
           </p:cNvPr>
@@ -4687,7 +4461,7 @@
           <p:nvPr/>
         </p:nvPicPr>
         <p:blipFill>
-          <a:blip r:embed="rId17">
+          <a:blip r:embed="rId13">
             <a:extLst>
               <a:ext uri="{28A0092B-C50C-407E-A947-70E740481C1C}">
                 <a14:useLocalDpi xmlns:a14="http://schemas.microsoft.com/office/drawing/2010/main" val="0"/>
@@ -4701,7 +4475,7 @@
         </p:blipFill>
         <p:spPr bwMode="auto">
           <a:xfrm>
-            <a:off x="3792413" y="4922058"/>
+            <a:off x="5064589" y="4436946"/>
             <a:ext cx="456600" cy="456600"/>
           </a:xfrm>
           <a:prstGeom prst="rect">
@@ -4729,7 +4503,7 @@
           <p:cNvPr id="47" name="Picture 46">
             <a:extLst>
               <a:ext uri="{FF2B5EF4-FFF2-40B4-BE49-F238E27FC236}">
-                <a16:creationId xmlns:a16="http://schemas.microsoft.com/office/drawing/2014/main" id="{09118F57-8788-A3FA-A905-C7D5A8CFFAE3}"/>
+                <a16:creationId xmlns:a16="http://schemas.microsoft.com/office/drawing/2014/main" id="{ED2712D1-09BA-0F58-CD29-0FB1EBDFBC14}"/>
               </a:ext>
             </a:extLst>
           </p:cNvPr>
@@ -4739,14 +4513,14 @@
           <p:nvPr/>
         </p:nvPicPr>
         <p:blipFill>
-          <a:blip r:embed="rId18"/>
+          <a:blip r:embed="rId14"/>
           <a:stretch>
             <a:fillRect/>
           </a:stretch>
         </p:blipFill>
         <p:spPr>
           <a:xfrm>
-            <a:off x="1211119" y="3052465"/>
+            <a:off x="2558004" y="3324313"/>
             <a:ext cx="672167" cy="695615"/>
           </a:xfrm>
           <a:prstGeom prst="rect">
@@ -4754,26 +4528,256 @@
           </a:prstGeom>
         </p:spPr>
       </p:pic>
+      <p:sp>
+        <p:nvSpPr>
+          <p:cNvPr id="53" name="TextBox 52">
+            <a:extLst>
+              <a:ext uri="{FF2B5EF4-FFF2-40B4-BE49-F238E27FC236}">
+                <a16:creationId xmlns:a16="http://schemas.microsoft.com/office/drawing/2014/main" id="{4827D63E-EC1F-66E2-5432-3251DFD64FE1}"/>
+              </a:ext>
+            </a:extLst>
+          </p:cNvPr>
+          <p:cNvSpPr txBox="1"/>
+          <p:nvPr/>
+        </p:nvSpPr>
+        <p:spPr>
+          <a:xfrm>
+            <a:off x="2483007" y="4000105"/>
+            <a:ext cx="894119" cy="307777"/>
+          </a:xfrm>
+          <a:prstGeom prst="rect">
+            <a:avLst/>
+          </a:prstGeom>
+          <a:noFill/>
+        </p:spPr>
+        <p:txBody>
+          <a:bodyPr wrap="square">
+            <a:spAutoFit/>
+          </a:bodyPr>
+          <a:lstStyle/>
+          <a:p>
+            <a:r>
+              <a:rPr lang="en-SG" sz="1400" b="1" dirty="0"/>
+              <a:t>Internet</a:t>
+            </a:r>
+          </a:p>
+        </p:txBody>
+      </p:sp>
+      <p:pic>
+        <p:nvPicPr>
+          <p:cNvPr id="54" name="Picture 53">
+            <a:extLst>
+              <a:ext uri="{FF2B5EF4-FFF2-40B4-BE49-F238E27FC236}">
+                <a16:creationId xmlns:a16="http://schemas.microsoft.com/office/drawing/2014/main" id="{A1BD0521-8414-16CA-971F-70313E804D44}"/>
+              </a:ext>
+            </a:extLst>
+          </p:cNvPr>
+          <p:cNvPicPr>
+            <a:picLocks noChangeAspect="1"/>
+          </p:cNvPicPr>
+          <p:nvPr/>
+        </p:nvPicPr>
+        <p:blipFill>
+          <a:blip r:embed="rId15"/>
+          <a:stretch>
+            <a:fillRect/>
+          </a:stretch>
+        </p:blipFill>
+        <p:spPr>
+          <a:xfrm>
+            <a:off x="7561018" y="2742574"/>
+            <a:ext cx="345193" cy="338555"/>
+          </a:xfrm>
+          <a:prstGeom prst="rect">
+            <a:avLst/>
+          </a:prstGeom>
+        </p:spPr>
+      </p:pic>
+      <p:pic>
+        <p:nvPicPr>
+          <p:cNvPr id="55" name="Picture 54">
+            <a:extLst>
+              <a:ext uri="{FF2B5EF4-FFF2-40B4-BE49-F238E27FC236}">
+                <a16:creationId xmlns:a16="http://schemas.microsoft.com/office/drawing/2014/main" id="{6AB7C3D9-B620-0B6A-61E9-EEB9BABD53BB}"/>
+              </a:ext>
+            </a:extLst>
+          </p:cNvPr>
+          <p:cNvPicPr>
+            <a:picLocks noChangeAspect="1"/>
+          </p:cNvPicPr>
+          <p:nvPr/>
+        </p:nvPicPr>
+        <p:blipFill>
+          <a:blip r:embed="rId15"/>
+          <a:stretch>
+            <a:fillRect/>
+          </a:stretch>
+        </p:blipFill>
+        <p:spPr>
+          <a:xfrm>
+            <a:off x="7496240" y="4710161"/>
+            <a:ext cx="345193" cy="338555"/>
+          </a:xfrm>
+          <a:prstGeom prst="rect">
+            <a:avLst/>
+          </a:prstGeom>
+        </p:spPr>
+      </p:pic>
+      <p:pic>
+        <p:nvPicPr>
+          <p:cNvPr id="56" name="Picture 55">
+            <a:extLst>
+              <a:ext uri="{FF2B5EF4-FFF2-40B4-BE49-F238E27FC236}">
+                <a16:creationId xmlns:a16="http://schemas.microsoft.com/office/drawing/2014/main" id="{546974AD-3212-5C93-AE7B-5185C4A3B3E1}"/>
+              </a:ext>
+            </a:extLst>
+          </p:cNvPr>
+          <p:cNvPicPr>
+            <a:picLocks noChangeAspect="1"/>
+          </p:cNvPicPr>
+          <p:nvPr/>
+        </p:nvPicPr>
+        <p:blipFill>
+          <a:blip r:embed="rId15"/>
+          <a:stretch>
+            <a:fillRect/>
+          </a:stretch>
+        </p:blipFill>
+        <p:spPr>
+          <a:xfrm>
+            <a:off x="8886632" y="3893420"/>
+            <a:ext cx="345193" cy="338555"/>
+          </a:xfrm>
+          <a:prstGeom prst="rect">
+            <a:avLst/>
+          </a:prstGeom>
+        </p:spPr>
+      </p:pic>
+      <p:sp>
+        <p:nvSpPr>
+          <p:cNvPr id="57" name="TextBox 56">
+            <a:extLst>
+              <a:ext uri="{FF2B5EF4-FFF2-40B4-BE49-F238E27FC236}">
+                <a16:creationId xmlns:a16="http://schemas.microsoft.com/office/drawing/2014/main" id="{C0CC86B9-2452-9DCA-2DE8-A37182A816B3}"/>
+              </a:ext>
+            </a:extLst>
+          </p:cNvPr>
+          <p:cNvSpPr txBox="1"/>
+          <p:nvPr/>
+        </p:nvSpPr>
+        <p:spPr>
+          <a:xfrm>
+            <a:off x="7843452" y="2646809"/>
+            <a:ext cx="1184978" cy="261610"/>
+          </a:xfrm>
+          <a:prstGeom prst="rect">
+            <a:avLst/>
+          </a:prstGeom>
+          <a:noFill/>
+        </p:spPr>
+        <p:txBody>
+          <a:bodyPr wrap="square">
+            <a:spAutoFit/>
+          </a:bodyPr>
+          <a:lstStyle/>
+          <a:p>
+            <a:r>
+              <a:rPr lang="en-SG" sz="1100" b="1" dirty="0"/>
+              <a:t>192.168.50.112</a:t>
+            </a:r>
+          </a:p>
+        </p:txBody>
+      </p:sp>
+      <p:sp>
+        <p:nvSpPr>
+          <p:cNvPr id="58" name="TextBox 57">
+            <a:extLst>
+              <a:ext uri="{FF2B5EF4-FFF2-40B4-BE49-F238E27FC236}">
+                <a16:creationId xmlns:a16="http://schemas.microsoft.com/office/drawing/2014/main" id="{F1702B83-D908-C227-37C3-54762C931929}"/>
+              </a:ext>
+            </a:extLst>
+          </p:cNvPr>
+          <p:cNvSpPr txBox="1"/>
+          <p:nvPr/>
+        </p:nvSpPr>
+        <p:spPr>
+          <a:xfrm>
+            <a:off x="7761727" y="4909561"/>
+            <a:ext cx="1184978" cy="261610"/>
+          </a:xfrm>
+          <a:prstGeom prst="rect">
+            <a:avLst/>
+          </a:prstGeom>
+          <a:noFill/>
+        </p:spPr>
+        <p:txBody>
+          <a:bodyPr wrap="square">
+            <a:spAutoFit/>
+          </a:bodyPr>
+          <a:lstStyle/>
+          <a:p>
+            <a:r>
+              <a:rPr lang="en-SG" sz="1100" b="1" dirty="0"/>
+              <a:t>192.168.50.113</a:t>
+            </a:r>
+          </a:p>
+        </p:txBody>
+      </p:sp>
+      <p:sp>
+        <p:nvSpPr>
+          <p:cNvPr id="59" name="TextBox 58">
+            <a:extLst>
+              <a:ext uri="{FF2B5EF4-FFF2-40B4-BE49-F238E27FC236}">
+                <a16:creationId xmlns:a16="http://schemas.microsoft.com/office/drawing/2014/main" id="{AD84A2AC-5A48-AE98-30F7-2FCD28267640}"/>
+              </a:ext>
+            </a:extLst>
+          </p:cNvPr>
+          <p:cNvSpPr txBox="1"/>
+          <p:nvPr/>
+        </p:nvSpPr>
+        <p:spPr>
+          <a:xfrm>
+            <a:off x="8770096" y="4638504"/>
+            <a:ext cx="1184978" cy="261610"/>
+          </a:xfrm>
+          <a:prstGeom prst="rect">
+            <a:avLst/>
+          </a:prstGeom>
+          <a:noFill/>
+        </p:spPr>
+        <p:txBody>
+          <a:bodyPr wrap="square">
+            <a:spAutoFit/>
+          </a:bodyPr>
+          <a:lstStyle/>
+          <a:p>
+            <a:r>
+              <a:rPr lang="en-SG" sz="1100" b="1" dirty="0"/>
+              <a:t>192.168.50.12</a:t>
+            </a:r>
+          </a:p>
+        </p:txBody>
+      </p:sp>
       <p:cxnSp>
         <p:nvCxnSpPr>
-          <p:cNvPr id="49" name="Straight Arrow Connector 48">
-            <a:extLst>
-              <a:ext uri="{FF2B5EF4-FFF2-40B4-BE49-F238E27FC236}">
-                <a16:creationId xmlns:a16="http://schemas.microsoft.com/office/drawing/2014/main" id="{968754E3-E196-93AB-EF91-137479854740}"/>
+          <p:cNvPr id="3" name="Connector: Elbow 2">
+            <a:extLst>
+              <a:ext uri="{FF2B5EF4-FFF2-40B4-BE49-F238E27FC236}">
+                <a16:creationId xmlns:a16="http://schemas.microsoft.com/office/drawing/2014/main" id="{6059A1E3-1A16-F450-9079-59FC4824CC31}"/>
               </a:ext>
             </a:extLst>
           </p:cNvPr>
           <p:cNvCxnSpPr>
-            <a:stCxn id="5" idx="1"/>
+            <a:endCxn id="47" idx="0"/>
           </p:cNvCxnSpPr>
           <p:nvPr/>
         </p:nvCxnSpPr>
         <p:spPr>
-          <a:xfrm flipH="1">
-            <a:off x="1911414" y="2366085"/>
-            <a:ext cx="513625" cy="901371"/>
-          </a:xfrm>
-          <a:prstGeom prst="straightConnector1">
+          <a:xfrm rot="10800000" flipV="1">
+            <a:off x="2894088" y="2646809"/>
+            <a:ext cx="877836" cy="677504"/>
+          </a:xfrm>
+          <a:prstGeom prst="bentConnector2">
             <a:avLst/>
           </a:prstGeom>
           <a:ln>
@@ -4797,25 +4801,26 @@
       </p:cxnSp>
       <p:cxnSp>
         <p:nvCxnSpPr>
-          <p:cNvPr id="50" name="Straight Arrow Connector 49">
-            <a:extLst>
-              <a:ext uri="{FF2B5EF4-FFF2-40B4-BE49-F238E27FC236}">
-                <a16:creationId xmlns:a16="http://schemas.microsoft.com/office/drawing/2014/main" id="{2C752D04-543D-970B-3020-899277002D7C}"/>
+          <p:cNvPr id="4" name="Connector: Elbow 3">
+            <a:extLst>
+              <a:ext uri="{FF2B5EF4-FFF2-40B4-BE49-F238E27FC236}">
+                <a16:creationId xmlns:a16="http://schemas.microsoft.com/office/drawing/2014/main" id="{D145059E-3728-8966-7FF4-FC41768E28A6}"/>
               </a:ext>
             </a:extLst>
           </p:cNvPr>
           <p:cNvCxnSpPr>
             <a:cxnSpLocks/>
             <a:stCxn id="6" idx="1"/>
+            <a:endCxn id="53" idx="2"/>
           </p:cNvCxnSpPr>
           <p:nvPr/>
         </p:nvCxnSpPr>
         <p:spPr>
-          <a:xfrm flipH="1" flipV="1">
-            <a:off x="1942450" y="3688069"/>
-            <a:ext cx="482590" cy="1112841"/>
-          </a:xfrm>
-          <a:prstGeom prst="straightConnector1">
+          <a:xfrm rot="10800000">
+            <a:off x="2930067" y="4307882"/>
+            <a:ext cx="841858" cy="764876"/>
+          </a:xfrm>
+          <a:prstGeom prst="bentConnector2">
             <a:avLst/>
           </a:prstGeom>
           <a:ln>
@@ -4837,47 +4842,12 @@
           </a:fontRef>
         </p:style>
       </p:cxnSp>
-      <p:sp>
-        <p:nvSpPr>
-          <p:cNvPr id="53" name="TextBox 52">
-            <a:extLst>
-              <a:ext uri="{FF2B5EF4-FFF2-40B4-BE49-F238E27FC236}">
-                <a16:creationId xmlns:a16="http://schemas.microsoft.com/office/drawing/2014/main" id="{369AB993-34A8-8D0E-0EFD-18CAEFA4CA6A}"/>
-              </a:ext>
-            </a:extLst>
-          </p:cNvPr>
-          <p:cNvSpPr txBox="1"/>
-          <p:nvPr/>
-        </p:nvSpPr>
-        <p:spPr>
-          <a:xfrm>
-            <a:off x="1136122" y="3728257"/>
-            <a:ext cx="894119" cy="307777"/>
-          </a:xfrm>
-          <a:prstGeom prst="rect">
-            <a:avLst/>
-          </a:prstGeom>
-          <a:noFill/>
-        </p:spPr>
-        <p:txBody>
-          <a:bodyPr wrap="square">
-            <a:spAutoFit/>
-          </a:bodyPr>
-          <a:lstStyle/>
-          <a:p>
-            <a:r>
-              <a:rPr lang="en-SG" sz="1400" b="1" dirty="0"/>
-              <a:t>Internet</a:t>
-            </a:r>
-          </a:p>
-        </p:txBody>
-      </p:sp>
       <p:pic>
         <p:nvPicPr>
-          <p:cNvPr id="54" name="Picture 53">
-            <a:extLst>
-              <a:ext uri="{FF2B5EF4-FFF2-40B4-BE49-F238E27FC236}">
-                <a16:creationId xmlns:a16="http://schemas.microsoft.com/office/drawing/2014/main" id="{8E344AC1-D053-F528-9559-97E495809167}"/>
+          <p:cNvPr id="21" name="Graphic 20" descr="User with solid fill">
+            <a:extLst>
+              <a:ext uri="{FF2B5EF4-FFF2-40B4-BE49-F238E27FC236}">
+                <a16:creationId xmlns:a16="http://schemas.microsoft.com/office/drawing/2014/main" id="{4A4D5EB1-3975-E677-E241-B64D3A721EEE}"/>
               </a:ext>
             </a:extLst>
           </p:cNvPr>
@@ -4887,15 +4857,21 @@
           <p:nvPr/>
         </p:nvPicPr>
         <p:blipFill>
-          <a:blip r:embed="rId19"/>
+          <a:blip r:embed="rId16">
+            <a:extLst>
+              <a:ext uri="{96DAC541-7B7A-43D3-8B79-37D633B846F1}">
+                <asvg:svgBlip xmlns:asvg="http://schemas.microsoft.com/office/drawing/2016/SVG/main" r:embed="rId17"/>
+              </a:ext>
+            </a:extLst>
+          </a:blip>
           <a:stretch>
             <a:fillRect/>
           </a:stretch>
         </p:blipFill>
         <p:spPr>
           <a:xfrm>
-            <a:off x="6214133" y="2470726"/>
-            <a:ext cx="345193" cy="338555"/>
+            <a:off x="10616369" y="5724175"/>
+            <a:ext cx="546696" cy="546696"/>
           </a:xfrm>
           <a:prstGeom prst="rect">
             <a:avLst/>
@@ -4904,10 +4880,10 @@
       </p:pic>
       <p:pic>
         <p:nvPicPr>
-          <p:cNvPr id="55" name="Picture 54">
-            <a:extLst>
-              <a:ext uri="{FF2B5EF4-FFF2-40B4-BE49-F238E27FC236}">
-                <a16:creationId xmlns:a16="http://schemas.microsoft.com/office/drawing/2014/main" id="{ED0B53A1-BC56-FF6F-32DD-EEDF755A3A68}"/>
+          <p:cNvPr id="40" name="Graphic 39" descr="Vlog with solid fill">
+            <a:extLst>
+              <a:ext uri="{FF2B5EF4-FFF2-40B4-BE49-F238E27FC236}">
+                <a16:creationId xmlns:a16="http://schemas.microsoft.com/office/drawing/2014/main" id="{AC75B644-3762-D4D8-20A6-E698F6008CD1}"/>
               </a:ext>
             </a:extLst>
           </p:cNvPr>
@@ -4917,27 +4893,241 @@
           <p:nvPr/>
         </p:nvPicPr>
         <p:blipFill>
-          <a:blip r:embed="rId19"/>
+          <a:blip r:embed="rId18">
+            <a:extLst>
+              <a:ext uri="{96DAC541-7B7A-43D3-8B79-37D633B846F1}">
+                <asvg:svgBlip xmlns:asvg="http://schemas.microsoft.com/office/drawing/2016/SVG/main" r:embed="rId19"/>
+              </a:ext>
+            </a:extLst>
+          </a:blip>
           <a:stretch>
             <a:fillRect/>
           </a:stretch>
         </p:blipFill>
         <p:spPr>
           <a:xfrm>
-            <a:off x="6169239" y="4919784"/>
-            <a:ext cx="345193" cy="338555"/>
+            <a:off x="8057481" y="5454697"/>
+            <a:ext cx="481299" cy="481299"/>
           </a:xfrm>
           <a:prstGeom prst="rect">
             <a:avLst/>
           </a:prstGeom>
         </p:spPr>
       </p:pic>
+      <p:sp>
+        <p:nvSpPr>
+          <p:cNvPr id="41" name="TextBox 40">
+            <a:extLst>
+              <a:ext uri="{FF2B5EF4-FFF2-40B4-BE49-F238E27FC236}">
+                <a16:creationId xmlns:a16="http://schemas.microsoft.com/office/drawing/2014/main" id="{29D97B5E-70E1-C6EF-05C7-B66BEC4360C0}"/>
+              </a:ext>
+            </a:extLst>
+          </p:cNvPr>
+          <p:cNvSpPr txBox="1"/>
+          <p:nvPr/>
+        </p:nvSpPr>
+        <p:spPr>
+          <a:xfrm>
+            <a:off x="8572379" y="5364608"/>
+            <a:ext cx="2367706" cy="861774"/>
+          </a:xfrm>
+          <a:prstGeom prst="rect">
+            <a:avLst/>
+          </a:prstGeom>
+          <a:noFill/>
+        </p:spPr>
+        <p:txBody>
+          <a:bodyPr wrap="square">
+            <a:spAutoFit/>
+          </a:bodyPr>
+          <a:lstStyle/>
+          <a:p>
+            <a:r>
+              <a:rPr lang="en-US" sz="1200" b="1" dirty="0"/>
+              <a:t>Human Language Request: </a:t>
+            </a:r>
+          </a:p>
+          <a:p>
+            <a:r>
+              <a:rPr lang="en-US" sz="1200" b="1" dirty="0"/>
+              <a:t>Google search </a:t>
+            </a:r>
+            <a:r>
+              <a:rPr lang="en-US" sz="1200" b="1" dirty="0" err="1"/>
+              <a:t>deepseek</a:t>
+            </a:r>
+            <a:r>
+              <a:rPr lang="en-US" sz="1200" b="1" dirty="0"/>
+              <a:t> and summarize the product features in 300 words</a:t>
+            </a:r>
+            <a:r>
+              <a:rPr lang="en-US" sz="1400" b="1" dirty="0"/>
+              <a:t>.</a:t>
+            </a:r>
+            <a:endParaRPr lang="en-SG" sz="1400" b="1" dirty="0"/>
+          </a:p>
+        </p:txBody>
+      </p:sp>
+      <p:sp>
+        <p:nvSpPr>
+          <p:cNvPr id="42" name="Rectangle 41">
+            <a:extLst>
+              <a:ext uri="{FF2B5EF4-FFF2-40B4-BE49-F238E27FC236}">
+                <a16:creationId xmlns:a16="http://schemas.microsoft.com/office/drawing/2014/main" id="{04F45CF3-3284-0380-36A4-071ED51101A9}"/>
+              </a:ext>
+            </a:extLst>
+          </p:cNvPr>
+          <p:cNvSpPr/>
+          <p:nvPr/>
+        </p:nvSpPr>
+        <p:spPr>
+          <a:xfrm>
+            <a:off x="7927838" y="5283892"/>
+            <a:ext cx="3273892" cy="972149"/>
+          </a:xfrm>
+          <a:prstGeom prst="rect">
+            <a:avLst/>
+          </a:prstGeom>
+          <a:noFill/>
+          <a:ln>
+            <a:solidFill>
+              <a:schemeClr val="accent6">
+                <a:lumMod val="75000"/>
+              </a:schemeClr>
+            </a:solidFill>
+            <a:prstDash val="sysDash"/>
+          </a:ln>
+        </p:spPr>
+        <p:style>
+          <a:lnRef idx="2">
+            <a:schemeClr val="accent1">
+              <a:shade val="15000"/>
+            </a:schemeClr>
+          </a:lnRef>
+          <a:fillRef idx="1">
+            <a:schemeClr val="accent1"/>
+          </a:fillRef>
+          <a:effectRef idx="0">
+            <a:schemeClr val="accent1"/>
+          </a:effectRef>
+          <a:fontRef idx="minor">
+            <a:schemeClr val="lt1"/>
+          </a:fontRef>
+        </p:style>
+        <p:txBody>
+          <a:bodyPr rtlCol="0" anchor="ctr"/>
+          <a:lstStyle/>
+          <a:p>
+            <a:pPr algn="ctr"/>
+            <a:endParaRPr lang="en-SG" dirty="0"/>
+          </a:p>
+        </p:txBody>
+      </p:sp>
+      <p:sp>
+        <p:nvSpPr>
+          <p:cNvPr id="44" name="TextBox 43">
+            <a:extLst>
+              <a:ext uri="{FF2B5EF4-FFF2-40B4-BE49-F238E27FC236}">
+                <a16:creationId xmlns:a16="http://schemas.microsoft.com/office/drawing/2014/main" id="{39BDBE65-C953-1D39-83F7-C65B4DB9452D}"/>
+              </a:ext>
+            </a:extLst>
+          </p:cNvPr>
+          <p:cNvSpPr txBox="1"/>
+          <p:nvPr/>
+        </p:nvSpPr>
+        <p:spPr>
+          <a:xfrm>
+            <a:off x="7992564" y="5247767"/>
+            <a:ext cx="1020291" cy="307777"/>
+          </a:xfrm>
+          <a:prstGeom prst="rect">
+            <a:avLst/>
+          </a:prstGeom>
+          <a:noFill/>
+        </p:spPr>
+        <p:txBody>
+          <a:bodyPr wrap="square">
+            <a:spAutoFit/>
+          </a:bodyPr>
+          <a:lstStyle/>
+          <a:p>
+            <a:r>
+              <a:rPr lang="en-US" sz="1400" b="1" dirty="0">
+                <a:solidFill>
+                  <a:schemeClr val="tx2">
+                    <a:lumMod val="75000"/>
+                    <a:lumOff val="25000"/>
+                  </a:schemeClr>
+                </a:solidFill>
+              </a:rPr>
+              <a:t>Input</a:t>
+            </a:r>
+            <a:endParaRPr lang="en-SG" sz="1400" b="1" dirty="0">
+              <a:solidFill>
+                <a:schemeClr val="tx2">
+                  <a:lumMod val="75000"/>
+                  <a:lumOff val="25000"/>
+                </a:schemeClr>
+              </a:solidFill>
+            </a:endParaRPr>
+          </a:p>
+        </p:txBody>
+      </p:sp>
+      <p:cxnSp>
+        <p:nvCxnSpPr>
+          <p:cNvPr id="48" name="Connector: Elbow 47">
+            <a:extLst>
+              <a:ext uri="{FF2B5EF4-FFF2-40B4-BE49-F238E27FC236}">
+                <a16:creationId xmlns:a16="http://schemas.microsoft.com/office/drawing/2014/main" id="{5002A969-7B12-1464-742A-0C4AC60FC0C2}"/>
+              </a:ext>
+            </a:extLst>
+          </p:cNvPr>
+          <p:cNvCxnSpPr>
+            <a:cxnSpLocks/>
+            <a:stCxn id="42" idx="1"/>
+            <a:endCxn id="26" idx="2"/>
+          </p:cNvCxnSpPr>
+          <p:nvPr/>
+        </p:nvCxnSpPr>
+        <p:spPr>
+          <a:xfrm rot="10800000">
+            <a:off x="6837478" y="5141165"/>
+            <a:ext cx="1090361" cy="628802"/>
+          </a:xfrm>
+          <a:prstGeom prst="bentConnector2">
+            <a:avLst/>
+          </a:prstGeom>
+          <a:ln>
+            <a:solidFill>
+              <a:schemeClr val="accent6">
+                <a:lumMod val="75000"/>
+              </a:schemeClr>
+            </a:solidFill>
+            <a:prstDash val="sysDash"/>
+            <a:tailEnd type="triangle"/>
+          </a:ln>
+        </p:spPr>
+        <p:style>
+          <a:lnRef idx="2">
+            <a:schemeClr val="accent1"/>
+          </a:lnRef>
+          <a:fillRef idx="0">
+            <a:schemeClr val="accent1"/>
+          </a:fillRef>
+          <a:effectRef idx="1">
+            <a:schemeClr val="accent1"/>
+          </a:effectRef>
+          <a:fontRef idx="minor">
+            <a:schemeClr val="tx1"/>
+          </a:fontRef>
+        </p:style>
+      </p:cxnSp>
       <p:pic>
         <p:nvPicPr>
-          <p:cNvPr id="56" name="Picture 55">
-            <a:extLst>
-              <a:ext uri="{FF2B5EF4-FFF2-40B4-BE49-F238E27FC236}">
-                <a16:creationId xmlns:a16="http://schemas.microsoft.com/office/drawing/2014/main" id="{8DB0E247-5279-9C2B-71EE-223507D41C8E}"/>
+          <p:cNvPr id="60" name="Graphic 59" descr="User with solid fill">
+            <a:extLst>
+              <a:ext uri="{FF2B5EF4-FFF2-40B4-BE49-F238E27FC236}">
+                <a16:creationId xmlns:a16="http://schemas.microsoft.com/office/drawing/2014/main" id="{EAE531F3-05AF-B0C5-FB5D-ABFBE1B279E9}"/>
               </a:ext>
             </a:extLst>
           </p:cNvPr>
@@ -4947,27 +5137,69 @@
           <p:nvPr/>
         </p:nvPicPr>
         <p:blipFill>
-          <a:blip r:embed="rId19"/>
+          <a:blip r:embed="rId16">
+            <a:extLst>
+              <a:ext uri="{96DAC541-7B7A-43D3-8B79-37D633B846F1}">
+                <asvg:svgBlip xmlns:asvg="http://schemas.microsoft.com/office/drawing/2016/SVG/main" r:embed="rId17"/>
+              </a:ext>
+            </a:extLst>
+          </a:blip>
           <a:stretch>
             <a:fillRect/>
           </a:stretch>
         </p:blipFill>
         <p:spPr>
           <a:xfrm>
-            <a:off x="7539747" y="3621572"/>
-            <a:ext cx="345193" cy="338555"/>
+            <a:off x="10621228" y="2010037"/>
+            <a:ext cx="546696" cy="546696"/>
           </a:xfrm>
           <a:prstGeom prst="rect">
             <a:avLst/>
           </a:prstGeom>
         </p:spPr>
       </p:pic>
-      <p:sp>
-        <p:nvSpPr>
-          <p:cNvPr id="57" name="TextBox 56">
-            <a:extLst>
-              <a:ext uri="{FF2B5EF4-FFF2-40B4-BE49-F238E27FC236}">
-                <a16:creationId xmlns:a16="http://schemas.microsoft.com/office/drawing/2014/main" id="{1BBD534F-D6BE-F35F-DA37-974481D8824B}"/>
+      <p:pic>
+        <p:nvPicPr>
+          <p:cNvPr id="61" name="Graphic 60" descr="Vlog with solid fill">
+            <a:extLst>
+              <a:ext uri="{FF2B5EF4-FFF2-40B4-BE49-F238E27FC236}">
+                <a16:creationId xmlns:a16="http://schemas.microsoft.com/office/drawing/2014/main" id="{8944EC58-FE7F-B5BA-B088-A1FB54B2BD1D}"/>
+              </a:ext>
+            </a:extLst>
+          </p:cNvPr>
+          <p:cNvPicPr>
+            <a:picLocks noChangeAspect="1"/>
+          </p:cNvPicPr>
+          <p:nvPr/>
+        </p:nvPicPr>
+        <p:blipFill>
+          <a:blip r:embed="rId18">
+            <a:extLst>
+              <a:ext uri="{96DAC541-7B7A-43D3-8B79-37D633B846F1}">
+                <asvg:svgBlip xmlns:asvg="http://schemas.microsoft.com/office/drawing/2016/SVG/main" r:embed="rId19"/>
+              </a:ext>
+            </a:extLst>
+          </a:blip>
+          <a:stretch>
+            <a:fillRect/>
+          </a:stretch>
+        </p:blipFill>
+        <p:spPr>
+          <a:xfrm>
+            <a:off x="8062340" y="1740559"/>
+            <a:ext cx="481299" cy="481299"/>
+          </a:xfrm>
+          <a:prstGeom prst="rect">
+            <a:avLst/>
+          </a:prstGeom>
+        </p:spPr>
+      </p:pic>
+      <p:sp>
+        <p:nvSpPr>
+          <p:cNvPr id="62" name="TextBox 61">
+            <a:extLst>
+              <a:ext uri="{FF2B5EF4-FFF2-40B4-BE49-F238E27FC236}">
+                <a16:creationId xmlns:a16="http://schemas.microsoft.com/office/drawing/2014/main" id="{F1DA3633-0724-656F-A833-814903D9444F}"/>
               </a:ext>
             </a:extLst>
           </p:cNvPr>
@@ -4976,8 +5208,8 @@
         </p:nvSpPr>
         <p:spPr>
           <a:xfrm>
-            <a:off x="6496567" y="2374961"/>
-            <a:ext cx="1184978" cy="261610"/>
+            <a:off x="8577238" y="1650470"/>
+            <a:ext cx="2624492" cy="830997"/>
           </a:xfrm>
           <a:prstGeom prst="rect">
             <a:avLst/>
@@ -4991,18 +5223,82 @@
           <a:lstStyle/>
           <a:p>
             <a:r>
-              <a:rPr lang="en-SG" sz="1100" b="1" dirty="0"/>
-              <a:t>192.168.50.112</a:t>
-            </a:r>
-          </a:p>
-        </p:txBody>
-      </p:sp>
-      <p:sp>
-        <p:nvSpPr>
-          <p:cNvPr id="58" name="TextBox 57">
-            <a:extLst>
-              <a:ext uri="{FF2B5EF4-FFF2-40B4-BE49-F238E27FC236}">
-                <a16:creationId xmlns:a16="http://schemas.microsoft.com/office/drawing/2014/main" id="{AAF98914-6CC4-AFAF-76BA-A342DD8D8532}"/>
+              <a:rPr lang="en-US" sz="1200" b="1" dirty="0"/>
+              <a:t>Find the project “</a:t>
+            </a:r>
+            <a:r>
+              <a:rPr lang="en-US" sz="1200" b="1" dirty="0" err="1"/>
+              <a:t>Deepseek_Local_LATA</a:t>
+            </a:r>
+            <a:r>
+              <a:rPr lang="en-US" sz="1200" b="1" dirty="0"/>
+              <a:t>,” open the README file, and summarize the project in 100 words.</a:t>
+            </a:r>
+            <a:endParaRPr lang="en-SG" sz="1400" b="1" dirty="0"/>
+          </a:p>
+        </p:txBody>
+      </p:sp>
+      <p:sp>
+        <p:nvSpPr>
+          <p:cNvPr id="63" name="Rectangle 62">
+            <a:extLst>
+              <a:ext uri="{FF2B5EF4-FFF2-40B4-BE49-F238E27FC236}">
+                <a16:creationId xmlns:a16="http://schemas.microsoft.com/office/drawing/2014/main" id="{B82DB72E-D571-5F86-7099-CB06FE91B622}"/>
+              </a:ext>
+            </a:extLst>
+          </p:cNvPr>
+          <p:cNvSpPr/>
+          <p:nvPr/>
+        </p:nvSpPr>
+        <p:spPr>
+          <a:xfrm>
+            <a:off x="7932697" y="1569754"/>
+            <a:ext cx="3273892" cy="972149"/>
+          </a:xfrm>
+          <a:prstGeom prst="rect">
+            <a:avLst/>
+          </a:prstGeom>
+          <a:noFill/>
+          <a:ln>
+            <a:solidFill>
+              <a:schemeClr val="accent6">
+                <a:lumMod val="75000"/>
+              </a:schemeClr>
+            </a:solidFill>
+            <a:prstDash val="sysDash"/>
+          </a:ln>
+        </p:spPr>
+        <p:style>
+          <a:lnRef idx="2">
+            <a:schemeClr val="accent1">
+              <a:shade val="15000"/>
+            </a:schemeClr>
+          </a:lnRef>
+          <a:fillRef idx="1">
+            <a:schemeClr val="accent1"/>
+          </a:fillRef>
+          <a:effectRef idx="0">
+            <a:schemeClr val="accent1"/>
+          </a:effectRef>
+          <a:fontRef idx="minor">
+            <a:schemeClr val="lt1"/>
+          </a:fontRef>
+        </p:style>
+        <p:txBody>
+          <a:bodyPr rtlCol="0" anchor="ctr"/>
+          <a:lstStyle/>
+          <a:p>
+            <a:pPr algn="ctr"/>
+            <a:endParaRPr lang="en-SG" dirty="0"/>
+          </a:p>
+        </p:txBody>
+      </p:sp>
+      <p:sp>
+        <p:nvSpPr>
+          <p:cNvPr id="1024" name="TextBox 1023">
+            <a:extLst>
+              <a:ext uri="{FF2B5EF4-FFF2-40B4-BE49-F238E27FC236}">
+                <a16:creationId xmlns:a16="http://schemas.microsoft.com/office/drawing/2014/main" id="{0DD98C0F-76FB-5E42-037F-9F05D74A63E9}"/>
               </a:ext>
             </a:extLst>
           </p:cNvPr>
@@ -5011,8 +5307,8 @@
         </p:nvSpPr>
         <p:spPr>
           <a:xfrm>
-            <a:off x="6456944" y="5120197"/>
-            <a:ext cx="1184978" cy="261610"/>
+            <a:off x="7997423" y="1533629"/>
+            <a:ext cx="1020291" cy="307777"/>
           </a:xfrm>
           <a:prstGeom prst="rect">
             <a:avLst/>
@@ -5026,18 +5322,82 @@
           <a:lstStyle/>
           <a:p>
             <a:r>
-              <a:rPr lang="en-SG" sz="1100" b="1" dirty="0"/>
-              <a:t>192.168.50.113</a:t>
-            </a:r>
-          </a:p>
-        </p:txBody>
-      </p:sp>
-      <p:sp>
-        <p:nvSpPr>
-          <p:cNvPr id="59" name="TextBox 58">
-            <a:extLst>
-              <a:ext uri="{FF2B5EF4-FFF2-40B4-BE49-F238E27FC236}">
-                <a16:creationId xmlns:a16="http://schemas.microsoft.com/office/drawing/2014/main" id="{1F9D0171-00EC-077D-584B-1E65518B186D}"/>
+              <a:rPr lang="en-US" sz="1400" b="1" dirty="0">
+                <a:solidFill>
+                  <a:schemeClr val="tx2">
+                    <a:lumMod val="75000"/>
+                    <a:lumOff val="25000"/>
+                  </a:schemeClr>
+                </a:solidFill>
+              </a:rPr>
+              <a:t>Input</a:t>
+            </a:r>
+            <a:endParaRPr lang="en-SG" sz="1400" b="1" dirty="0">
+              <a:solidFill>
+                <a:schemeClr val="tx2">
+                  <a:lumMod val="75000"/>
+                  <a:lumOff val="25000"/>
+                </a:schemeClr>
+              </a:solidFill>
+            </a:endParaRPr>
+          </a:p>
+        </p:txBody>
+      </p:sp>
+      <p:cxnSp>
+        <p:nvCxnSpPr>
+          <p:cNvPr id="1025" name="Connector: Elbow 1024">
+            <a:extLst>
+              <a:ext uri="{FF2B5EF4-FFF2-40B4-BE49-F238E27FC236}">
+                <a16:creationId xmlns:a16="http://schemas.microsoft.com/office/drawing/2014/main" id="{A36A5892-A8A0-C21A-A674-3C2CD55C385A}"/>
+              </a:ext>
+            </a:extLst>
+          </p:cNvPr>
+          <p:cNvCxnSpPr>
+            <a:cxnSpLocks/>
+            <a:stCxn id="63" idx="1"/>
+            <a:endCxn id="11" idx="0"/>
+          </p:cNvCxnSpPr>
+          <p:nvPr/>
+        </p:nvCxnSpPr>
+        <p:spPr>
+          <a:xfrm rot="10800000" flipV="1">
+            <a:off x="6953995" y="2055829"/>
+            <a:ext cx="978703" cy="551504"/>
+          </a:xfrm>
+          <a:prstGeom prst="bentConnector2">
+            <a:avLst/>
+          </a:prstGeom>
+          <a:ln>
+            <a:solidFill>
+              <a:schemeClr val="accent6">
+                <a:lumMod val="75000"/>
+              </a:schemeClr>
+            </a:solidFill>
+            <a:prstDash val="sysDash"/>
+            <a:tailEnd type="triangle"/>
+          </a:ln>
+        </p:spPr>
+        <p:style>
+          <a:lnRef idx="2">
+            <a:schemeClr val="accent1"/>
+          </a:lnRef>
+          <a:fillRef idx="0">
+            <a:schemeClr val="accent1"/>
+          </a:fillRef>
+          <a:effectRef idx="1">
+            <a:schemeClr val="accent1"/>
+          </a:effectRef>
+          <a:fontRef idx="minor">
+            <a:schemeClr val="tx1"/>
+          </a:fontRef>
+        </p:style>
+      </p:cxnSp>
+      <p:sp>
+        <p:nvSpPr>
+          <p:cNvPr id="1033" name="TextBox 1032">
+            <a:extLst>
+              <a:ext uri="{FF2B5EF4-FFF2-40B4-BE49-F238E27FC236}">
+                <a16:creationId xmlns:a16="http://schemas.microsoft.com/office/drawing/2014/main" id="{D333727D-D9CE-198A-B60F-27176EB072A4}"/>
               </a:ext>
             </a:extLst>
           </p:cNvPr>
@@ -5046,13 +5406,19 @@
         </p:nvSpPr>
         <p:spPr>
           <a:xfrm>
-            <a:off x="7423211" y="4366656"/>
-            <a:ext cx="1184978" cy="261610"/>
+            <a:off x="1044480" y="662271"/>
+            <a:ext cx="9102836" cy="400110"/>
           </a:xfrm>
           <a:prstGeom prst="rect">
             <a:avLst/>
           </a:prstGeom>
           <a:noFill/>
+          <a:ln w="19050">
+            <a:solidFill>
+              <a:schemeClr val="tx1"/>
+            </a:solidFill>
+            <a:prstDash val="sysDash"/>
+          </a:ln>
         </p:spPr>
         <p:txBody>
           <a:bodyPr wrap="square">
@@ -5061,16 +5427,505 @@
           <a:lstStyle/>
           <a:p>
             <a:r>
-              <a:rPr lang="en-SG" sz="1100" b="1" dirty="0"/>
-              <a:t>192.168.50.12</a:t>
-            </a:r>
+              <a:rPr lang="en-US" sz="2000" b="1" dirty="0"/>
+              <a:t>Creating an MCP Agent with Local/LAN </a:t>
+            </a:r>
+            <a:r>
+              <a:rPr lang="en-US" sz="2000" b="1" dirty="0" err="1"/>
+              <a:t>DeepSeek</a:t>
+            </a:r>
+            <a:r>
+              <a:rPr lang="en-US" sz="2000" b="1" dirty="0"/>
+              <a:t> Service for Browser Control</a:t>
+            </a:r>
+            <a:endParaRPr lang="en-SG" sz="2000" b="1" dirty="0">
+              <a:solidFill>
+                <a:schemeClr val="accent6">
+                  <a:lumMod val="75000"/>
+                </a:schemeClr>
+              </a:solidFill>
+            </a:endParaRPr>
+          </a:p>
+        </p:txBody>
+      </p:sp>
+      <p:sp>
+        <p:nvSpPr>
+          <p:cNvPr id="1037" name="Rectangle: Rounded Corners 1036">
+            <a:extLst>
+              <a:ext uri="{FF2B5EF4-FFF2-40B4-BE49-F238E27FC236}">
+                <a16:creationId xmlns:a16="http://schemas.microsoft.com/office/drawing/2014/main" id="{4E300CE2-9EC1-4785-CAD7-DBB35DF2959E}"/>
+              </a:ext>
+            </a:extLst>
+          </p:cNvPr>
+          <p:cNvSpPr/>
+          <p:nvPr/>
+        </p:nvSpPr>
+        <p:spPr>
+          <a:xfrm>
+            <a:off x="1095325" y="1430732"/>
+            <a:ext cx="1387682" cy="672165"/>
+          </a:xfrm>
+          <a:prstGeom prst="roundRect">
+            <a:avLst/>
+          </a:prstGeom>
+        </p:spPr>
+        <p:style>
+          <a:lnRef idx="2">
+            <a:schemeClr val="accent1">
+              <a:shade val="15000"/>
+            </a:schemeClr>
+          </a:lnRef>
+          <a:fillRef idx="1">
+            <a:schemeClr val="accent1"/>
+          </a:fillRef>
+          <a:effectRef idx="0">
+            <a:schemeClr val="accent1"/>
+          </a:effectRef>
+          <a:fontRef idx="minor">
+            <a:schemeClr val="lt1"/>
+          </a:fontRef>
+        </p:style>
+        <p:txBody>
+          <a:bodyPr rtlCol="0" anchor="ctr"/>
+          <a:lstStyle/>
+          <a:p>
+            <a:pPr algn="ctr"/>
+            <a:r>
+              <a:rPr lang="en-US" sz="1400" dirty="0">
+                <a:solidFill>
+                  <a:schemeClr val="bg1"/>
+                </a:solidFill>
+              </a:rPr>
+              <a:t>User’s  Human language  request </a:t>
+            </a:r>
+            <a:endParaRPr lang="en-SG" sz="1400" dirty="0">
+              <a:solidFill>
+                <a:schemeClr val="bg1"/>
+              </a:solidFill>
+            </a:endParaRPr>
+          </a:p>
+        </p:txBody>
+      </p:sp>
+      <p:sp>
+        <p:nvSpPr>
+          <p:cNvPr id="1038" name="Rectangle: Rounded Corners 1037">
+            <a:extLst>
+              <a:ext uri="{FF2B5EF4-FFF2-40B4-BE49-F238E27FC236}">
+                <a16:creationId xmlns:a16="http://schemas.microsoft.com/office/drawing/2014/main" id="{AEF668A1-E4FE-38BC-0EAC-48AA6CB67C11}"/>
+              </a:ext>
+            </a:extLst>
+          </p:cNvPr>
+          <p:cNvSpPr/>
+          <p:nvPr/>
+        </p:nvSpPr>
+        <p:spPr>
+          <a:xfrm>
+            <a:off x="1085159" y="2460357"/>
+            <a:ext cx="1365609" cy="595807"/>
+          </a:xfrm>
+          <a:prstGeom prst="roundRect">
+            <a:avLst/>
+          </a:prstGeom>
+        </p:spPr>
+        <p:style>
+          <a:lnRef idx="2">
+            <a:schemeClr val="accent4">
+              <a:shade val="15000"/>
+            </a:schemeClr>
+          </a:lnRef>
+          <a:fillRef idx="1">
+            <a:schemeClr val="accent4"/>
+          </a:fillRef>
+          <a:effectRef idx="0">
+            <a:schemeClr val="accent4"/>
+          </a:effectRef>
+          <a:fontRef idx="minor">
+            <a:schemeClr val="lt1"/>
+          </a:fontRef>
+        </p:style>
+        <p:txBody>
+          <a:bodyPr rtlCol="0" anchor="ctr"/>
+          <a:lstStyle/>
+          <a:p>
+            <a:pPr algn="ctr"/>
+            <a:r>
+              <a:rPr lang="en-US" sz="1400" dirty="0">
+                <a:solidFill>
+                  <a:schemeClr val="bg1"/>
+                </a:solidFill>
+              </a:rPr>
+              <a:t>LLM parsed TODO list </a:t>
+            </a:r>
+            <a:endParaRPr lang="en-SG" sz="1400" dirty="0">
+              <a:solidFill>
+                <a:schemeClr val="bg1"/>
+              </a:solidFill>
+            </a:endParaRPr>
+          </a:p>
+        </p:txBody>
+      </p:sp>
+      <p:sp>
+        <p:nvSpPr>
+          <p:cNvPr id="1039" name="Rectangle: Rounded Corners 1038">
+            <a:extLst>
+              <a:ext uri="{FF2B5EF4-FFF2-40B4-BE49-F238E27FC236}">
+                <a16:creationId xmlns:a16="http://schemas.microsoft.com/office/drawing/2014/main" id="{6798BB09-8FD7-44EB-B325-E997556B2F1C}"/>
+              </a:ext>
+            </a:extLst>
+          </p:cNvPr>
+          <p:cNvSpPr/>
+          <p:nvPr/>
+        </p:nvSpPr>
+        <p:spPr>
+          <a:xfrm>
+            <a:off x="1084500" y="3439392"/>
+            <a:ext cx="1387682" cy="672165"/>
+          </a:xfrm>
+          <a:prstGeom prst="roundRect">
+            <a:avLst/>
+          </a:prstGeom>
+        </p:spPr>
+        <p:style>
+          <a:lnRef idx="2">
+            <a:schemeClr val="accent3">
+              <a:shade val="15000"/>
+            </a:schemeClr>
+          </a:lnRef>
+          <a:fillRef idx="1">
+            <a:schemeClr val="accent3"/>
+          </a:fillRef>
+          <a:effectRef idx="0">
+            <a:schemeClr val="accent3"/>
+          </a:effectRef>
+          <a:fontRef idx="minor">
+            <a:schemeClr val="lt1"/>
+          </a:fontRef>
+        </p:style>
+        <p:txBody>
+          <a:bodyPr rtlCol="0" anchor="ctr"/>
+          <a:lstStyle/>
+          <a:p>
+            <a:pPr algn="ctr"/>
+            <a:r>
+              <a:rPr lang="en-US" sz="1400" dirty="0">
+                <a:solidFill>
+                  <a:schemeClr val="bg1"/>
+                </a:solidFill>
+              </a:rPr>
+              <a:t>Browser control action </a:t>
+            </a:r>
+            <a:endParaRPr lang="en-SG" sz="1400" dirty="0">
+              <a:solidFill>
+                <a:schemeClr val="bg1"/>
+              </a:solidFill>
+            </a:endParaRPr>
+          </a:p>
+        </p:txBody>
+      </p:sp>
+      <p:sp>
+        <p:nvSpPr>
+          <p:cNvPr id="1040" name="Rectangle: Rounded Corners 1039">
+            <a:extLst>
+              <a:ext uri="{FF2B5EF4-FFF2-40B4-BE49-F238E27FC236}">
+                <a16:creationId xmlns:a16="http://schemas.microsoft.com/office/drawing/2014/main" id="{6136F311-5C28-50B1-12E4-BB7BD7E39BAB}"/>
+              </a:ext>
+            </a:extLst>
+          </p:cNvPr>
+          <p:cNvSpPr/>
+          <p:nvPr/>
+        </p:nvSpPr>
+        <p:spPr>
+          <a:xfrm>
+            <a:off x="1084500" y="4479853"/>
+            <a:ext cx="1387682" cy="672165"/>
+          </a:xfrm>
+          <a:prstGeom prst="roundRect">
+            <a:avLst/>
+          </a:prstGeom>
+        </p:spPr>
+        <p:style>
+          <a:lnRef idx="2">
+            <a:schemeClr val="accent2">
+              <a:shade val="15000"/>
+            </a:schemeClr>
+          </a:lnRef>
+          <a:fillRef idx="1">
+            <a:schemeClr val="accent2"/>
+          </a:fillRef>
+          <a:effectRef idx="0">
+            <a:schemeClr val="accent2"/>
+          </a:effectRef>
+          <a:fontRef idx="minor">
+            <a:schemeClr val="lt1"/>
+          </a:fontRef>
+        </p:style>
+        <p:txBody>
+          <a:bodyPr rtlCol="0" anchor="ctr"/>
+          <a:lstStyle/>
+          <a:p>
+            <a:pPr algn="ctr"/>
+            <a:r>
+              <a:rPr lang="en-US" sz="1400" dirty="0">
+                <a:solidFill>
+                  <a:schemeClr val="bg1"/>
+                </a:solidFill>
+              </a:rPr>
+              <a:t>Page contents analyzation</a:t>
+            </a:r>
+            <a:endParaRPr lang="en-SG" sz="1400" dirty="0">
+              <a:solidFill>
+                <a:schemeClr val="bg1"/>
+              </a:solidFill>
+            </a:endParaRPr>
+          </a:p>
+        </p:txBody>
+      </p:sp>
+      <p:sp>
+        <p:nvSpPr>
+          <p:cNvPr id="1041" name="Rectangle: Rounded Corners 1040">
+            <a:extLst>
+              <a:ext uri="{FF2B5EF4-FFF2-40B4-BE49-F238E27FC236}">
+                <a16:creationId xmlns:a16="http://schemas.microsoft.com/office/drawing/2014/main" id="{F54973BF-B53F-425F-4B11-8DE18E08C989}"/>
+              </a:ext>
+            </a:extLst>
+          </p:cNvPr>
+          <p:cNvSpPr/>
+          <p:nvPr/>
+        </p:nvSpPr>
+        <p:spPr>
+          <a:xfrm>
+            <a:off x="1083407" y="5459412"/>
+            <a:ext cx="1499977" cy="672165"/>
+          </a:xfrm>
+          <a:prstGeom prst="roundRect">
+            <a:avLst/>
+          </a:prstGeom>
+        </p:spPr>
+        <p:style>
+          <a:lnRef idx="2">
+            <a:schemeClr val="accent5">
+              <a:shade val="15000"/>
+            </a:schemeClr>
+          </a:lnRef>
+          <a:fillRef idx="1">
+            <a:schemeClr val="accent5"/>
+          </a:fillRef>
+          <a:effectRef idx="0">
+            <a:schemeClr val="accent5"/>
+          </a:effectRef>
+          <a:fontRef idx="minor">
+            <a:schemeClr val="lt1"/>
+          </a:fontRef>
+        </p:style>
+        <p:txBody>
+          <a:bodyPr rtlCol="0" anchor="ctr"/>
+          <a:lstStyle/>
+          <a:p>
+            <a:pPr algn="ctr"/>
+            <a:r>
+              <a:rPr lang="en-US" sz="1400" dirty="0">
+                <a:solidFill>
+                  <a:schemeClr val="bg1"/>
+                </a:solidFill>
+              </a:rPr>
+              <a:t>Result  generation and  verification</a:t>
+            </a:r>
+            <a:endParaRPr lang="en-SG" sz="1400" dirty="0">
+              <a:solidFill>
+                <a:schemeClr val="bg1"/>
+              </a:solidFill>
+            </a:endParaRPr>
+          </a:p>
+        </p:txBody>
+      </p:sp>
+      <p:sp>
+        <p:nvSpPr>
+          <p:cNvPr id="1044" name="Arrow: Down 1043">
+            <a:extLst>
+              <a:ext uri="{FF2B5EF4-FFF2-40B4-BE49-F238E27FC236}">
+                <a16:creationId xmlns:a16="http://schemas.microsoft.com/office/drawing/2014/main" id="{A417ECB5-4F87-5FC7-CF9D-EE7DD08078D7}"/>
+              </a:ext>
+            </a:extLst>
+          </p:cNvPr>
+          <p:cNvSpPr/>
+          <p:nvPr/>
+        </p:nvSpPr>
+        <p:spPr>
+          <a:xfrm>
+            <a:off x="1680519" y="2164378"/>
+            <a:ext cx="210065" cy="234498"/>
+          </a:xfrm>
+          <a:prstGeom prst="downArrow">
+            <a:avLst/>
+          </a:prstGeom>
+        </p:spPr>
+        <p:style>
+          <a:lnRef idx="2">
+            <a:schemeClr val="accent1">
+              <a:shade val="15000"/>
+            </a:schemeClr>
+          </a:lnRef>
+          <a:fillRef idx="1">
+            <a:schemeClr val="accent1"/>
+          </a:fillRef>
+          <a:effectRef idx="0">
+            <a:schemeClr val="accent1"/>
+          </a:effectRef>
+          <a:fontRef idx="minor">
+            <a:schemeClr val="lt1"/>
+          </a:fontRef>
+        </p:style>
+        <p:txBody>
+          <a:bodyPr rtlCol="0" anchor="ctr"/>
+          <a:lstStyle/>
+          <a:p>
+            <a:pPr algn="ctr"/>
+            <a:endParaRPr lang="en-SG"/>
+          </a:p>
+        </p:txBody>
+      </p:sp>
+      <p:sp>
+        <p:nvSpPr>
+          <p:cNvPr id="1045" name="Arrow: Down 1044">
+            <a:extLst>
+              <a:ext uri="{FF2B5EF4-FFF2-40B4-BE49-F238E27FC236}">
+                <a16:creationId xmlns:a16="http://schemas.microsoft.com/office/drawing/2014/main" id="{C0163741-385A-086C-D607-DFCBA73AB737}"/>
+              </a:ext>
+            </a:extLst>
+          </p:cNvPr>
+          <p:cNvSpPr/>
+          <p:nvPr/>
+        </p:nvSpPr>
+        <p:spPr>
+          <a:xfrm>
+            <a:off x="1701639" y="3119335"/>
+            <a:ext cx="210065" cy="234498"/>
+          </a:xfrm>
+          <a:prstGeom prst="downArrow">
+            <a:avLst/>
+          </a:prstGeom>
+        </p:spPr>
+        <p:style>
+          <a:lnRef idx="2">
+            <a:schemeClr val="accent1">
+              <a:shade val="15000"/>
+            </a:schemeClr>
+          </a:lnRef>
+          <a:fillRef idx="1">
+            <a:schemeClr val="accent1"/>
+          </a:fillRef>
+          <a:effectRef idx="0">
+            <a:schemeClr val="accent1"/>
+          </a:effectRef>
+          <a:fontRef idx="minor">
+            <a:schemeClr val="lt1"/>
+          </a:fontRef>
+        </p:style>
+        <p:txBody>
+          <a:bodyPr rtlCol="0" anchor="ctr"/>
+          <a:lstStyle/>
+          <a:p>
+            <a:pPr algn="ctr"/>
+            <a:endParaRPr lang="en-SG"/>
+          </a:p>
+        </p:txBody>
+      </p:sp>
+      <p:sp>
+        <p:nvSpPr>
+          <p:cNvPr id="1046" name="Arrow: Down 1045">
+            <a:extLst>
+              <a:ext uri="{FF2B5EF4-FFF2-40B4-BE49-F238E27FC236}">
+                <a16:creationId xmlns:a16="http://schemas.microsoft.com/office/drawing/2014/main" id="{BAC85CC4-4B25-EBA3-E595-0D71627C2C5C}"/>
+              </a:ext>
+            </a:extLst>
+          </p:cNvPr>
+          <p:cNvSpPr/>
+          <p:nvPr/>
+        </p:nvSpPr>
+        <p:spPr>
+          <a:xfrm>
+            <a:off x="1716451" y="4197116"/>
+            <a:ext cx="210065" cy="234498"/>
+          </a:xfrm>
+          <a:prstGeom prst="downArrow">
+            <a:avLst/>
+          </a:prstGeom>
+        </p:spPr>
+        <p:style>
+          <a:lnRef idx="2">
+            <a:schemeClr val="accent1">
+              <a:shade val="15000"/>
+            </a:schemeClr>
+          </a:lnRef>
+          <a:fillRef idx="1">
+            <a:schemeClr val="accent1"/>
+          </a:fillRef>
+          <a:effectRef idx="0">
+            <a:schemeClr val="accent1"/>
+          </a:effectRef>
+          <a:fontRef idx="minor">
+            <a:schemeClr val="lt1"/>
+          </a:fontRef>
+        </p:style>
+        <p:txBody>
+          <a:bodyPr rtlCol="0" anchor="ctr"/>
+          <a:lstStyle/>
+          <a:p>
+            <a:pPr algn="ctr"/>
+            <a:endParaRPr lang="en-SG"/>
+          </a:p>
+        </p:txBody>
+      </p:sp>
+      <p:sp>
+        <p:nvSpPr>
+          <p:cNvPr id="1047" name="Arrow: Down 1046">
+            <a:extLst>
+              <a:ext uri="{FF2B5EF4-FFF2-40B4-BE49-F238E27FC236}">
+                <a16:creationId xmlns:a16="http://schemas.microsoft.com/office/drawing/2014/main" id="{63040FBA-32A4-0048-0DD9-A16136B86E1D}"/>
+              </a:ext>
+            </a:extLst>
+          </p:cNvPr>
+          <p:cNvSpPr/>
+          <p:nvPr/>
+        </p:nvSpPr>
+        <p:spPr>
+          <a:xfrm>
+            <a:off x="1739662" y="5195086"/>
+            <a:ext cx="210065" cy="234498"/>
+          </a:xfrm>
+          <a:prstGeom prst="downArrow">
+            <a:avLst/>
+          </a:prstGeom>
+        </p:spPr>
+        <p:style>
+          <a:lnRef idx="2">
+            <a:schemeClr val="accent1">
+              <a:shade val="15000"/>
+            </a:schemeClr>
+          </a:lnRef>
+          <a:fillRef idx="1">
+            <a:schemeClr val="accent1"/>
+          </a:fillRef>
+          <a:effectRef idx="0">
+            <a:schemeClr val="accent1"/>
+          </a:effectRef>
+          <a:fontRef idx="minor">
+            <a:schemeClr val="lt1"/>
+          </a:fontRef>
+        </p:style>
+        <p:txBody>
+          <a:bodyPr rtlCol="0" anchor="ctr"/>
+          <a:lstStyle/>
+          <a:p>
+            <a:pPr algn="ctr"/>
+            <a:endParaRPr lang="en-SG"/>
           </a:p>
         </p:txBody>
       </p:sp>
     </p:spTree>
     <p:extLst>
       <p:ext uri="{BB962C8B-B14F-4D97-AF65-F5344CB8AC3E}">
-        <p14:creationId xmlns:p14="http://schemas.microsoft.com/office/powerpoint/2010/main" val="1268360078"/>
+        <p14:creationId xmlns:p14="http://schemas.microsoft.com/office/powerpoint/2010/main" val="3036672967"/>
       </p:ext>
     </p:extLst>
   </p:cSld>
@@ -5099,10 +5954,10 @@
       </p:grpSpPr>
       <p:pic>
         <p:nvPicPr>
-          <p:cNvPr id="4" name="Graphic 3" descr="User with solid fill">
-            <a:extLst>
-              <a:ext uri="{FF2B5EF4-FFF2-40B4-BE49-F238E27FC236}">
-                <a16:creationId xmlns:a16="http://schemas.microsoft.com/office/drawing/2014/main" id="{BC62186E-3852-22B7-7325-2A76A4CF41B3}"/>
+          <p:cNvPr id="5" name="Picture 4">
+            <a:extLst>
+              <a:ext uri="{FF2B5EF4-FFF2-40B4-BE49-F238E27FC236}">
+                <a16:creationId xmlns:a16="http://schemas.microsoft.com/office/drawing/2014/main" id="{18B85026-1292-1FFA-A865-BE52A39C5590}"/>
               </a:ext>
             </a:extLst>
           </p:cNvPr>
@@ -5112,110 +5967,32 @@
           <p:nvPr/>
         </p:nvPicPr>
         <p:blipFill>
-          <a:blip r:embed="rId2">
-            <a:extLst>
-              <a:ext uri="{96DAC541-7B7A-43D3-8B79-37D633B846F1}">
-                <asvg:svgBlip xmlns:asvg="http://schemas.microsoft.com/office/drawing/2016/SVG/main" r:embed="rId3"/>
-              </a:ext>
-            </a:extLst>
-          </a:blip>
+          <a:blip r:embed="rId2"/>
           <a:stretch>
             <a:fillRect/>
           </a:stretch>
         </p:blipFill>
         <p:spPr>
           <a:xfrm>
-            <a:off x="2894872" y="442089"/>
-            <a:ext cx="546696" cy="546696"/>
-          </a:xfrm>
-          <a:prstGeom prst="rect">
-            <a:avLst/>
-          </a:prstGeom>
+            <a:off x="2425039" y="1629969"/>
+            <a:ext cx="2786559" cy="1472232"/>
+          </a:xfrm>
+          <a:prstGeom prst="rect">
+            <a:avLst/>
+          </a:prstGeom>
+          <a:ln w="9525">
+            <a:solidFill>
+              <a:schemeClr val="tx1"/>
+            </a:solidFill>
+          </a:ln>
         </p:spPr>
       </p:pic>
-      <p:sp>
-        <p:nvSpPr>
-          <p:cNvPr id="5" name="TextBox 4">
-            <a:extLst>
-              <a:ext uri="{FF2B5EF4-FFF2-40B4-BE49-F238E27FC236}">
-                <a16:creationId xmlns:a16="http://schemas.microsoft.com/office/drawing/2014/main" id="{6ED6359D-4145-07D8-5B7E-B07DDD68043D}"/>
-              </a:ext>
-            </a:extLst>
-          </p:cNvPr>
-          <p:cNvSpPr txBox="1"/>
-          <p:nvPr/>
-        </p:nvSpPr>
-        <p:spPr>
-          <a:xfrm>
-            <a:off x="2850092" y="225469"/>
-            <a:ext cx="1020291" cy="307777"/>
-          </a:xfrm>
-          <a:prstGeom prst="rect">
-            <a:avLst/>
-          </a:prstGeom>
-          <a:noFill/>
-        </p:spPr>
-        <p:txBody>
-          <a:bodyPr wrap="square">
-            <a:spAutoFit/>
-          </a:bodyPr>
-          <a:lstStyle/>
-          <a:p>
-            <a:r>
-              <a:rPr lang="en-US" sz="1400" b="1" dirty="0"/>
-              <a:t>User-01</a:t>
-            </a:r>
-            <a:endParaRPr lang="en-SG" sz="1400" b="1" dirty="0"/>
-          </a:p>
-        </p:txBody>
-      </p:sp>
-      <p:cxnSp>
-        <p:nvCxnSpPr>
-          <p:cNvPr id="7" name="Straight Arrow Connector 6">
-            <a:extLst>
-              <a:ext uri="{FF2B5EF4-FFF2-40B4-BE49-F238E27FC236}">
-                <a16:creationId xmlns:a16="http://schemas.microsoft.com/office/drawing/2014/main" id="{392B7082-40AF-F019-54FB-D07ED8EE9BE7}"/>
-              </a:ext>
-            </a:extLst>
-          </p:cNvPr>
-          <p:cNvCxnSpPr>
-            <a:stCxn id="4" idx="2"/>
-          </p:cNvCxnSpPr>
-          <p:nvPr/>
-        </p:nvCxnSpPr>
-        <p:spPr>
-          <a:xfrm>
-            <a:off x="3168220" y="988785"/>
-            <a:ext cx="0" cy="194510"/>
-          </a:xfrm>
-          <a:prstGeom prst="straightConnector1">
-            <a:avLst/>
-          </a:prstGeom>
-          <a:ln>
-            <a:tailEnd type="triangle"/>
-          </a:ln>
-        </p:spPr>
-        <p:style>
-          <a:lnRef idx="2">
-            <a:schemeClr val="accent1"/>
-          </a:lnRef>
-          <a:fillRef idx="0">
-            <a:schemeClr val="accent1"/>
-          </a:fillRef>
-          <a:effectRef idx="1">
-            <a:schemeClr val="accent1"/>
-          </a:effectRef>
-          <a:fontRef idx="minor">
-            <a:schemeClr val="tx1"/>
-          </a:fontRef>
-        </p:style>
-      </p:cxnSp>
       <p:pic>
         <p:nvPicPr>
-          <p:cNvPr id="8" name="Graphic 7" descr="Vlog with solid fill">
-            <a:extLst>
-              <a:ext uri="{FF2B5EF4-FFF2-40B4-BE49-F238E27FC236}">
-                <a16:creationId xmlns:a16="http://schemas.microsoft.com/office/drawing/2014/main" id="{7C103920-DB1E-1438-0549-1EB5470E4440}"/>
+          <p:cNvPr id="6" name="Picture 5">
+            <a:extLst>
+              <a:ext uri="{FF2B5EF4-FFF2-40B4-BE49-F238E27FC236}">
+                <a16:creationId xmlns:a16="http://schemas.microsoft.com/office/drawing/2014/main" id="{383A81B9-2808-6431-36F6-847C456497AA}"/>
               </a:ext>
             </a:extLst>
           </p:cNvPr>
@@ -5225,87 +6002,32 @@
           <p:nvPr/>
         </p:nvPicPr>
         <p:blipFill>
-          <a:blip r:embed="rId4">
-            <a:extLst>
-              <a:ext uri="{96DAC541-7B7A-43D3-8B79-37D633B846F1}">
-                <asvg:svgBlip xmlns:asvg="http://schemas.microsoft.com/office/drawing/2016/SVG/main" r:embed="rId5"/>
-              </a:ext>
-            </a:extLst>
-          </a:blip>
+          <a:blip r:embed="rId3"/>
           <a:stretch>
             <a:fillRect/>
           </a:stretch>
         </p:blipFill>
         <p:spPr>
           <a:xfrm>
-            <a:off x="2407334" y="1471493"/>
-            <a:ext cx="481299" cy="481299"/>
-          </a:xfrm>
-          <a:prstGeom prst="rect">
-            <a:avLst/>
-          </a:prstGeom>
+            <a:off x="2425040" y="4103701"/>
+            <a:ext cx="2694113" cy="1394418"/>
+          </a:xfrm>
+          <a:prstGeom prst="rect">
+            <a:avLst/>
+          </a:prstGeom>
+          <a:ln w="9525">
+            <a:solidFill>
+              <a:schemeClr val="tx1"/>
+            </a:solidFill>
+          </a:ln>
         </p:spPr>
       </p:pic>
       <p:sp>
         <p:nvSpPr>
-          <p:cNvPr id="9" name="TextBox 8">
-            <a:extLst>
-              <a:ext uri="{FF2B5EF4-FFF2-40B4-BE49-F238E27FC236}">
-                <a16:creationId xmlns:a16="http://schemas.microsoft.com/office/drawing/2014/main" id="{880B3CB7-FB62-C7EF-2A94-E98229406C9A}"/>
-              </a:ext>
-            </a:extLst>
-          </p:cNvPr>
-          <p:cNvSpPr txBox="1"/>
-          <p:nvPr/>
-        </p:nvSpPr>
-        <p:spPr>
-          <a:xfrm>
-            <a:off x="2850092" y="1286489"/>
-            <a:ext cx="3353950" cy="677108"/>
-          </a:xfrm>
-          <a:prstGeom prst="rect">
-            <a:avLst/>
-          </a:prstGeom>
-          <a:noFill/>
-        </p:spPr>
-        <p:txBody>
-          <a:bodyPr wrap="square">
-            <a:spAutoFit/>
-          </a:bodyPr>
-          <a:lstStyle/>
-          <a:p>
-            <a:r>
-              <a:rPr lang="en-US" sz="1200" b="1" dirty="0"/>
-              <a:t>Human Language Request: </a:t>
-            </a:r>
-          </a:p>
-          <a:p>
-            <a:r>
-              <a:rPr lang="en-US" sz="1200" b="1" dirty="0"/>
-              <a:t>Google search </a:t>
-            </a:r>
-            <a:r>
-              <a:rPr lang="en-US" sz="1200" b="1" dirty="0" err="1"/>
-              <a:t>deepseek</a:t>
-            </a:r>
-            <a:r>
-              <a:rPr lang="en-US" sz="1200" b="1" dirty="0"/>
-              <a:t> and summarize the product features in 500 words</a:t>
-            </a:r>
-            <a:r>
-              <a:rPr lang="en-US" sz="1400" b="1" dirty="0"/>
-              <a:t>.</a:t>
-            </a:r>
-            <a:endParaRPr lang="en-SG" sz="1400" b="1" dirty="0"/>
-          </a:p>
-        </p:txBody>
-      </p:sp>
-      <p:sp>
-        <p:nvSpPr>
-          <p:cNvPr id="10" name="Rectangle 9">
-            <a:extLst>
-              <a:ext uri="{FF2B5EF4-FFF2-40B4-BE49-F238E27FC236}">
-                <a16:creationId xmlns:a16="http://schemas.microsoft.com/office/drawing/2014/main" id="{9BF6BBBE-C7F6-CF38-8AEE-D05AA3893AD2}"/>
+          <p:cNvPr id="7" name="Rectangle 6">
+            <a:extLst>
+              <a:ext uri="{FF2B5EF4-FFF2-40B4-BE49-F238E27FC236}">
+                <a16:creationId xmlns:a16="http://schemas.microsoft.com/office/drawing/2014/main" id="{3F788B42-BBE5-4410-CE80-32E1AAD15C55}"/>
               </a:ext>
             </a:extLst>
           </p:cNvPr>
@@ -5314,8 +6036,8 @@
         </p:nvSpPr>
         <p:spPr>
           <a:xfrm>
-            <a:off x="2359152" y="1286489"/>
-            <a:ext cx="3749039" cy="677108"/>
+            <a:off x="2276856" y="1396457"/>
+            <a:ext cx="4102608" cy="1878057"/>
           </a:xfrm>
           <a:prstGeom prst="rect">
             <a:avLst/>
@@ -5347,12 +6069,48 @@
           </a:p>
         </p:txBody>
       </p:sp>
-      <p:sp>
-        <p:nvSpPr>
-          <p:cNvPr id="11" name="TextBox 10">
-            <a:extLst>
-              <a:ext uri="{FF2B5EF4-FFF2-40B4-BE49-F238E27FC236}">
-                <a16:creationId xmlns:a16="http://schemas.microsoft.com/office/drawing/2014/main" id="{2D654CCB-5878-B878-639E-F75352C81377}"/>
+      <p:pic>
+        <p:nvPicPr>
+          <p:cNvPr id="9" name="Graphic 8" descr="Internet with solid fill">
+            <a:extLst>
+              <a:ext uri="{FF2B5EF4-FFF2-40B4-BE49-F238E27FC236}">
+                <a16:creationId xmlns:a16="http://schemas.microsoft.com/office/drawing/2014/main" id="{585E7C51-1F8A-B683-AC38-373D3B348A13}"/>
+              </a:ext>
+            </a:extLst>
+          </p:cNvPr>
+          <p:cNvPicPr>
+            <a:picLocks noChangeAspect="1"/>
+          </p:cNvPicPr>
+          <p:nvPr/>
+        </p:nvPicPr>
+        <p:blipFill>
+          <a:blip r:embed="rId4">
+            <a:extLst>
+              <a:ext uri="{96DAC541-7B7A-43D3-8B79-37D633B846F1}">
+                <asvg:svgBlip xmlns:asvg="http://schemas.microsoft.com/office/drawing/2016/SVG/main" r:embed="rId5"/>
+              </a:ext>
+            </a:extLst>
+          </a:blip>
+          <a:stretch>
+            <a:fillRect/>
+          </a:stretch>
+        </p:blipFill>
+        <p:spPr>
+          <a:xfrm>
+            <a:off x="2238940" y="1056845"/>
+            <a:ext cx="672166" cy="672166"/>
+          </a:xfrm>
+          <a:prstGeom prst="rect">
+            <a:avLst/>
+          </a:prstGeom>
+        </p:spPr>
+      </p:pic>
+      <p:sp>
+        <p:nvSpPr>
+          <p:cNvPr id="10" name="TextBox 9">
+            <a:extLst>
+              <a:ext uri="{FF2B5EF4-FFF2-40B4-BE49-F238E27FC236}">
+                <a16:creationId xmlns:a16="http://schemas.microsoft.com/office/drawing/2014/main" id="{0F19CD7C-D73A-1AF0-D0BF-0E785D52759E}"/>
               </a:ext>
             </a:extLst>
           </p:cNvPr>
@@ -5361,8 +6119,8 @@
         </p:nvSpPr>
         <p:spPr>
           <a:xfrm>
-            <a:off x="2342417" y="1264563"/>
-            <a:ext cx="1020291" cy="307777"/>
+            <a:off x="2756998" y="1104108"/>
+            <a:ext cx="1377388" cy="338554"/>
           </a:xfrm>
           <a:prstGeom prst="rect">
             <a:avLst/>
@@ -5376,33 +6134,213 @@
           <a:lstStyle/>
           <a:p>
             <a:r>
-              <a:rPr lang="en-US" sz="1400" b="1" dirty="0">
+              <a:rPr lang="en-SG" sz="1600" b="1" dirty="0">
                 <a:solidFill>
-                  <a:schemeClr val="tx2">
-                    <a:lumMod val="75000"/>
-                    <a:lumOff val="25000"/>
-                  </a:schemeClr>
+                  <a:srgbClr val="0070C0"/>
                 </a:solidFill>
               </a:rPr>
-              <a:t>Input</a:t>
-            </a:r>
-            <a:endParaRPr lang="en-SG" sz="1400" b="1" dirty="0">
-              <a:solidFill>
-                <a:schemeClr val="tx2">
-                  <a:lumMod val="75000"/>
-                  <a:lumOff val="25000"/>
-                </a:schemeClr>
-              </a:solidFill>
-            </a:endParaRPr>
+              <a:t>Laptop01</a:t>
+            </a:r>
+          </a:p>
+        </p:txBody>
+      </p:sp>
+      <p:pic>
+        <p:nvPicPr>
+          <p:cNvPr id="11" name="Graphic 10" descr="Web design with solid fill">
+            <a:extLst>
+              <a:ext uri="{FF2B5EF4-FFF2-40B4-BE49-F238E27FC236}">
+                <a16:creationId xmlns:a16="http://schemas.microsoft.com/office/drawing/2014/main" id="{AD7E1D01-C28A-72CA-6D2D-8E9C61B54843}"/>
+              </a:ext>
+            </a:extLst>
+          </p:cNvPr>
+          <p:cNvPicPr>
+            <a:picLocks noChangeAspect="1"/>
+          </p:cNvPicPr>
+          <p:nvPr/>
+        </p:nvPicPr>
+        <p:blipFill>
+          <a:blip r:embed="rId6">
+            <a:extLst>
+              <a:ext uri="{96DAC541-7B7A-43D3-8B79-37D633B846F1}">
+                <asvg:svgBlip xmlns:asvg="http://schemas.microsoft.com/office/drawing/2016/SVG/main" r:embed="rId7"/>
+              </a:ext>
+            </a:extLst>
+          </a:blip>
+          <a:stretch>
+            <a:fillRect/>
+          </a:stretch>
+        </p:blipFill>
+        <p:spPr>
+          <a:xfrm>
+            <a:off x="5292538" y="2335485"/>
+            <a:ext cx="629141" cy="629141"/>
+          </a:xfrm>
+          <a:prstGeom prst="rect">
+            <a:avLst/>
+          </a:prstGeom>
+        </p:spPr>
+      </p:pic>
+      <p:sp>
+        <p:nvSpPr>
+          <p:cNvPr id="12" name="TextBox 11">
+            <a:extLst>
+              <a:ext uri="{FF2B5EF4-FFF2-40B4-BE49-F238E27FC236}">
+                <a16:creationId xmlns:a16="http://schemas.microsoft.com/office/drawing/2014/main" id="{1FCAABE4-4153-6A81-0995-08665F284B78}"/>
+              </a:ext>
+            </a:extLst>
+          </p:cNvPr>
+          <p:cNvSpPr txBox="1"/>
+          <p:nvPr/>
+        </p:nvSpPr>
+        <p:spPr>
+          <a:xfrm>
+            <a:off x="2949022" y="2782736"/>
+            <a:ext cx="1377388" cy="307777"/>
+          </a:xfrm>
+          <a:prstGeom prst="rect">
+            <a:avLst/>
+          </a:prstGeom>
+          <a:noFill/>
+        </p:spPr>
+        <p:txBody>
+          <a:bodyPr wrap="square">
+            <a:spAutoFit/>
+          </a:bodyPr>
+          <a:lstStyle/>
+          <a:p>
+            <a:r>
+              <a:rPr lang="en-SG" sz="1400" b="1" dirty="0">
+                <a:solidFill>
+                  <a:srgbClr val="0070C0"/>
+                </a:solidFill>
+              </a:rPr>
+              <a:t>Browser</a:t>
+            </a:r>
+          </a:p>
+        </p:txBody>
+      </p:sp>
+      <p:pic>
+        <p:nvPicPr>
+          <p:cNvPr id="14" name="Graphic 13" descr="Chat bubble with solid fill">
+            <a:extLst>
+              <a:ext uri="{FF2B5EF4-FFF2-40B4-BE49-F238E27FC236}">
+                <a16:creationId xmlns:a16="http://schemas.microsoft.com/office/drawing/2014/main" id="{0D151FC6-519B-7307-CA01-9B27CCF16434}"/>
+              </a:ext>
+            </a:extLst>
+          </p:cNvPr>
+          <p:cNvPicPr>
+            <a:picLocks noChangeAspect="1"/>
+          </p:cNvPicPr>
+          <p:nvPr/>
+        </p:nvPicPr>
+        <p:blipFill>
+          <a:blip r:embed="rId8">
+            <a:extLst>
+              <a:ext uri="{96DAC541-7B7A-43D3-8B79-37D633B846F1}">
+                <asvg:svgBlip xmlns:asvg="http://schemas.microsoft.com/office/drawing/2016/SVG/main" r:embed="rId9"/>
+              </a:ext>
+            </a:extLst>
+          </a:blip>
+          <a:stretch>
+            <a:fillRect/>
+          </a:stretch>
+        </p:blipFill>
+        <p:spPr>
+          <a:xfrm>
+            <a:off x="5345908" y="1707469"/>
+            <a:ext cx="510645" cy="510645"/>
+          </a:xfrm>
+          <a:prstGeom prst="rect">
+            <a:avLst/>
+          </a:prstGeom>
+        </p:spPr>
+      </p:pic>
+      <p:sp>
+        <p:nvSpPr>
+          <p:cNvPr id="15" name="TextBox 14">
+            <a:extLst>
+              <a:ext uri="{FF2B5EF4-FFF2-40B4-BE49-F238E27FC236}">
+                <a16:creationId xmlns:a16="http://schemas.microsoft.com/office/drawing/2014/main" id="{3546E156-EA97-59CA-BB77-4FE57DE5DB49}"/>
+              </a:ext>
+            </a:extLst>
+          </p:cNvPr>
+          <p:cNvSpPr txBox="1"/>
+          <p:nvPr/>
+        </p:nvSpPr>
+        <p:spPr>
+          <a:xfrm>
+            <a:off x="5211598" y="2836569"/>
+            <a:ext cx="1434234" cy="430887"/>
+          </a:xfrm>
+          <a:prstGeom prst="rect">
+            <a:avLst/>
+          </a:prstGeom>
+          <a:noFill/>
+        </p:spPr>
+        <p:txBody>
+          <a:bodyPr wrap="square">
+            <a:spAutoFit/>
+          </a:bodyPr>
+          <a:lstStyle/>
+          <a:p>
+            <a:r>
+              <a:rPr lang="en-SG" sz="1100" b="1" dirty="0"/>
+              <a:t>Browser Control </a:t>
+            </a:r>
+          </a:p>
+          <a:p>
+            <a:r>
+              <a:rPr lang="en-SG" sz="1100" b="1" dirty="0"/>
+              <a:t>AI Agent </a:t>
+            </a:r>
+          </a:p>
+        </p:txBody>
+      </p:sp>
+      <p:sp>
+        <p:nvSpPr>
+          <p:cNvPr id="16" name="TextBox 15">
+            <a:extLst>
+              <a:ext uri="{FF2B5EF4-FFF2-40B4-BE49-F238E27FC236}">
+                <a16:creationId xmlns:a16="http://schemas.microsoft.com/office/drawing/2014/main" id="{C572F8E5-CE4B-564F-EB56-19FA23124459}"/>
+              </a:ext>
+            </a:extLst>
+          </p:cNvPr>
+          <p:cNvSpPr txBox="1"/>
+          <p:nvPr/>
+        </p:nvSpPr>
+        <p:spPr>
+          <a:xfrm>
+            <a:off x="5203141" y="1373992"/>
+            <a:ext cx="1562250" cy="400110"/>
+          </a:xfrm>
+          <a:prstGeom prst="rect">
+            <a:avLst/>
+          </a:prstGeom>
+          <a:noFill/>
+        </p:spPr>
+        <p:txBody>
+          <a:bodyPr wrap="square">
+            <a:spAutoFit/>
+          </a:bodyPr>
+          <a:lstStyle/>
+          <a:p>
+            <a:r>
+              <a:rPr lang="en-SG" sz="1000" b="1" dirty="0">
+                <a:solidFill>
+                  <a:srgbClr val="0070C0"/>
+                </a:solidFill>
+              </a:rPr>
+              <a:t>Human Language Request </a:t>
+            </a:r>
           </a:p>
         </p:txBody>
       </p:sp>
       <p:cxnSp>
         <p:nvCxnSpPr>
-          <p:cNvPr id="13" name="Straight Arrow Connector 12">
-            <a:extLst>
-              <a:ext uri="{FF2B5EF4-FFF2-40B4-BE49-F238E27FC236}">
-                <a16:creationId xmlns:a16="http://schemas.microsoft.com/office/drawing/2014/main" id="{C4A06ACC-B87F-F169-6CB2-BE60CFF68827}"/>
+          <p:cNvPr id="18" name="Straight Arrow Connector 17">
+            <a:extLst>
+              <a:ext uri="{FF2B5EF4-FFF2-40B4-BE49-F238E27FC236}">
+                <a16:creationId xmlns:a16="http://schemas.microsoft.com/office/drawing/2014/main" id="{D6AD134D-24CD-9A2A-436C-52F93218D07E}"/>
               </a:ext>
             </a:extLst>
           </p:cNvPr>
@@ -5411,8 +6349,8 @@
         </p:nvCxnSpPr>
         <p:spPr>
           <a:xfrm>
-            <a:off x="3168220" y="1991029"/>
-            <a:ext cx="0" cy="243826"/>
+            <a:off x="5601230" y="2159372"/>
+            <a:ext cx="0" cy="259910"/>
           </a:xfrm>
           <a:prstGeom prst="straightConnector1">
             <a:avLst/>
@@ -5436,98 +6374,57 @@
           </a:fontRef>
         </p:style>
       </p:cxnSp>
-      <p:pic>
-        <p:nvPicPr>
-          <p:cNvPr id="14" name="Graphic 13" descr="Vlog with solid fill">
-            <a:extLst>
-              <a:ext uri="{FF2B5EF4-FFF2-40B4-BE49-F238E27FC236}">
-                <a16:creationId xmlns:a16="http://schemas.microsoft.com/office/drawing/2014/main" id="{6D0150AC-3FEC-AEC8-0749-C1028EEB7EBE}"/>
-              </a:ext>
-            </a:extLst>
-          </p:cNvPr>
-          <p:cNvPicPr>
-            <a:picLocks noChangeAspect="1"/>
-          </p:cNvPicPr>
-          <p:nvPr/>
-        </p:nvPicPr>
-        <p:blipFill>
-          <a:blip r:embed="rId4">
-            <a:extLst>
-              <a:ext uri="{96DAC541-7B7A-43D3-8B79-37D633B846F1}">
-                <asvg:svgBlip xmlns:asvg="http://schemas.microsoft.com/office/drawing/2016/SVG/main" r:embed="rId5"/>
-              </a:ext>
-            </a:extLst>
-          </a:blip>
-          <a:stretch>
-            <a:fillRect/>
-          </a:stretch>
-        </p:blipFill>
-        <p:spPr>
-          <a:xfrm>
-            <a:off x="2455490" y="2539917"/>
-            <a:ext cx="481299" cy="481299"/>
-          </a:xfrm>
-          <a:prstGeom prst="rect">
-            <a:avLst/>
-          </a:prstGeom>
-        </p:spPr>
-      </p:pic>
-      <p:sp>
-        <p:nvSpPr>
-          <p:cNvPr id="15" name="TextBox 14">
-            <a:extLst>
-              <a:ext uri="{FF2B5EF4-FFF2-40B4-BE49-F238E27FC236}">
-                <a16:creationId xmlns:a16="http://schemas.microsoft.com/office/drawing/2014/main" id="{BBB807C8-0CE1-010E-FEE8-830EFAF03123}"/>
-              </a:ext>
-            </a:extLst>
-          </p:cNvPr>
-          <p:cNvSpPr txBox="1"/>
-          <p:nvPr/>
-        </p:nvSpPr>
-        <p:spPr>
-          <a:xfrm>
-            <a:off x="2421277" y="2344049"/>
-            <a:ext cx="1020291" cy="307777"/>
-          </a:xfrm>
-          <a:prstGeom prst="rect">
-            <a:avLst/>
-          </a:prstGeom>
-          <a:noFill/>
-        </p:spPr>
-        <p:txBody>
-          <a:bodyPr wrap="square">
-            <a:spAutoFit/>
-          </a:bodyPr>
-          <a:lstStyle/>
-          <a:p>
-            <a:r>
-              <a:rPr lang="en-US" sz="1400" b="1" dirty="0">
-                <a:solidFill>
-                  <a:schemeClr val="tx2">
-                    <a:lumMod val="75000"/>
-                    <a:lumOff val="25000"/>
-                  </a:schemeClr>
-                </a:solidFill>
-              </a:rPr>
-              <a:t>Input</a:t>
-            </a:r>
-            <a:endParaRPr lang="en-SG" sz="1400" b="1" dirty="0">
-              <a:solidFill>
-                <a:schemeClr val="tx2">
-                  <a:lumMod val="75000"/>
-                  <a:lumOff val="25000"/>
-                </a:schemeClr>
-              </a:solidFill>
-            </a:endParaRPr>
-          </a:p>
-        </p:txBody>
-      </p:sp>
-      <p:sp>
-        <p:nvSpPr>
-          <p:cNvPr id="16" name="Rectangle 15">
-            <a:extLst>
-              <a:ext uri="{FF2B5EF4-FFF2-40B4-BE49-F238E27FC236}">
-                <a16:creationId xmlns:a16="http://schemas.microsoft.com/office/drawing/2014/main" id="{23160B87-953F-65A6-DEFE-2E7B6961BBA2}"/>
+      <p:cxnSp>
+        <p:nvCxnSpPr>
+          <p:cNvPr id="19" name="Straight Arrow Connector 18">
+            <a:extLst>
+              <a:ext uri="{FF2B5EF4-FFF2-40B4-BE49-F238E27FC236}">
+                <a16:creationId xmlns:a16="http://schemas.microsoft.com/office/drawing/2014/main" id="{7B3C9D50-53D3-6F2F-029C-2823F0F66F24}"/>
+              </a:ext>
+            </a:extLst>
+          </p:cNvPr>
+          <p:cNvCxnSpPr>
+            <a:cxnSpLocks/>
+            <a:stCxn id="11" idx="1"/>
+          </p:cNvCxnSpPr>
+          <p:nvPr/>
+        </p:nvCxnSpPr>
+        <p:spPr>
+          <a:xfrm flipH="1" flipV="1">
+            <a:off x="4326410" y="2650055"/>
+            <a:ext cx="966128" cy="1"/>
+          </a:xfrm>
+          <a:prstGeom prst="straightConnector1">
+            <a:avLst/>
+          </a:prstGeom>
+          <a:ln>
+            <a:solidFill>
+              <a:srgbClr val="00B0F0"/>
+            </a:solidFill>
+            <a:tailEnd type="triangle"/>
+          </a:ln>
+        </p:spPr>
+        <p:style>
+          <a:lnRef idx="2">
+            <a:schemeClr val="accent1"/>
+          </a:lnRef>
+          <a:fillRef idx="0">
+            <a:schemeClr val="accent1"/>
+          </a:fillRef>
+          <a:effectRef idx="1">
+            <a:schemeClr val="accent1"/>
+          </a:effectRef>
+          <a:fontRef idx="minor">
+            <a:schemeClr val="tx1"/>
+          </a:fontRef>
+        </p:style>
+      </p:cxnSp>
+      <p:sp>
+        <p:nvSpPr>
+          <p:cNvPr id="22" name="Rectangle 21">
+            <a:extLst>
+              <a:ext uri="{FF2B5EF4-FFF2-40B4-BE49-F238E27FC236}">
+                <a16:creationId xmlns:a16="http://schemas.microsoft.com/office/drawing/2014/main" id="{6C8048BE-1952-0B53-9C1C-AC5F0D0E1DAE}"/>
               </a:ext>
             </a:extLst>
           </p:cNvPr>
@@ -5536,8 +6433,8 @@
         </p:nvSpPr>
         <p:spPr>
           <a:xfrm>
-            <a:off x="2359151" y="2325583"/>
-            <a:ext cx="3749039" cy="677108"/>
+            <a:off x="2255366" y="3798963"/>
+            <a:ext cx="4102608" cy="1878057"/>
           </a:xfrm>
           <a:prstGeom prst="rect">
             <a:avLst/>
@@ -5569,56 +6466,12 @@
           </a:p>
         </p:txBody>
       </p:sp>
-      <p:sp>
-        <p:nvSpPr>
-          <p:cNvPr id="18" name="TextBox 17">
-            <a:extLst>
-              <a:ext uri="{FF2B5EF4-FFF2-40B4-BE49-F238E27FC236}">
-                <a16:creationId xmlns:a16="http://schemas.microsoft.com/office/drawing/2014/main" id="{3DFD7D86-2A68-328F-C2D6-A6FF80C5874D}"/>
-              </a:ext>
-            </a:extLst>
-          </p:cNvPr>
-          <p:cNvSpPr txBox="1"/>
-          <p:nvPr/>
-        </p:nvSpPr>
-        <p:spPr>
-          <a:xfrm>
-            <a:off x="3168220" y="1959053"/>
-            <a:ext cx="1174234" cy="307777"/>
-          </a:xfrm>
-          <a:prstGeom prst="rect">
-            <a:avLst/>
-          </a:prstGeom>
-          <a:noFill/>
-        </p:spPr>
-        <p:txBody>
-          <a:bodyPr wrap="square">
-            <a:spAutoFit/>
-          </a:bodyPr>
-          <a:lstStyle/>
-          <a:p>
-            <a:r>
-              <a:rPr lang="en-US" sz="1400" b="1" dirty="0">
-                <a:solidFill>
-                  <a:schemeClr val="accent2"/>
-                </a:solidFill>
-              </a:rPr>
-              <a:t>Add Prompt</a:t>
-            </a:r>
-            <a:endParaRPr lang="en-SG" sz="1400" b="1" dirty="0">
-              <a:solidFill>
-                <a:schemeClr val="accent2"/>
-              </a:solidFill>
-            </a:endParaRPr>
-          </a:p>
-        </p:txBody>
-      </p:sp>
       <p:pic>
         <p:nvPicPr>
-          <p:cNvPr id="19" name="Graphic 18" descr="Vlog with solid fill">
-            <a:extLst>
-              <a:ext uri="{FF2B5EF4-FFF2-40B4-BE49-F238E27FC236}">
-                <a16:creationId xmlns:a16="http://schemas.microsoft.com/office/drawing/2014/main" id="{FEA32454-E910-1C5E-731F-26454FE255FA}"/>
+          <p:cNvPr id="23" name="Graphic 22" descr="Internet with solid fill">
+            <a:extLst>
+              <a:ext uri="{FF2B5EF4-FFF2-40B4-BE49-F238E27FC236}">
+                <a16:creationId xmlns:a16="http://schemas.microsoft.com/office/drawing/2014/main" id="{A59FDA00-7527-00C9-F76B-F268D46ABD47}"/>
               </a:ext>
             </a:extLst>
           </p:cNvPr>
@@ -5628,10 +6481,10 @@
           <p:nvPr/>
         </p:nvPicPr>
         <p:blipFill>
-          <a:blip r:embed="rId6">
+          <a:blip r:embed="rId10">
             <a:extLst>
               <a:ext uri="{96DAC541-7B7A-43D3-8B79-37D633B846F1}">
-                <asvg:svgBlip xmlns:asvg="http://schemas.microsoft.com/office/drawing/2016/SVG/main" r:embed="rId7"/>
+                <asvg:svgBlip xmlns:asvg="http://schemas.microsoft.com/office/drawing/2016/SVG/main" r:embed="rId11"/>
               </a:ext>
             </a:extLst>
           </a:blip>
@@ -5641,8 +6494,8 @@
         </p:blipFill>
         <p:spPr>
           <a:xfrm>
-            <a:off x="3022756" y="2543160"/>
-            <a:ext cx="476913" cy="476913"/>
+            <a:off x="2245108" y="3441320"/>
+            <a:ext cx="672166" cy="672166"/>
           </a:xfrm>
           <a:prstGeom prst="rect">
             <a:avLst/>
@@ -5651,10 +6504,10 @@
       </p:pic>
       <p:sp>
         <p:nvSpPr>
-          <p:cNvPr id="20" name="TextBox 19">
-            <a:extLst>
-              <a:ext uri="{FF2B5EF4-FFF2-40B4-BE49-F238E27FC236}">
-                <a16:creationId xmlns:a16="http://schemas.microsoft.com/office/drawing/2014/main" id="{DFF397AB-9F56-73E9-577D-84F0E5A7B5A0}"/>
+          <p:cNvPr id="24" name="TextBox 23">
+            <a:extLst>
+              <a:ext uri="{FF2B5EF4-FFF2-40B4-BE49-F238E27FC236}">
+                <a16:creationId xmlns:a16="http://schemas.microsoft.com/office/drawing/2014/main" id="{CC40C148-1FD2-AF3C-2946-2957CFBE2785}"/>
               </a:ext>
             </a:extLst>
           </p:cNvPr>
@@ -5663,8 +6516,8 @@
         </p:nvSpPr>
         <p:spPr>
           <a:xfrm>
-            <a:off x="3511409" y="2325583"/>
-            <a:ext cx="2526940" cy="646331"/>
+            <a:off x="2820687" y="3485629"/>
+            <a:ext cx="1377388" cy="338554"/>
           </a:xfrm>
           <a:prstGeom prst="rect">
             <a:avLst/>
@@ -5678,60 +6531,235 @@
           <a:lstStyle/>
           <a:p>
             <a:r>
-              <a:rPr lang="en-US" sz="1200" b="1" dirty="0">
+              <a:rPr lang="en-SG" sz="1600" b="1" dirty="0">
                 <a:solidFill>
-                  <a:schemeClr val="accent2"/>
+                  <a:schemeClr val="accent6">
+                    <a:lumMod val="75000"/>
+                  </a:schemeClr>
                 </a:solidFill>
               </a:rPr>
-              <a:t>Prompt: I am a beginner to use browser, please help list the detail </a:t>
-            </a:r>
-            <a:r>
-              <a:rPr lang="en-US" sz="1200" b="1" dirty="0" err="1">
+              <a:t>Laptop02</a:t>
+            </a:r>
+          </a:p>
+        </p:txBody>
+      </p:sp>
+      <p:sp>
+        <p:nvSpPr>
+          <p:cNvPr id="25" name="TextBox 24">
+            <a:extLst>
+              <a:ext uri="{FF2B5EF4-FFF2-40B4-BE49-F238E27FC236}">
+                <a16:creationId xmlns:a16="http://schemas.microsoft.com/office/drawing/2014/main" id="{CA05822A-0101-6853-B53D-A7C0C002712F}"/>
+              </a:ext>
+            </a:extLst>
+          </p:cNvPr>
+          <p:cNvSpPr txBox="1"/>
+          <p:nvPr/>
+        </p:nvSpPr>
+        <p:spPr>
+          <a:xfrm>
+            <a:off x="2440930" y="5071040"/>
+            <a:ext cx="1377388" cy="307777"/>
+          </a:xfrm>
+          <a:prstGeom prst="rect">
+            <a:avLst/>
+          </a:prstGeom>
+          <a:noFill/>
+        </p:spPr>
+        <p:txBody>
+          <a:bodyPr wrap="square">
+            <a:spAutoFit/>
+          </a:bodyPr>
+          <a:lstStyle/>
+          <a:p>
+            <a:r>
+              <a:rPr lang="en-SG" sz="1400" b="1" dirty="0">
                 <a:solidFill>
-                  <a:schemeClr val="accent2"/>
+                  <a:srgbClr val="0070C0"/>
                 </a:solidFill>
               </a:rPr>
-              <a:t>ToDOo</a:t>
-            </a:r>
-            <a:r>
-              <a:rPr lang="en-US" sz="1200" b="1" dirty="0">
+              <a:t>Browser</a:t>
+            </a:r>
+          </a:p>
+        </p:txBody>
+      </p:sp>
+      <p:pic>
+        <p:nvPicPr>
+          <p:cNvPr id="26" name="Graphic 25" descr="Web design with solid fill">
+            <a:extLst>
+              <a:ext uri="{FF2B5EF4-FFF2-40B4-BE49-F238E27FC236}">
+                <a16:creationId xmlns:a16="http://schemas.microsoft.com/office/drawing/2014/main" id="{28B8314E-C5CA-F2E6-9934-7F27E0064611}"/>
+              </a:ext>
+            </a:extLst>
+          </p:cNvPr>
+          <p:cNvPicPr>
+            <a:picLocks noChangeAspect="1"/>
+          </p:cNvPicPr>
+          <p:nvPr/>
+        </p:nvPicPr>
+        <p:blipFill>
+          <a:blip r:embed="rId6">
+            <a:extLst>
+              <a:ext uri="{96DAC541-7B7A-43D3-8B79-37D633B846F1}">
+                <asvg:svgBlip xmlns:asvg="http://schemas.microsoft.com/office/drawing/2016/SVG/main" r:embed="rId7"/>
+              </a:ext>
+            </a:extLst>
+          </a:blip>
+          <a:stretch>
+            <a:fillRect/>
+          </a:stretch>
+        </p:blipFill>
+        <p:spPr>
+          <a:xfrm>
+            <a:off x="5198037" y="4784808"/>
+            <a:ext cx="629141" cy="629141"/>
+          </a:xfrm>
+          <a:prstGeom prst="rect">
+            <a:avLst/>
+          </a:prstGeom>
+        </p:spPr>
+      </p:pic>
+      <p:pic>
+        <p:nvPicPr>
+          <p:cNvPr id="27" name="Graphic 26" descr="Chat bubble with solid fill">
+            <a:extLst>
+              <a:ext uri="{FF2B5EF4-FFF2-40B4-BE49-F238E27FC236}">
+                <a16:creationId xmlns:a16="http://schemas.microsoft.com/office/drawing/2014/main" id="{A252A9B3-7CFD-A657-9EA2-49967B0CDA84}"/>
+              </a:ext>
+            </a:extLst>
+          </p:cNvPr>
+          <p:cNvPicPr>
+            <a:picLocks noChangeAspect="1"/>
+          </p:cNvPicPr>
+          <p:nvPr/>
+        </p:nvPicPr>
+        <p:blipFill>
+          <a:blip r:embed="rId12">
+            <a:extLst>
+              <a:ext uri="{96DAC541-7B7A-43D3-8B79-37D633B846F1}">
+                <asvg:svgBlip xmlns:asvg="http://schemas.microsoft.com/office/drawing/2016/SVG/main" r:embed="rId13"/>
+              </a:ext>
+            </a:extLst>
+          </a:blip>
+          <a:stretch>
+            <a:fillRect/>
+          </a:stretch>
+        </p:blipFill>
+        <p:spPr>
+          <a:xfrm>
+            <a:off x="5251407" y="4156792"/>
+            <a:ext cx="510645" cy="510645"/>
+          </a:xfrm>
+          <a:prstGeom prst="rect">
+            <a:avLst/>
+          </a:prstGeom>
+        </p:spPr>
+      </p:pic>
+      <p:sp>
+        <p:nvSpPr>
+          <p:cNvPr id="28" name="TextBox 27">
+            <a:extLst>
+              <a:ext uri="{FF2B5EF4-FFF2-40B4-BE49-F238E27FC236}">
+                <a16:creationId xmlns:a16="http://schemas.microsoft.com/office/drawing/2014/main" id="{9AB04293-F320-1C33-2D21-94A4C0218647}"/>
+              </a:ext>
+            </a:extLst>
+          </p:cNvPr>
+          <p:cNvSpPr txBox="1"/>
+          <p:nvPr/>
+        </p:nvSpPr>
+        <p:spPr>
+          <a:xfrm>
+            <a:off x="5117097" y="5285892"/>
+            <a:ext cx="1434234" cy="430887"/>
+          </a:xfrm>
+          <a:prstGeom prst="rect">
+            <a:avLst/>
+          </a:prstGeom>
+          <a:noFill/>
+        </p:spPr>
+        <p:txBody>
+          <a:bodyPr wrap="square">
+            <a:spAutoFit/>
+          </a:bodyPr>
+          <a:lstStyle/>
+          <a:p>
+            <a:r>
+              <a:rPr lang="en-SG" sz="1100" b="1" dirty="0"/>
+              <a:t>Browser Control </a:t>
+            </a:r>
+          </a:p>
+          <a:p>
+            <a:r>
+              <a:rPr lang="en-SG" sz="1100" b="1" dirty="0"/>
+              <a:t>AI Agent </a:t>
+            </a:r>
+          </a:p>
+        </p:txBody>
+      </p:sp>
+      <p:sp>
+        <p:nvSpPr>
+          <p:cNvPr id="29" name="TextBox 28">
+            <a:extLst>
+              <a:ext uri="{FF2B5EF4-FFF2-40B4-BE49-F238E27FC236}">
+                <a16:creationId xmlns:a16="http://schemas.microsoft.com/office/drawing/2014/main" id="{2C5B8143-308F-8B4C-4328-FDB2D847E448}"/>
+              </a:ext>
+            </a:extLst>
+          </p:cNvPr>
+          <p:cNvSpPr txBox="1"/>
+          <p:nvPr/>
+        </p:nvSpPr>
+        <p:spPr>
+          <a:xfrm>
+            <a:off x="5108640" y="3823315"/>
+            <a:ext cx="1562250" cy="400110"/>
+          </a:xfrm>
+          <a:prstGeom prst="rect">
+            <a:avLst/>
+          </a:prstGeom>
+          <a:noFill/>
+        </p:spPr>
+        <p:txBody>
+          <a:bodyPr wrap="square">
+            <a:spAutoFit/>
+          </a:bodyPr>
+          <a:lstStyle/>
+          <a:p>
+            <a:r>
+              <a:rPr lang="en-SG" sz="1000" b="1" dirty="0">
                 <a:solidFill>
-                  <a:schemeClr val="accent2"/>
+                  <a:schemeClr val="accent6">
+                    <a:lumMod val="75000"/>
+                  </a:schemeClr>
                 </a:solidFill>
               </a:rPr>
-              <a:t> list for…</a:t>
-            </a:r>
-            <a:endParaRPr lang="en-SG" sz="1200" b="1" dirty="0">
-              <a:solidFill>
-                <a:schemeClr val="accent2"/>
-              </a:solidFill>
-            </a:endParaRPr>
+              <a:t>Human Language Request </a:t>
+            </a:r>
           </a:p>
         </p:txBody>
       </p:sp>
       <p:cxnSp>
         <p:nvCxnSpPr>
-          <p:cNvPr id="21" name="Straight Arrow Connector 20">
-            <a:extLst>
-              <a:ext uri="{FF2B5EF4-FFF2-40B4-BE49-F238E27FC236}">
-                <a16:creationId xmlns:a16="http://schemas.microsoft.com/office/drawing/2014/main" id="{32180FC7-6A43-81D9-2018-3A76CD16C7D3}"/>
-              </a:ext>
-            </a:extLst>
-          </p:cNvPr>
-          <p:cNvCxnSpPr>
-            <a:cxnSpLocks/>
-          </p:cNvCxnSpPr>
+          <p:cNvPr id="30" name="Straight Arrow Connector 29">
+            <a:extLst>
+              <a:ext uri="{FF2B5EF4-FFF2-40B4-BE49-F238E27FC236}">
+                <a16:creationId xmlns:a16="http://schemas.microsoft.com/office/drawing/2014/main" id="{B5893B18-F7C2-37D3-468D-C17A2C90D8B8}"/>
+              </a:ext>
+            </a:extLst>
+          </p:cNvPr>
+          <p:cNvCxnSpPr/>
           <p:nvPr/>
         </p:nvCxnSpPr>
         <p:spPr>
           <a:xfrm>
-            <a:off x="6119930" y="2632873"/>
-            <a:ext cx="472894" cy="0"/>
+            <a:off x="5506729" y="4608695"/>
+            <a:ext cx="0" cy="259910"/>
           </a:xfrm>
           <a:prstGeom prst="straightConnector1">
             <a:avLst/>
           </a:prstGeom>
           <a:ln>
+            <a:solidFill>
+              <a:schemeClr val="accent6"/>
+            </a:solidFill>
             <a:tailEnd type="triangle"/>
           </a:ln>
         </p:spPr>
@@ -5750,12 +6778,59 @@
           </a:fontRef>
         </p:style>
       </p:cxnSp>
-      <p:sp>
-        <p:nvSpPr>
-          <p:cNvPr id="28" name="Rectangle 27">
-            <a:extLst>
-              <a:ext uri="{FF2B5EF4-FFF2-40B4-BE49-F238E27FC236}">
-                <a16:creationId xmlns:a16="http://schemas.microsoft.com/office/drawing/2014/main" id="{71076F4D-0387-7671-74CD-54268023C450}"/>
+      <p:cxnSp>
+        <p:nvCxnSpPr>
+          <p:cNvPr id="31" name="Straight Arrow Connector 30">
+            <a:extLst>
+              <a:ext uri="{FF2B5EF4-FFF2-40B4-BE49-F238E27FC236}">
+                <a16:creationId xmlns:a16="http://schemas.microsoft.com/office/drawing/2014/main" id="{4E890185-2BCE-CC6C-BA3E-5448AFCAAEB2}"/>
+              </a:ext>
+            </a:extLst>
+          </p:cNvPr>
+          <p:cNvCxnSpPr>
+            <a:cxnSpLocks/>
+          </p:cNvCxnSpPr>
+          <p:nvPr/>
+        </p:nvCxnSpPr>
+        <p:spPr>
+          <a:xfrm flipH="1" flipV="1">
+            <a:off x="4250197" y="5099378"/>
+            <a:ext cx="966128" cy="1"/>
+          </a:xfrm>
+          <a:prstGeom prst="straightConnector1">
+            <a:avLst/>
+          </a:prstGeom>
+          <a:ln>
+            <a:solidFill>
+              <a:schemeClr val="accent6">
+                <a:lumMod val="40000"/>
+                <a:lumOff val="60000"/>
+              </a:schemeClr>
+            </a:solidFill>
+            <a:tailEnd type="triangle"/>
+          </a:ln>
+        </p:spPr>
+        <p:style>
+          <a:lnRef idx="2">
+            <a:schemeClr val="accent1"/>
+          </a:lnRef>
+          <a:fillRef idx="0">
+            <a:schemeClr val="accent1"/>
+          </a:fillRef>
+          <a:effectRef idx="1">
+            <a:schemeClr val="accent1"/>
+          </a:effectRef>
+          <a:fontRef idx="minor">
+            <a:schemeClr val="tx1"/>
+          </a:fontRef>
+        </p:style>
+      </p:cxnSp>
+      <p:sp>
+        <p:nvSpPr>
+          <p:cNvPr id="32" name="Rectangle 31">
+            <a:extLst>
+              <a:ext uri="{FF2B5EF4-FFF2-40B4-BE49-F238E27FC236}">
+                <a16:creationId xmlns:a16="http://schemas.microsoft.com/office/drawing/2014/main" id="{5BE53C37-80CA-E700-E798-20353CF150C3}"/>
               </a:ext>
             </a:extLst>
           </p:cNvPr>
@@ -5764,7 +6839,7 @@
         </p:nvSpPr>
         <p:spPr>
           <a:xfrm>
-            <a:off x="6604564" y="2514827"/>
+            <a:off x="7798648" y="3404177"/>
             <a:ext cx="1931701" cy="914173"/>
           </a:xfrm>
           <a:prstGeom prst="rect">
@@ -5798,10 +6873,10 @@
       </p:sp>
       <p:pic>
         <p:nvPicPr>
-          <p:cNvPr id="29" name="Picture 2" descr="DeepSeek Logo and symbol, meaning ...">
-            <a:extLst>
-              <a:ext uri="{FF2B5EF4-FFF2-40B4-BE49-F238E27FC236}">
-                <a16:creationId xmlns:a16="http://schemas.microsoft.com/office/drawing/2014/main" id="{D75C0391-1C4F-5FCE-F9C4-5B8E50CC7E12}"/>
+          <p:cNvPr id="33" name="Picture 2" descr="DeepSeek Logo and symbol, meaning ...">
+            <a:extLst>
+              <a:ext uri="{FF2B5EF4-FFF2-40B4-BE49-F238E27FC236}">
+                <a16:creationId xmlns:a16="http://schemas.microsoft.com/office/drawing/2014/main" id="{2717DE76-20FD-BD3A-45A8-BFCD989026CB}"/>
               </a:ext>
             </a:extLst>
           </p:cNvPr>
@@ -5811,7 +6886,7 @@
           <p:nvPr/>
         </p:nvPicPr>
         <p:blipFill rotWithShape="1">
-          <a:blip r:embed="rId8">
+          <a:blip r:embed="rId14">
             <a:extLst>
               <a:ext uri="{28A0092B-C50C-407E-A947-70E740481C1C}">
                 <a14:useLocalDpi xmlns:a14="http://schemas.microsoft.com/office/drawing/2010/main" val="0"/>
@@ -5823,7 +6898,7 @@
         </p:blipFill>
         <p:spPr bwMode="auto">
           <a:xfrm>
-            <a:off x="6701114" y="2620484"/>
+            <a:off x="7895198" y="3509834"/>
             <a:ext cx="1240791" cy="436846"/>
           </a:xfrm>
           <a:prstGeom prst="rect">
@@ -5848,6 +6923,1534 @@
       </p:pic>
       <p:sp>
         <p:nvSpPr>
+          <p:cNvPr id="34" name="TextBox 33">
+            <a:extLst>
+              <a:ext uri="{FF2B5EF4-FFF2-40B4-BE49-F238E27FC236}">
+                <a16:creationId xmlns:a16="http://schemas.microsoft.com/office/drawing/2014/main" id="{A021769B-B81C-593F-6035-D4238D4ACE7B}"/>
+              </a:ext>
+            </a:extLst>
+          </p:cNvPr>
+          <p:cNvSpPr txBox="1"/>
+          <p:nvPr/>
+        </p:nvSpPr>
+        <p:spPr>
+          <a:xfrm>
+            <a:off x="7798648" y="3979796"/>
+            <a:ext cx="2056197" cy="338554"/>
+          </a:xfrm>
+          <a:prstGeom prst="rect">
+            <a:avLst/>
+          </a:prstGeom>
+          <a:noFill/>
+        </p:spPr>
+        <p:txBody>
+          <a:bodyPr wrap="square">
+            <a:spAutoFit/>
+          </a:bodyPr>
+          <a:lstStyle/>
+          <a:p>
+            <a:r>
+              <a:rPr lang="en-US" sz="1600" b="1" dirty="0">
+                <a:solidFill>
+                  <a:schemeClr val="bg1"/>
+                </a:solidFill>
+              </a:rPr>
+              <a:t>DeepSeek-R1:8B</a:t>
+            </a:r>
+            <a:endParaRPr lang="en-SG" sz="1600" b="1" dirty="0">
+              <a:solidFill>
+                <a:schemeClr val="bg1"/>
+              </a:solidFill>
+            </a:endParaRPr>
+          </a:p>
+        </p:txBody>
+      </p:sp>
+      <p:pic>
+        <p:nvPicPr>
+          <p:cNvPr id="35" name="Picture 34">
+            <a:extLst>
+              <a:ext uri="{FF2B5EF4-FFF2-40B4-BE49-F238E27FC236}">
+                <a16:creationId xmlns:a16="http://schemas.microsoft.com/office/drawing/2014/main" id="{7CDCFD91-0E45-2C7E-FB02-8D9003C2ACAD}"/>
+              </a:ext>
+            </a:extLst>
+          </p:cNvPr>
+          <p:cNvPicPr>
+            <a:picLocks noChangeAspect="1"/>
+          </p:cNvPicPr>
+          <p:nvPr/>
+        </p:nvPicPr>
+        <p:blipFill>
+          <a:blip r:embed="rId15"/>
+          <a:stretch>
+            <a:fillRect/>
+          </a:stretch>
+        </p:blipFill>
+        <p:spPr>
+          <a:xfrm>
+            <a:off x="9207982" y="3504469"/>
+            <a:ext cx="450373" cy="447576"/>
+          </a:xfrm>
+          <a:prstGeom prst="rect">
+            <a:avLst/>
+          </a:prstGeom>
+        </p:spPr>
+      </p:pic>
+      <p:sp>
+        <p:nvSpPr>
+          <p:cNvPr id="36" name="TextBox 35">
+            <a:extLst>
+              <a:ext uri="{FF2B5EF4-FFF2-40B4-BE49-F238E27FC236}">
+                <a16:creationId xmlns:a16="http://schemas.microsoft.com/office/drawing/2014/main" id="{2607F694-0FFA-C3F7-948F-A320EF429626}"/>
+              </a:ext>
+            </a:extLst>
+          </p:cNvPr>
+          <p:cNvSpPr txBox="1"/>
+          <p:nvPr/>
+        </p:nvSpPr>
+        <p:spPr>
+          <a:xfrm>
+            <a:off x="7760150" y="3065137"/>
+            <a:ext cx="2314151" cy="338554"/>
+          </a:xfrm>
+          <a:prstGeom prst="rect">
+            <a:avLst/>
+          </a:prstGeom>
+          <a:noFill/>
+        </p:spPr>
+        <p:txBody>
+          <a:bodyPr wrap="square">
+            <a:spAutoFit/>
+          </a:bodyPr>
+          <a:lstStyle/>
+          <a:p>
+            <a:r>
+              <a:rPr lang="en-US" sz="1600" b="1" dirty="0">
+                <a:solidFill>
+                  <a:srgbClr val="0070C0"/>
+                </a:solidFill>
+              </a:rPr>
+              <a:t>Local </a:t>
+            </a:r>
+            <a:r>
+              <a:rPr lang="en-US" sz="1600" b="1" dirty="0" err="1">
+                <a:solidFill>
+                  <a:srgbClr val="0070C0"/>
+                </a:solidFill>
+              </a:rPr>
+              <a:t>DeepSeek</a:t>
+            </a:r>
+            <a:r>
+              <a:rPr lang="en-US" sz="1600" b="1" dirty="0">
+                <a:solidFill>
+                  <a:srgbClr val="0070C0"/>
+                </a:solidFill>
+              </a:rPr>
+              <a:t> GPU</a:t>
+            </a:r>
+            <a:endParaRPr lang="en-SG" sz="1600" b="1" dirty="0">
+              <a:solidFill>
+                <a:srgbClr val="0070C0"/>
+              </a:solidFill>
+            </a:endParaRPr>
+          </a:p>
+        </p:txBody>
+      </p:sp>
+      <p:cxnSp>
+        <p:nvCxnSpPr>
+          <p:cNvPr id="38" name="Connector: Elbow 37">
+            <a:extLst>
+              <a:ext uri="{FF2B5EF4-FFF2-40B4-BE49-F238E27FC236}">
+                <a16:creationId xmlns:a16="http://schemas.microsoft.com/office/drawing/2014/main" id="{2FB0169B-2D6F-9215-50FF-AE474AD06410}"/>
+              </a:ext>
+            </a:extLst>
+          </p:cNvPr>
+          <p:cNvCxnSpPr>
+            <a:endCxn id="11" idx="3"/>
+          </p:cNvCxnSpPr>
+          <p:nvPr/>
+        </p:nvCxnSpPr>
+        <p:spPr>
+          <a:xfrm rot="10800000">
+            <a:off x="5921680" y="2650056"/>
+            <a:ext cx="1876969" cy="1034976"/>
+          </a:xfrm>
+          <a:prstGeom prst="bentConnector3">
+            <a:avLst/>
+          </a:prstGeom>
+          <a:ln>
+            <a:tailEnd type="triangle"/>
+          </a:ln>
+        </p:spPr>
+        <p:style>
+          <a:lnRef idx="2">
+            <a:schemeClr val="accent2"/>
+          </a:lnRef>
+          <a:fillRef idx="0">
+            <a:schemeClr val="accent2"/>
+          </a:fillRef>
+          <a:effectRef idx="1">
+            <a:schemeClr val="accent2"/>
+          </a:effectRef>
+          <a:fontRef idx="minor">
+            <a:schemeClr val="tx1"/>
+          </a:fontRef>
+        </p:style>
+      </p:cxnSp>
+      <p:cxnSp>
+        <p:nvCxnSpPr>
+          <p:cNvPr id="39" name="Connector: Elbow 38">
+            <a:extLst>
+              <a:ext uri="{FF2B5EF4-FFF2-40B4-BE49-F238E27FC236}">
+                <a16:creationId xmlns:a16="http://schemas.microsoft.com/office/drawing/2014/main" id="{6827BCB3-0688-30E4-34F1-8DED718AED50}"/>
+              </a:ext>
+            </a:extLst>
+          </p:cNvPr>
+          <p:cNvCxnSpPr>
+            <a:cxnSpLocks/>
+            <a:stCxn id="32" idx="1"/>
+            <a:endCxn id="26" idx="3"/>
+          </p:cNvCxnSpPr>
+          <p:nvPr/>
+        </p:nvCxnSpPr>
+        <p:spPr>
+          <a:xfrm rot="10800000" flipV="1">
+            <a:off x="5827178" y="3861263"/>
+            <a:ext cx="1971470" cy="1238115"/>
+          </a:xfrm>
+          <a:prstGeom prst="bentConnector3">
+            <a:avLst>
+              <a:gd name="adj1" fmla="val 47217"/>
+            </a:avLst>
+          </a:prstGeom>
+          <a:ln>
+            <a:tailEnd type="triangle"/>
+          </a:ln>
+        </p:spPr>
+        <p:style>
+          <a:lnRef idx="2">
+            <a:schemeClr val="accent2"/>
+          </a:lnRef>
+          <a:fillRef idx="0">
+            <a:schemeClr val="accent2"/>
+          </a:fillRef>
+          <a:effectRef idx="1">
+            <a:schemeClr val="accent2"/>
+          </a:effectRef>
+          <a:fontRef idx="minor">
+            <a:schemeClr val="tx1"/>
+          </a:fontRef>
+        </p:style>
+      </p:cxnSp>
+      <p:pic>
+        <p:nvPicPr>
+          <p:cNvPr id="1026" name="Picture 2" descr="router&quot; Icon - Download for free – Iconduck">
+            <a:extLst>
+              <a:ext uri="{FF2B5EF4-FFF2-40B4-BE49-F238E27FC236}">
+                <a16:creationId xmlns:a16="http://schemas.microsoft.com/office/drawing/2014/main" id="{187E4BB5-2C7B-5DF4-9F4D-95292508F4BE}"/>
+              </a:ext>
+            </a:extLst>
+          </p:cNvPr>
+          <p:cNvPicPr>
+            <a:picLocks noChangeAspect="1" noChangeArrowheads="1"/>
+          </p:cNvPicPr>
+          <p:nvPr/>
+        </p:nvPicPr>
+        <p:blipFill>
+          <a:blip r:embed="rId16">
+            <a:extLst>
+              <a:ext uri="{28A0092B-C50C-407E-A947-70E740481C1C}">
+                <a14:useLocalDpi xmlns:a14="http://schemas.microsoft.com/office/drawing/2010/main" val="0"/>
+              </a:ext>
+            </a:extLst>
+          </a:blip>
+          <a:srcRect/>
+          <a:stretch>
+            <a:fillRect/>
+          </a:stretch>
+        </p:blipFill>
+        <p:spPr bwMode="auto">
+          <a:xfrm>
+            <a:off x="6580953" y="3494364"/>
+            <a:ext cx="718115" cy="619955"/>
+          </a:xfrm>
+          <a:prstGeom prst="rect">
+            <a:avLst/>
+          </a:prstGeom>
+          <a:noFill/>
+          <a:extLst>
+            <a:ext uri="{909E8E84-426E-40DD-AFC4-6F175D3DCCD1}">
+              <a14:hiddenFill xmlns:a14="http://schemas.microsoft.com/office/drawing/2010/main">
+                <a:solidFill>
+                  <a:srgbClr val="FFFFFF"/>
+                </a:solidFill>
+              </a14:hiddenFill>
+            </a:ext>
+          </a:extLst>
+        </p:spPr>
+      </p:pic>
+      <p:sp>
+        <p:nvSpPr>
+          <p:cNvPr id="43" name="TextBox 42">
+            <a:extLst>
+              <a:ext uri="{FF2B5EF4-FFF2-40B4-BE49-F238E27FC236}">
+                <a16:creationId xmlns:a16="http://schemas.microsoft.com/office/drawing/2014/main" id="{7312CE3E-C6DA-9489-5227-2E9498567BD8}"/>
+              </a:ext>
+            </a:extLst>
+          </p:cNvPr>
+          <p:cNvSpPr txBox="1"/>
+          <p:nvPr/>
+        </p:nvSpPr>
+        <p:spPr>
+          <a:xfrm>
+            <a:off x="6893069" y="2972866"/>
+            <a:ext cx="1078165" cy="523220"/>
+          </a:xfrm>
+          <a:prstGeom prst="rect">
+            <a:avLst/>
+          </a:prstGeom>
+          <a:noFill/>
+        </p:spPr>
+        <p:txBody>
+          <a:bodyPr wrap="square">
+            <a:spAutoFit/>
+          </a:bodyPr>
+          <a:lstStyle/>
+          <a:p>
+            <a:r>
+              <a:rPr lang="en-SG" sz="1400" b="1" dirty="0"/>
+              <a:t>LAN Router </a:t>
+            </a:r>
+          </a:p>
+        </p:txBody>
+      </p:sp>
+      <p:pic>
+        <p:nvPicPr>
+          <p:cNvPr id="1028" name="Picture 4" descr="Google Chrome Icon Logo Clipart Png - SimilarPNG">
+            <a:extLst>
+              <a:ext uri="{FF2B5EF4-FFF2-40B4-BE49-F238E27FC236}">
+                <a16:creationId xmlns:a16="http://schemas.microsoft.com/office/drawing/2014/main" id="{554C108F-1349-E7D6-E96E-E0CF987C511B}"/>
+              </a:ext>
+            </a:extLst>
+          </p:cNvPr>
+          <p:cNvPicPr>
+            <a:picLocks noChangeAspect="1" noChangeArrowheads="1"/>
+          </p:cNvPicPr>
+          <p:nvPr/>
+        </p:nvPicPr>
+        <p:blipFill>
+          <a:blip r:embed="rId17">
+            <a:extLst>
+              <a:ext uri="{28A0092B-C50C-407E-A947-70E740481C1C}">
+                <a14:useLocalDpi xmlns:a14="http://schemas.microsoft.com/office/drawing/2010/main" val="0"/>
+              </a:ext>
+            </a:extLst>
+          </a:blip>
+          <a:srcRect/>
+          <a:stretch>
+            <a:fillRect/>
+          </a:stretch>
+        </p:blipFill>
+        <p:spPr bwMode="auto">
+          <a:xfrm>
+            <a:off x="3792413" y="2625385"/>
+            <a:ext cx="456600" cy="456600"/>
+          </a:xfrm>
+          <a:prstGeom prst="rect">
+            <a:avLst/>
+          </a:prstGeom>
+          <a:noFill/>
+          <a:ln w="12700">
+            <a:solidFill>
+              <a:schemeClr val="tx1"/>
+            </a:solidFill>
+          </a:ln>
+          <a:extLst>
+            <a:ext uri="{909E8E84-426E-40DD-AFC4-6F175D3DCCD1}">
+              <a14:hiddenFill xmlns:a14="http://schemas.microsoft.com/office/drawing/2010/main">
+                <a:solidFill>
+                  <a:srgbClr val="FFFFFF"/>
+                </a:solidFill>
+              </a14:hiddenFill>
+            </a:ext>
+          </a:extLst>
+        </p:spPr>
+      </p:pic>
+      <p:pic>
+        <p:nvPicPr>
+          <p:cNvPr id="45" name="Picture 4" descr="Google Chrome Icon Logo Clipart Png - SimilarPNG">
+            <a:extLst>
+              <a:ext uri="{FF2B5EF4-FFF2-40B4-BE49-F238E27FC236}">
+                <a16:creationId xmlns:a16="http://schemas.microsoft.com/office/drawing/2014/main" id="{A598A6EC-7185-8F47-D6F5-498253EF6FC0}"/>
+              </a:ext>
+            </a:extLst>
+          </p:cNvPr>
+          <p:cNvPicPr>
+            <a:picLocks noChangeAspect="1" noChangeArrowheads="1"/>
+          </p:cNvPicPr>
+          <p:nvPr/>
+        </p:nvPicPr>
+        <p:blipFill>
+          <a:blip r:embed="rId17">
+            <a:extLst>
+              <a:ext uri="{28A0092B-C50C-407E-A947-70E740481C1C}">
+                <a14:useLocalDpi xmlns:a14="http://schemas.microsoft.com/office/drawing/2010/main" val="0"/>
+              </a:ext>
+            </a:extLst>
+          </a:blip>
+          <a:srcRect/>
+          <a:stretch>
+            <a:fillRect/>
+          </a:stretch>
+        </p:blipFill>
+        <p:spPr bwMode="auto">
+          <a:xfrm>
+            <a:off x="3792413" y="4922058"/>
+            <a:ext cx="456600" cy="456600"/>
+          </a:xfrm>
+          <a:prstGeom prst="rect">
+            <a:avLst/>
+          </a:prstGeom>
+          <a:noFill/>
+          <a:ln w="12700">
+            <a:solidFill>
+              <a:schemeClr val="tx1"/>
+            </a:solidFill>
+          </a:ln>
+          <a:extLst>
+            <a:ext uri="{909E8E84-426E-40DD-AFC4-6F175D3DCCD1}">
+              <a14:hiddenFill xmlns:a14="http://schemas.microsoft.com/office/drawing/2010/main">
+                <a:solidFill>
+                  <a:srgbClr val="FFFFFF"/>
+                </a:solidFill>
+              </a14:hiddenFill>
+            </a:ext>
+          </a:extLst>
+        </p:spPr>
+      </p:pic>
+      <p:pic>
+        <p:nvPicPr>
+          <p:cNvPr id="47" name="Picture 46">
+            <a:extLst>
+              <a:ext uri="{FF2B5EF4-FFF2-40B4-BE49-F238E27FC236}">
+                <a16:creationId xmlns:a16="http://schemas.microsoft.com/office/drawing/2014/main" id="{09118F57-8788-A3FA-A905-C7D5A8CFFAE3}"/>
+              </a:ext>
+            </a:extLst>
+          </p:cNvPr>
+          <p:cNvPicPr>
+            <a:picLocks noChangeAspect="1"/>
+          </p:cNvPicPr>
+          <p:nvPr/>
+        </p:nvPicPr>
+        <p:blipFill>
+          <a:blip r:embed="rId18"/>
+          <a:stretch>
+            <a:fillRect/>
+          </a:stretch>
+        </p:blipFill>
+        <p:spPr>
+          <a:xfrm>
+            <a:off x="1211119" y="3052465"/>
+            <a:ext cx="672167" cy="695615"/>
+          </a:xfrm>
+          <a:prstGeom prst="rect">
+            <a:avLst/>
+          </a:prstGeom>
+        </p:spPr>
+      </p:pic>
+      <p:cxnSp>
+        <p:nvCxnSpPr>
+          <p:cNvPr id="49" name="Straight Arrow Connector 48">
+            <a:extLst>
+              <a:ext uri="{FF2B5EF4-FFF2-40B4-BE49-F238E27FC236}">
+                <a16:creationId xmlns:a16="http://schemas.microsoft.com/office/drawing/2014/main" id="{968754E3-E196-93AB-EF91-137479854740}"/>
+              </a:ext>
+            </a:extLst>
+          </p:cNvPr>
+          <p:cNvCxnSpPr>
+            <a:stCxn id="5" idx="1"/>
+          </p:cNvCxnSpPr>
+          <p:nvPr/>
+        </p:nvCxnSpPr>
+        <p:spPr>
+          <a:xfrm flipH="1">
+            <a:off x="1911414" y="2366085"/>
+            <a:ext cx="513625" cy="901371"/>
+          </a:xfrm>
+          <a:prstGeom prst="straightConnector1">
+            <a:avLst/>
+          </a:prstGeom>
+          <a:ln>
+            <a:tailEnd type="triangle"/>
+          </a:ln>
+        </p:spPr>
+        <p:style>
+          <a:lnRef idx="2">
+            <a:schemeClr val="accent1"/>
+          </a:lnRef>
+          <a:fillRef idx="0">
+            <a:schemeClr val="accent1"/>
+          </a:fillRef>
+          <a:effectRef idx="1">
+            <a:schemeClr val="accent1"/>
+          </a:effectRef>
+          <a:fontRef idx="minor">
+            <a:schemeClr val="tx1"/>
+          </a:fontRef>
+        </p:style>
+      </p:cxnSp>
+      <p:cxnSp>
+        <p:nvCxnSpPr>
+          <p:cNvPr id="50" name="Straight Arrow Connector 49">
+            <a:extLst>
+              <a:ext uri="{FF2B5EF4-FFF2-40B4-BE49-F238E27FC236}">
+                <a16:creationId xmlns:a16="http://schemas.microsoft.com/office/drawing/2014/main" id="{2C752D04-543D-970B-3020-899277002D7C}"/>
+              </a:ext>
+            </a:extLst>
+          </p:cNvPr>
+          <p:cNvCxnSpPr>
+            <a:cxnSpLocks/>
+            <a:stCxn id="6" idx="1"/>
+          </p:cNvCxnSpPr>
+          <p:nvPr/>
+        </p:nvCxnSpPr>
+        <p:spPr>
+          <a:xfrm flipH="1" flipV="1">
+            <a:off x="1942450" y="3688069"/>
+            <a:ext cx="482590" cy="1112841"/>
+          </a:xfrm>
+          <a:prstGeom prst="straightConnector1">
+            <a:avLst/>
+          </a:prstGeom>
+          <a:ln>
+            <a:tailEnd type="triangle"/>
+          </a:ln>
+        </p:spPr>
+        <p:style>
+          <a:lnRef idx="2">
+            <a:schemeClr val="accent1"/>
+          </a:lnRef>
+          <a:fillRef idx="0">
+            <a:schemeClr val="accent1"/>
+          </a:fillRef>
+          <a:effectRef idx="1">
+            <a:schemeClr val="accent1"/>
+          </a:effectRef>
+          <a:fontRef idx="minor">
+            <a:schemeClr val="tx1"/>
+          </a:fontRef>
+        </p:style>
+      </p:cxnSp>
+      <p:sp>
+        <p:nvSpPr>
+          <p:cNvPr id="53" name="TextBox 52">
+            <a:extLst>
+              <a:ext uri="{FF2B5EF4-FFF2-40B4-BE49-F238E27FC236}">
+                <a16:creationId xmlns:a16="http://schemas.microsoft.com/office/drawing/2014/main" id="{369AB993-34A8-8D0E-0EFD-18CAEFA4CA6A}"/>
+              </a:ext>
+            </a:extLst>
+          </p:cNvPr>
+          <p:cNvSpPr txBox="1"/>
+          <p:nvPr/>
+        </p:nvSpPr>
+        <p:spPr>
+          <a:xfrm>
+            <a:off x="1136122" y="3728257"/>
+            <a:ext cx="894119" cy="307777"/>
+          </a:xfrm>
+          <a:prstGeom prst="rect">
+            <a:avLst/>
+          </a:prstGeom>
+          <a:noFill/>
+        </p:spPr>
+        <p:txBody>
+          <a:bodyPr wrap="square">
+            <a:spAutoFit/>
+          </a:bodyPr>
+          <a:lstStyle/>
+          <a:p>
+            <a:r>
+              <a:rPr lang="en-SG" sz="1400" b="1" dirty="0"/>
+              <a:t>Internet</a:t>
+            </a:r>
+          </a:p>
+        </p:txBody>
+      </p:sp>
+      <p:pic>
+        <p:nvPicPr>
+          <p:cNvPr id="54" name="Picture 53">
+            <a:extLst>
+              <a:ext uri="{FF2B5EF4-FFF2-40B4-BE49-F238E27FC236}">
+                <a16:creationId xmlns:a16="http://schemas.microsoft.com/office/drawing/2014/main" id="{8E344AC1-D053-F528-9559-97E495809167}"/>
+              </a:ext>
+            </a:extLst>
+          </p:cNvPr>
+          <p:cNvPicPr>
+            <a:picLocks noChangeAspect="1"/>
+          </p:cNvPicPr>
+          <p:nvPr/>
+        </p:nvPicPr>
+        <p:blipFill>
+          <a:blip r:embed="rId19"/>
+          <a:stretch>
+            <a:fillRect/>
+          </a:stretch>
+        </p:blipFill>
+        <p:spPr>
+          <a:xfrm>
+            <a:off x="6214133" y="2470726"/>
+            <a:ext cx="345193" cy="338555"/>
+          </a:xfrm>
+          <a:prstGeom prst="rect">
+            <a:avLst/>
+          </a:prstGeom>
+        </p:spPr>
+      </p:pic>
+      <p:pic>
+        <p:nvPicPr>
+          <p:cNvPr id="55" name="Picture 54">
+            <a:extLst>
+              <a:ext uri="{FF2B5EF4-FFF2-40B4-BE49-F238E27FC236}">
+                <a16:creationId xmlns:a16="http://schemas.microsoft.com/office/drawing/2014/main" id="{ED0B53A1-BC56-FF6F-32DD-EEDF755A3A68}"/>
+              </a:ext>
+            </a:extLst>
+          </p:cNvPr>
+          <p:cNvPicPr>
+            <a:picLocks noChangeAspect="1"/>
+          </p:cNvPicPr>
+          <p:nvPr/>
+        </p:nvPicPr>
+        <p:blipFill>
+          <a:blip r:embed="rId19"/>
+          <a:stretch>
+            <a:fillRect/>
+          </a:stretch>
+        </p:blipFill>
+        <p:spPr>
+          <a:xfrm>
+            <a:off x="6169239" y="4919784"/>
+            <a:ext cx="345193" cy="338555"/>
+          </a:xfrm>
+          <a:prstGeom prst="rect">
+            <a:avLst/>
+          </a:prstGeom>
+        </p:spPr>
+      </p:pic>
+      <p:pic>
+        <p:nvPicPr>
+          <p:cNvPr id="56" name="Picture 55">
+            <a:extLst>
+              <a:ext uri="{FF2B5EF4-FFF2-40B4-BE49-F238E27FC236}">
+                <a16:creationId xmlns:a16="http://schemas.microsoft.com/office/drawing/2014/main" id="{8DB0E247-5279-9C2B-71EE-223507D41C8E}"/>
+              </a:ext>
+            </a:extLst>
+          </p:cNvPr>
+          <p:cNvPicPr>
+            <a:picLocks noChangeAspect="1"/>
+          </p:cNvPicPr>
+          <p:nvPr/>
+        </p:nvPicPr>
+        <p:blipFill>
+          <a:blip r:embed="rId19"/>
+          <a:stretch>
+            <a:fillRect/>
+          </a:stretch>
+        </p:blipFill>
+        <p:spPr>
+          <a:xfrm>
+            <a:off x="7539747" y="3621572"/>
+            <a:ext cx="345193" cy="338555"/>
+          </a:xfrm>
+          <a:prstGeom prst="rect">
+            <a:avLst/>
+          </a:prstGeom>
+        </p:spPr>
+      </p:pic>
+      <p:sp>
+        <p:nvSpPr>
+          <p:cNvPr id="57" name="TextBox 56">
+            <a:extLst>
+              <a:ext uri="{FF2B5EF4-FFF2-40B4-BE49-F238E27FC236}">
+                <a16:creationId xmlns:a16="http://schemas.microsoft.com/office/drawing/2014/main" id="{1BBD534F-D6BE-F35F-DA37-974481D8824B}"/>
+              </a:ext>
+            </a:extLst>
+          </p:cNvPr>
+          <p:cNvSpPr txBox="1"/>
+          <p:nvPr/>
+        </p:nvSpPr>
+        <p:spPr>
+          <a:xfrm>
+            <a:off x="6496567" y="2374961"/>
+            <a:ext cx="1184978" cy="261610"/>
+          </a:xfrm>
+          <a:prstGeom prst="rect">
+            <a:avLst/>
+          </a:prstGeom>
+          <a:noFill/>
+        </p:spPr>
+        <p:txBody>
+          <a:bodyPr wrap="square">
+            <a:spAutoFit/>
+          </a:bodyPr>
+          <a:lstStyle/>
+          <a:p>
+            <a:r>
+              <a:rPr lang="en-SG" sz="1100" b="1" dirty="0"/>
+              <a:t>192.168.50.112</a:t>
+            </a:r>
+          </a:p>
+        </p:txBody>
+      </p:sp>
+      <p:sp>
+        <p:nvSpPr>
+          <p:cNvPr id="58" name="TextBox 57">
+            <a:extLst>
+              <a:ext uri="{FF2B5EF4-FFF2-40B4-BE49-F238E27FC236}">
+                <a16:creationId xmlns:a16="http://schemas.microsoft.com/office/drawing/2014/main" id="{AAF98914-6CC4-AFAF-76BA-A342DD8D8532}"/>
+              </a:ext>
+            </a:extLst>
+          </p:cNvPr>
+          <p:cNvSpPr txBox="1"/>
+          <p:nvPr/>
+        </p:nvSpPr>
+        <p:spPr>
+          <a:xfrm>
+            <a:off x="6456944" y="5120197"/>
+            <a:ext cx="1184978" cy="261610"/>
+          </a:xfrm>
+          <a:prstGeom prst="rect">
+            <a:avLst/>
+          </a:prstGeom>
+          <a:noFill/>
+        </p:spPr>
+        <p:txBody>
+          <a:bodyPr wrap="square">
+            <a:spAutoFit/>
+          </a:bodyPr>
+          <a:lstStyle/>
+          <a:p>
+            <a:r>
+              <a:rPr lang="en-SG" sz="1100" b="1" dirty="0"/>
+              <a:t>192.168.50.113</a:t>
+            </a:r>
+          </a:p>
+        </p:txBody>
+      </p:sp>
+      <p:sp>
+        <p:nvSpPr>
+          <p:cNvPr id="59" name="TextBox 58">
+            <a:extLst>
+              <a:ext uri="{FF2B5EF4-FFF2-40B4-BE49-F238E27FC236}">
+                <a16:creationId xmlns:a16="http://schemas.microsoft.com/office/drawing/2014/main" id="{1F9D0171-00EC-077D-584B-1E65518B186D}"/>
+              </a:ext>
+            </a:extLst>
+          </p:cNvPr>
+          <p:cNvSpPr txBox="1"/>
+          <p:nvPr/>
+        </p:nvSpPr>
+        <p:spPr>
+          <a:xfrm>
+            <a:off x="7423211" y="4366656"/>
+            <a:ext cx="1184978" cy="261610"/>
+          </a:xfrm>
+          <a:prstGeom prst="rect">
+            <a:avLst/>
+          </a:prstGeom>
+          <a:noFill/>
+        </p:spPr>
+        <p:txBody>
+          <a:bodyPr wrap="square">
+            <a:spAutoFit/>
+          </a:bodyPr>
+          <a:lstStyle/>
+          <a:p>
+            <a:r>
+              <a:rPr lang="en-SG" sz="1100" b="1" dirty="0"/>
+              <a:t>192.168.50.12</a:t>
+            </a:r>
+          </a:p>
+        </p:txBody>
+      </p:sp>
+    </p:spTree>
+    <p:extLst>
+      <p:ext uri="{BB962C8B-B14F-4D97-AF65-F5344CB8AC3E}">
+        <p14:creationId xmlns:p14="http://schemas.microsoft.com/office/powerpoint/2010/main" val="1268360078"/>
+      </p:ext>
+    </p:extLst>
+  </p:cSld>
+  <p:clrMapOvr>
+    <a:masterClrMapping/>
+  </p:clrMapOvr>
+</p:sld>
+</file>
+
+<file path=ppt/slides/slide3.xml><?xml version="1.0" encoding="utf-8"?>
+<p:sld xmlns:a="http://schemas.openxmlformats.org/drawingml/2006/main" xmlns:r="http://schemas.openxmlformats.org/officeDocument/2006/relationships" xmlns:p="http://schemas.openxmlformats.org/presentationml/2006/main">
+  <p:cSld>
+    <p:spTree>
+      <p:nvGrpSpPr>
+        <p:cNvPr id="1" name=""/>
+        <p:cNvGrpSpPr/>
+        <p:nvPr/>
+      </p:nvGrpSpPr>
+      <p:grpSpPr>
+        <a:xfrm>
+          <a:off x="0" y="0"/>
+          <a:ext cx="0" cy="0"/>
+          <a:chOff x="0" y="0"/>
+          <a:chExt cx="0" cy="0"/>
+        </a:xfrm>
+      </p:grpSpPr>
+      <p:pic>
+        <p:nvPicPr>
+          <p:cNvPr id="4" name="Graphic 3" descr="User with solid fill">
+            <a:extLst>
+              <a:ext uri="{FF2B5EF4-FFF2-40B4-BE49-F238E27FC236}">
+                <a16:creationId xmlns:a16="http://schemas.microsoft.com/office/drawing/2014/main" id="{BC62186E-3852-22B7-7325-2A76A4CF41B3}"/>
+              </a:ext>
+            </a:extLst>
+          </p:cNvPr>
+          <p:cNvPicPr>
+            <a:picLocks noChangeAspect="1"/>
+          </p:cNvPicPr>
+          <p:nvPr/>
+        </p:nvPicPr>
+        <p:blipFill>
+          <a:blip r:embed="rId2">
+            <a:extLst>
+              <a:ext uri="{96DAC541-7B7A-43D3-8B79-37D633B846F1}">
+                <asvg:svgBlip xmlns:asvg="http://schemas.microsoft.com/office/drawing/2016/SVG/main" r:embed="rId3"/>
+              </a:ext>
+            </a:extLst>
+          </a:blip>
+          <a:stretch>
+            <a:fillRect/>
+          </a:stretch>
+        </p:blipFill>
+        <p:spPr>
+          <a:xfrm>
+            <a:off x="2894872" y="442089"/>
+            <a:ext cx="546696" cy="546696"/>
+          </a:xfrm>
+          <a:prstGeom prst="rect">
+            <a:avLst/>
+          </a:prstGeom>
+        </p:spPr>
+      </p:pic>
+      <p:sp>
+        <p:nvSpPr>
+          <p:cNvPr id="5" name="TextBox 4">
+            <a:extLst>
+              <a:ext uri="{FF2B5EF4-FFF2-40B4-BE49-F238E27FC236}">
+                <a16:creationId xmlns:a16="http://schemas.microsoft.com/office/drawing/2014/main" id="{6ED6359D-4145-07D8-5B7E-B07DDD68043D}"/>
+              </a:ext>
+            </a:extLst>
+          </p:cNvPr>
+          <p:cNvSpPr txBox="1"/>
+          <p:nvPr/>
+        </p:nvSpPr>
+        <p:spPr>
+          <a:xfrm>
+            <a:off x="2850092" y="225469"/>
+            <a:ext cx="1020291" cy="307777"/>
+          </a:xfrm>
+          <a:prstGeom prst="rect">
+            <a:avLst/>
+          </a:prstGeom>
+          <a:noFill/>
+        </p:spPr>
+        <p:txBody>
+          <a:bodyPr wrap="square">
+            <a:spAutoFit/>
+          </a:bodyPr>
+          <a:lstStyle/>
+          <a:p>
+            <a:r>
+              <a:rPr lang="en-US" sz="1400" b="1" dirty="0"/>
+              <a:t>User-01</a:t>
+            </a:r>
+            <a:endParaRPr lang="en-SG" sz="1400" b="1" dirty="0"/>
+          </a:p>
+        </p:txBody>
+      </p:sp>
+      <p:cxnSp>
+        <p:nvCxnSpPr>
+          <p:cNvPr id="7" name="Straight Arrow Connector 6">
+            <a:extLst>
+              <a:ext uri="{FF2B5EF4-FFF2-40B4-BE49-F238E27FC236}">
+                <a16:creationId xmlns:a16="http://schemas.microsoft.com/office/drawing/2014/main" id="{392B7082-40AF-F019-54FB-D07ED8EE9BE7}"/>
+              </a:ext>
+            </a:extLst>
+          </p:cNvPr>
+          <p:cNvCxnSpPr>
+            <a:stCxn id="4" idx="2"/>
+          </p:cNvCxnSpPr>
+          <p:nvPr/>
+        </p:nvCxnSpPr>
+        <p:spPr>
+          <a:xfrm>
+            <a:off x="3168220" y="988785"/>
+            <a:ext cx="0" cy="194510"/>
+          </a:xfrm>
+          <a:prstGeom prst="straightConnector1">
+            <a:avLst/>
+          </a:prstGeom>
+          <a:ln>
+            <a:tailEnd type="triangle"/>
+          </a:ln>
+        </p:spPr>
+        <p:style>
+          <a:lnRef idx="2">
+            <a:schemeClr val="accent1"/>
+          </a:lnRef>
+          <a:fillRef idx="0">
+            <a:schemeClr val="accent1"/>
+          </a:fillRef>
+          <a:effectRef idx="1">
+            <a:schemeClr val="accent1"/>
+          </a:effectRef>
+          <a:fontRef idx="minor">
+            <a:schemeClr val="tx1"/>
+          </a:fontRef>
+        </p:style>
+      </p:cxnSp>
+      <p:pic>
+        <p:nvPicPr>
+          <p:cNvPr id="8" name="Graphic 7" descr="Vlog with solid fill">
+            <a:extLst>
+              <a:ext uri="{FF2B5EF4-FFF2-40B4-BE49-F238E27FC236}">
+                <a16:creationId xmlns:a16="http://schemas.microsoft.com/office/drawing/2014/main" id="{7C103920-DB1E-1438-0549-1EB5470E4440}"/>
+              </a:ext>
+            </a:extLst>
+          </p:cNvPr>
+          <p:cNvPicPr>
+            <a:picLocks noChangeAspect="1"/>
+          </p:cNvPicPr>
+          <p:nvPr/>
+        </p:nvPicPr>
+        <p:blipFill>
+          <a:blip r:embed="rId4">
+            <a:extLst>
+              <a:ext uri="{96DAC541-7B7A-43D3-8B79-37D633B846F1}">
+                <asvg:svgBlip xmlns:asvg="http://schemas.microsoft.com/office/drawing/2016/SVG/main" r:embed="rId5"/>
+              </a:ext>
+            </a:extLst>
+          </a:blip>
+          <a:stretch>
+            <a:fillRect/>
+          </a:stretch>
+        </p:blipFill>
+        <p:spPr>
+          <a:xfrm>
+            <a:off x="2407334" y="1471493"/>
+            <a:ext cx="481299" cy="481299"/>
+          </a:xfrm>
+          <a:prstGeom prst="rect">
+            <a:avLst/>
+          </a:prstGeom>
+        </p:spPr>
+      </p:pic>
+      <p:sp>
+        <p:nvSpPr>
+          <p:cNvPr id="9" name="TextBox 8">
+            <a:extLst>
+              <a:ext uri="{FF2B5EF4-FFF2-40B4-BE49-F238E27FC236}">
+                <a16:creationId xmlns:a16="http://schemas.microsoft.com/office/drawing/2014/main" id="{880B3CB7-FB62-C7EF-2A94-E98229406C9A}"/>
+              </a:ext>
+            </a:extLst>
+          </p:cNvPr>
+          <p:cNvSpPr txBox="1"/>
+          <p:nvPr/>
+        </p:nvSpPr>
+        <p:spPr>
+          <a:xfrm>
+            <a:off x="2850092" y="1286489"/>
+            <a:ext cx="3353950" cy="677108"/>
+          </a:xfrm>
+          <a:prstGeom prst="rect">
+            <a:avLst/>
+          </a:prstGeom>
+          <a:noFill/>
+        </p:spPr>
+        <p:txBody>
+          <a:bodyPr wrap="square">
+            <a:spAutoFit/>
+          </a:bodyPr>
+          <a:lstStyle/>
+          <a:p>
+            <a:r>
+              <a:rPr lang="en-US" sz="1200" b="1" dirty="0"/>
+              <a:t>Human Language Request: </a:t>
+            </a:r>
+          </a:p>
+          <a:p>
+            <a:r>
+              <a:rPr lang="en-US" sz="1200" b="1" dirty="0"/>
+              <a:t>Google search </a:t>
+            </a:r>
+            <a:r>
+              <a:rPr lang="en-US" sz="1200" b="1" dirty="0" err="1"/>
+              <a:t>deepseek</a:t>
+            </a:r>
+            <a:r>
+              <a:rPr lang="en-US" sz="1200" b="1" dirty="0"/>
+              <a:t> and summarize the product features in 500 words</a:t>
+            </a:r>
+            <a:r>
+              <a:rPr lang="en-US" sz="1400" b="1" dirty="0"/>
+              <a:t>.</a:t>
+            </a:r>
+            <a:endParaRPr lang="en-SG" sz="1400" b="1" dirty="0"/>
+          </a:p>
+        </p:txBody>
+      </p:sp>
+      <p:sp>
+        <p:nvSpPr>
+          <p:cNvPr id="10" name="Rectangle 9">
+            <a:extLst>
+              <a:ext uri="{FF2B5EF4-FFF2-40B4-BE49-F238E27FC236}">
+                <a16:creationId xmlns:a16="http://schemas.microsoft.com/office/drawing/2014/main" id="{9BF6BBBE-C7F6-CF38-8AEE-D05AA3893AD2}"/>
+              </a:ext>
+            </a:extLst>
+          </p:cNvPr>
+          <p:cNvSpPr/>
+          <p:nvPr/>
+        </p:nvSpPr>
+        <p:spPr>
+          <a:xfrm>
+            <a:off x="2359152" y="1286489"/>
+            <a:ext cx="3749039" cy="677108"/>
+          </a:xfrm>
+          <a:prstGeom prst="rect">
+            <a:avLst/>
+          </a:prstGeom>
+          <a:noFill/>
+        </p:spPr>
+        <p:style>
+          <a:lnRef idx="2">
+            <a:schemeClr val="accent1">
+              <a:shade val="15000"/>
+            </a:schemeClr>
+          </a:lnRef>
+          <a:fillRef idx="1">
+            <a:schemeClr val="accent1"/>
+          </a:fillRef>
+          <a:effectRef idx="0">
+            <a:schemeClr val="accent1"/>
+          </a:effectRef>
+          <a:fontRef idx="minor">
+            <a:schemeClr val="lt1"/>
+          </a:fontRef>
+        </p:style>
+        <p:txBody>
+          <a:bodyPr rtlCol="0" anchor="ctr"/>
+          <a:lstStyle/>
+          <a:p>
+            <a:pPr algn="ctr"/>
+            <a:endParaRPr lang="en-SG" dirty="0"/>
+          </a:p>
+        </p:txBody>
+      </p:sp>
+      <p:sp>
+        <p:nvSpPr>
+          <p:cNvPr id="11" name="TextBox 10">
+            <a:extLst>
+              <a:ext uri="{FF2B5EF4-FFF2-40B4-BE49-F238E27FC236}">
+                <a16:creationId xmlns:a16="http://schemas.microsoft.com/office/drawing/2014/main" id="{2D654CCB-5878-B878-639E-F75352C81377}"/>
+              </a:ext>
+            </a:extLst>
+          </p:cNvPr>
+          <p:cNvSpPr txBox="1"/>
+          <p:nvPr/>
+        </p:nvSpPr>
+        <p:spPr>
+          <a:xfrm>
+            <a:off x="2342417" y="1264563"/>
+            <a:ext cx="1020291" cy="307777"/>
+          </a:xfrm>
+          <a:prstGeom prst="rect">
+            <a:avLst/>
+          </a:prstGeom>
+          <a:noFill/>
+        </p:spPr>
+        <p:txBody>
+          <a:bodyPr wrap="square">
+            <a:spAutoFit/>
+          </a:bodyPr>
+          <a:lstStyle/>
+          <a:p>
+            <a:r>
+              <a:rPr lang="en-US" sz="1400" b="1" dirty="0">
+                <a:solidFill>
+                  <a:schemeClr val="tx2">
+                    <a:lumMod val="75000"/>
+                    <a:lumOff val="25000"/>
+                  </a:schemeClr>
+                </a:solidFill>
+              </a:rPr>
+              <a:t>Input</a:t>
+            </a:r>
+            <a:endParaRPr lang="en-SG" sz="1400" b="1" dirty="0">
+              <a:solidFill>
+                <a:schemeClr val="tx2">
+                  <a:lumMod val="75000"/>
+                  <a:lumOff val="25000"/>
+                </a:schemeClr>
+              </a:solidFill>
+            </a:endParaRPr>
+          </a:p>
+        </p:txBody>
+      </p:sp>
+      <p:cxnSp>
+        <p:nvCxnSpPr>
+          <p:cNvPr id="13" name="Straight Arrow Connector 12">
+            <a:extLst>
+              <a:ext uri="{FF2B5EF4-FFF2-40B4-BE49-F238E27FC236}">
+                <a16:creationId xmlns:a16="http://schemas.microsoft.com/office/drawing/2014/main" id="{C4A06ACC-B87F-F169-6CB2-BE60CFF68827}"/>
+              </a:ext>
+            </a:extLst>
+          </p:cNvPr>
+          <p:cNvCxnSpPr/>
+          <p:nvPr/>
+        </p:nvCxnSpPr>
+        <p:spPr>
+          <a:xfrm>
+            <a:off x="3168220" y="1991029"/>
+            <a:ext cx="0" cy="243826"/>
+          </a:xfrm>
+          <a:prstGeom prst="straightConnector1">
+            <a:avLst/>
+          </a:prstGeom>
+          <a:ln>
+            <a:tailEnd type="triangle"/>
+          </a:ln>
+        </p:spPr>
+        <p:style>
+          <a:lnRef idx="2">
+            <a:schemeClr val="accent1"/>
+          </a:lnRef>
+          <a:fillRef idx="0">
+            <a:schemeClr val="accent1"/>
+          </a:fillRef>
+          <a:effectRef idx="1">
+            <a:schemeClr val="accent1"/>
+          </a:effectRef>
+          <a:fontRef idx="minor">
+            <a:schemeClr val="tx1"/>
+          </a:fontRef>
+        </p:style>
+      </p:cxnSp>
+      <p:pic>
+        <p:nvPicPr>
+          <p:cNvPr id="14" name="Graphic 13" descr="Vlog with solid fill">
+            <a:extLst>
+              <a:ext uri="{FF2B5EF4-FFF2-40B4-BE49-F238E27FC236}">
+                <a16:creationId xmlns:a16="http://schemas.microsoft.com/office/drawing/2014/main" id="{6D0150AC-3FEC-AEC8-0749-C1028EEB7EBE}"/>
+              </a:ext>
+            </a:extLst>
+          </p:cNvPr>
+          <p:cNvPicPr>
+            <a:picLocks noChangeAspect="1"/>
+          </p:cNvPicPr>
+          <p:nvPr/>
+        </p:nvPicPr>
+        <p:blipFill>
+          <a:blip r:embed="rId4">
+            <a:extLst>
+              <a:ext uri="{96DAC541-7B7A-43D3-8B79-37D633B846F1}">
+                <asvg:svgBlip xmlns:asvg="http://schemas.microsoft.com/office/drawing/2016/SVG/main" r:embed="rId5"/>
+              </a:ext>
+            </a:extLst>
+          </a:blip>
+          <a:stretch>
+            <a:fillRect/>
+          </a:stretch>
+        </p:blipFill>
+        <p:spPr>
+          <a:xfrm>
+            <a:off x="2455490" y="2539917"/>
+            <a:ext cx="481299" cy="481299"/>
+          </a:xfrm>
+          <a:prstGeom prst="rect">
+            <a:avLst/>
+          </a:prstGeom>
+        </p:spPr>
+      </p:pic>
+      <p:sp>
+        <p:nvSpPr>
+          <p:cNvPr id="15" name="TextBox 14">
+            <a:extLst>
+              <a:ext uri="{FF2B5EF4-FFF2-40B4-BE49-F238E27FC236}">
+                <a16:creationId xmlns:a16="http://schemas.microsoft.com/office/drawing/2014/main" id="{BBB807C8-0CE1-010E-FEE8-830EFAF03123}"/>
+              </a:ext>
+            </a:extLst>
+          </p:cNvPr>
+          <p:cNvSpPr txBox="1"/>
+          <p:nvPr/>
+        </p:nvSpPr>
+        <p:spPr>
+          <a:xfrm>
+            <a:off x="2421277" y="2344049"/>
+            <a:ext cx="1020291" cy="307777"/>
+          </a:xfrm>
+          <a:prstGeom prst="rect">
+            <a:avLst/>
+          </a:prstGeom>
+          <a:noFill/>
+        </p:spPr>
+        <p:txBody>
+          <a:bodyPr wrap="square">
+            <a:spAutoFit/>
+          </a:bodyPr>
+          <a:lstStyle/>
+          <a:p>
+            <a:r>
+              <a:rPr lang="en-US" sz="1400" b="1" dirty="0">
+                <a:solidFill>
+                  <a:schemeClr val="tx2">
+                    <a:lumMod val="75000"/>
+                    <a:lumOff val="25000"/>
+                  </a:schemeClr>
+                </a:solidFill>
+              </a:rPr>
+              <a:t>Input</a:t>
+            </a:r>
+            <a:endParaRPr lang="en-SG" sz="1400" b="1" dirty="0">
+              <a:solidFill>
+                <a:schemeClr val="tx2">
+                  <a:lumMod val="75000"/>
+                  <a:lumOff val="25000"/>
+                </a:schemeClr>
+              </a:solidFill>
+            </a:endParaRPr>
+          </a:p>
+        </p:txBody>
+      </p:sp>
+      <p:sp>
+        <p:nvSpPr>
+          <p:cNvPr id="16" name="Rectangle 15">
+            <a:extLst>
+              <a:ext uri="{FF2B5EF4-FFF2-40B4-BE49-F238E27FC236}">
+                <a16:creationId xmlns:a16="http://schemas.microsoft.com/office/drawing/2014/main" id="{23160B87-953F-65A6-DEFE-2E7B6961BBA2}"/>
+              </a:ext>
+            </a:extLst>
+          </p:cNvPr>
+          <p:cNvSpPr/>
+          <p:nvPr/>
+        </p:nvSpPr>
+        <p:spPr>
+          <a:xfrm>
+            <a:off x="2359151" y="2325583"/>
+            <a:ext cx="3749039" cy="677108"/>
+          </a:xfrm>
+          <a:prstGeom prst="rect">
+            <a:avLst/>
+          </a:prstGeom>
+          <a:noFill/>
+        </p:spPr>
+        <p:style>
+          <a:lnRef idx="2">
+            <a:schemeClr val="accent1">
+              <a:shade val="15000"/>
+            </a:schemeClr>
+          </a:lnRef>
+          <a:fillRef idx="1">
+            <a:schemeClr val="accent1"/>
+          </a:fillRef>
+          <a:effectRef idx="0">
+            <a:schemeClr val="accent1"/>
+          </a:effectRef>
+          <a:fontRef idx="minor">
+            <a:schemeClr val="lt1"/>
+          </a:fontRef>
+        </p:style>
+        <p:txBody>
+          <a:bodyPr rtlCol="0" anchor="ctr"/>
+          <a:lstStyle/>
+          <a:p>
+            <a:pPr algn="ctr"/>
+            <a:endParaRPr lang="en-SG" dirty="0"/>
+          </a:p>
+        </p:txBody>
+      </p:sp>
+      <p:sp>
+        <p:nvSpPr>
+          <p:cNvPr id="18" name="TextBox 17">
+            <a:extLst>
+              <a:ext uri="{FF2B5EF4-FFF2-40B4-BE49-F238E27FC236}">
+                <a16:creationId xmlns:a16="http://schemas.microsoft.com/office/drawing/2014/main" id="{3DFD7D86-2A68-328F-C2D6-A6FF80C5874D}"/>
+              </a:ext>
+            </a:extLst>
+          </p:cNvPr>
+          <p:cNvSpPr txBox="1"/>
+          <p:nvPr/>
+        </p:nvSpPr>
+        <p:spPr>
+          <a:xfrm>
+            <a:off x="3168220" y="1959053"/>
+            <a:ext cx="1174234" cy="307777"/>
+          </a:xfrm>
+          <a:prstGeom prst="rect">
+            <a:avLst/>
+          </a:prstGeom>
+          <a:noFill/>
+        </p:spPr>
+        <p:txBody>
+          <a:bodyPr wrap="square">
+            <a:spAutoFit/>
+          </a:bodyPr>
+          <a:lstStyle/>
+          <a:p>
+            <a:r>
+              <a:rPr lang="en-US" sz="1400" b="1" dirty="0">
+                <a:solidFill>
+                  <a:schemeClr val="accent2"/>
+                </a:solidFill>
+              </a:rPr>
+              <a:t>Add Prompt</a:t>
+            </a:r>
+            <a:endParaRPr lang="en-SG" sz="1400" b="1" dirty="0">
+              <a:solidFill>
+                <a:schemeClr val="accent2"/>
+              </a:solidFill>
+            </a:endParaRPr>
+          </a:p>
+        </p:txBody>
+      </p:sp>
+      <p:pic>
+        <p:nvPicPr>
+          <p:cNvPr id="19" name="Graphic 18" descr="Vlog with solid fill">
+            <a:extLst>
+              <a:ext uri="{FF2B5EF4-FFF2-40B4-BE49-F238E27FC236}">
+                <a16:creationId xmlns:a16="http://schemas.microsoft.com/office/drawing/2014/main" id="{FEA32454-E910-1C5E-731F-26454FE255FA}"/>
+              </a:ext>
+            </a:extLst>
+          </p:cNvPr>
+          <p:cNvPicPr>
+            <a:picLocks noChangeAspect="1"/>
+          </p:cNvPicPr>
+          <p:nvPr/>
+        </p:nvPicPr>
+        <p:blipFill>
+          <a:blip r:embed="rId6">
+            <a:extLst>
+              <a:ext uri="{96DAC541-7B7A-43D3-8B79-37D633B846F1}">
+                <asvg:svgBlip xmlns:asvg="http://schemas.microsoft.com/office/drawing/2016/SVG/main" r:embed="rId7"/>
+              </a:ext>
+            </a:extLst>
+          </a:blip>
+          <a:stretch>
+            <a:fillRect/>
+          </a:stretch>
+        </p:blipFill>
+        <p:spPr>
+          <a:xfrm>
+            <a:off x="3022756" y="2543160"/>
+            <a:ext cx="476913" cy="476913"/>
+          </a:xfrm>
+          <a:prstGeom prst="rect">
+            <a:avLst/>
+          </a:prstGeom>
+        </p:spPr>
+      </p:pic>
+      <p:sp>
+        <p:nvSpPr>
+          <p:cNvPr id="20" name="TextBox 19">
+            <a:extLst>
+              <a:ext uri="{FF2B5EF4-FFF2-40B4-BE49-F238E27FC236}">
+                <a16:creationId xmlns:a16="http://schemas.microsoft.com/office/drawing/2014/main" id="{DFF397AB-9F56-73E9-577D-84F0E5A7B5A0}"/>
+              </a:ext>
+            </a:extLst>
+          </p:cNvPr>
+          <p:cNvSpPr txBox="1"/>
+          <p:nvPr/>
+        </p:nvSpPr>
+        <p:spPr>
+          <a:xfrm>
+            <a:off x="3511409" y="2325583"/>
+            <a:ext cx="2526940" cy="646331"/>
+          </a:xfrm>
+          <a:prstGeom prst="rect">
+            <a:avLst/>
+          </a:prstGeom>
+          <a:noFill/>
+        </p:spPr>
+        <p:txBody>
+          <a:bodyPr wrap="square">
+            <a:spAutoFit/>
+          </a:bodyPr>
+          <a:lstStyle/>
+          <a:p>
+            <a:r>
+              <a:rPr lang="en-US" sz="1200" b="1" dirty="0">
+                <a:solidFill>
+                  <a:schemeClr val="accent2"/>
+                </a:solidFill>
+              </a:rPr>
+              <a:t>Prompt: I am a beginner to use browser, please help list the detail </a:t>
+            </a:r>
+            <a:r>
+              <a:rPr lang="en-US" sz="1200" b="1" dirty="0" err="1">
+                <a:solidFill>
+                  <a:schemeClr val="accent2"/>
+                </a:solidFill>
+              </a:rPr>
+              <a:t>ToDOo</a:t>
+            </a:r>
+            <a:r>
+              <a:rPr lang="en-US" sz="1200" b="1" dirty="0">
+                <a:solidFill>
+                  <a:schemeClr val="accent2"/>
+                </a:solidFill>
+              </a:rPr>
+              <a:t> list for…</a:t>
+            </a:r>
+            <a:endParaRPr lang="en-SG" sz="1200" b="1" dirty="0">
+              <a:solidFill>
+                <a:schemeClr val="accent2"/>
+              </a:solidFill>
+            </a:endParaRPr>
+          </a:p>
+        </p:txBody>
+      </p:sp>
+      <p:cxnSp>
+        <p:nvCxnSpPr>
+          <p:cNvPr id="21" name="Straight Arrow Connector 20">
+            <a:extLst>
+              <a:ext uri="{FF2B5EF4-FFF2-40B4-BE49-F238E27FC236}">
+                <a16:creationId xmlns:a16="http://schemas.microsoft.com/office/drawing/2014/main" id="{32180FC7-6A43-81D9-2018-3A76CD16C7D3}"/>
+              </a:ext>
+            </a:extLst>
+          </p:cNvPr>
+          <p:cNvCxnSpPr>
+            <a:cxnSpLocks/>
+          </p:cNvCxnSpPr>
+          <p:nvPr/>
+        </p:nvCxnSpPr>
+        <p:spPr>
+          <a:xfrm>
+            <a:off x="6119930" y="2632873"/>
+            <a:ext cx="472894" cy="0"/>
+          </a:xfrm>
+          <a:prstGeom prst="straightConnector1">
+            <a:avLst/>
+          </a:prstGeom>
+          <a:ln>
+            <a:tailEnd type="triangle"/>
+          </a:ln>
+        </p:spPr>
+        <p:style>
+          <a:lnRef idx="2">
+            <a:schemeClr val="accent1"/>
+          </a:lnRef>
+          <a:fillRef idx="0">
+            <a:schemeClr val="accent1"/>
+          </a:fillRef>
+          <a:effectRef idx="1">
+            <a:schemeClr val="accent1"/>
+          </a:effectRef>
+          <a:fontRef idx="minor">
+            <a:schemeClr val="tx1"/>
+          </a:fontRef>
+        </p:style>
+      </p:cxnSp>
+      <p:sp>
+        <p:nvSpPr>
+          <p:cNvPr id="28" name="Rectangle 27">
+            <a:extLst>
+              <a:ext uri="{FF2B5EF4-FFF2-40B4-BE49-F238E27FC236}">
+                <a16:creationId xmlns:a16="http://schemas.microsoft.com/office/drawing/2014/main" id="{71076F4D-0387-7671-74CD-54268023C450}"/>
+              </a:ext>
+            </a:extLst>
+          </p:cNvPr>
+          <p:cNvSpPr/>
+          <p:nvPr/>
+        </p:nvSpPr>
+        <p:spPr>
+          <a:xfrm>
+            <a:off x="6604564" y="2514827"/>
+            <a:ext cx="1931701" cy="914173"/>
+          </a:xfrm>
+          <a:prstGeom prst="rect">
+            <a:avLst/>
+          </a:prstGeom>
+        </p:spPr>
+        <p:style>
+          <a:lnRef idx="2">
+            <a:schemeClr val="accent1">
+              <a:shade val="15000"/>
+            </a:schemeClr>
+          </a:lnRef>
+          <a:fillRef idx="1">
+            <a:schemeClr val="accent1"/>
+          </a:fillRef>
+          <a:effectRef idx="0">
+            <a:schemeClr val="accent1"/>
+          </a:effectRef>
+          <a:fontRef idx="minor">
+            <a:schemeClr val="lt1"/>
+          </a:fontRef>
+        </p:style>
+        <p:txBody>
+          <a:bodyPr rtlCol="0" anchor="ctr"/>
+          <a:lstStyle/>
+          <a:p>
+            <a:pPr algn="ctr"/>
+            <a:endParaRPr lang="en-SG"/>
+          </a:p>
+        </p:txBody>
+      </p:sp>
+      <p:pic>
+        <p:nvPicPr>
+          <p:cNvPr id="29" name="Picture 2" descr="DeepSeek Logo and symbol, meaning ...">
+            <a:extLst>
+              <a:ext uri="{FF2B5EF4-FFF2-40B4-BE49-F238E27FC236}">
+                <a16:creationId xmlns:a16="http://schemas.microsoft.com/office/drawing/2014/main" id="{D75C0391-1C4F-5FCE-F9C4-5B8E50CC7E12}"/>
+              </a:ext>
+            </a:extLst>
+          </p:cNvPr>
+          <p:cNvPicPr>
+            <a:picLocks noChangeAspect="1" noChangeArrowheads="1"/>
+          </p:cNvPicPr>
+          <p:nvPr/>
+        </p:nvPicPr>
+        <p:blipFill rotWithShape="1">
+          <a:blip r:embed="rId8">
+            <a:extLst>
+              <a:ext uri="{28A0092B-C50C-407E-A947-70E740481C1C}">
+                <a14:useLocalDpi xmlns:a14="http://schemas.microsoft.com/office/drawing/2010/main" val="0"/>
+              </a:ext>
+            </a:extLst>
+          </a:blip>
+          <a:srcRect t="17745" b="19385"/>
+          <a:stretch/>
+        </p:blipFill>
+        <p:spPr bwMode="auto">
+          <a:xfrm>
+            <a:off x="6701114" y="2620484"/>
+            <a:ext cx="1240791" cy="436846"/>
+          </a:xfrm>
+          <a:prstGeom prst="rect">
+            <a:avLst/>
+          </a:prstGeom>
+          <a:noFill/>
+          <a:ln w="19050">
+            <a:solidFill>
+              <a:schemeClr val="tx1"/>
+            </a:solidFill>
+          </a:ln>
+          <a:extLst>
+            <a:ext uri="{909E8E84-426E-40DD-AFC4-6F175D3DCCD1}">
+              <a14:hiddenFill xmlns:a14="http://schemas.microsoft.com/office/drawing/2010/main">
+                <a:solidFill>
+                  <a:srgbClr val="FFFFFF"/>
+                </a:solidFill>
+              </a14:hiddenFill>
+            </a:ext>
+          </a:extLst>
+        </p:spPr>
+      </p:pic>
+      <p:sp>
+        <p:nvSpPr>
           <p:cNvPr id="30" name="TextBox 29">
             <a:extLst>
               <a:ext uri="{FF2B5EF4-FFF2-40B4-BE49-F238E27FC236}">
@@ -6789,7 +9392,7 @@
 </p:sld>
 </file>
 
-<file path=ppt/slides/slide3.xml><?xml version="1.0" encoding="utf-8"?>
+<file path=ppt/slides/slide4.xml><?xml version="1.0" encoding="utf-8"?>
 <p:sld xmlns:a="http://schemas.openxmlformats.org/drawingml/2006/main" xmlns:r="http://schemas.openxmlformats.org/officeDocument/2006/relationships" xmlns:p="http://schemas.openxmlformats.org/presentationml/2006/main">
   <p:cSld>
     <p:spTree>
